--- a/JdbcBookLibrary/ppt/도서관리프로그램.pptx
+++ b/JdbcBookLibrary/ppt/도서관리프로그램.pptx
@@ -15,12 +15,14 @@
     <p:sldId id="269" r:id="rId7"/>
     <p:sldId id="270" r:id="rId8"/>
     <p:sldId id="271" r:id="rId9"/>
-    <p:sldId id="275" r:id="rId10"/>
-    <p:sldId id="288" r:id="rId11"/>
-    <p:sldId id="284" r:id="rId12"/>
-    <p:sldId id="286" r:id="rId13"/>
-    <p:sldId id="287" r:id="rId14"/>
-    <p:sldId id="263" r:id="rId15"/>
+    <p:sldId id="289" r:id="rId10"/>
+    <p:sldId id="290" r:id="rId11"/>
+    <p:sldId id="275" r:id="rId12"/>
+    <p:sldId id="288" r:id="rId13"/>
+    <p:sldId id="284" r:id="rId14"/>
+    <p:sldId id="286" r:id="rId15"/>
+    <p:sldId id="287" r:id="rId16"/>
+    <p:sldId id="263" r:id="rId17"/>
   </p:sldIdLst>
   <p:sldSz cx="12192000" cy="6858000"/>
   <p:notesSz cx="6858000" cy="9144000"/>
@@ -217,7 +219,7 @@
               <a:pPr lvl="0">
                 <a:defRPr/>
               </a:pPr>
-              <a:t>2023-04-15</a:t>
+              <a:t>2023-04-17</a:t>
             </a:fld>
             <a:endParaRPr lang="ko-KR" altLang="en-US"/>
           </a:p>
@@ -571,10 +573,10 @@
               <a:defRPr/>
             </a:pPr>
             <a:r>
-              <a:rPr lang="ko-KR" altLang="en-US"/>
+              <a:rPr lang="en-US" altLang="ko-KR"/>
               <a:t/>
             </a:r>
-            <a:endParaRPr lang="ko-KR" altLang="en-US"/>
+            <a:endParaRPr lang="en-US" altLang="ko-KR"/>
           </a:p>
         </p:txBody>
       </p:sp>
@@ -602,6 +604,210 @@
                 <a:defRPr/>
               </a:pPr>
               <a:t>7</a:t>
+            </a:fld>
+            <a:endParaRPr lang="en-US" altLang="en-US"/>
+          </a:p>
+        </p:txBody>
+      </p:sp>
+    </p:spTree>
+  </p:cSld>
+  <p:clrMapOvr>
+    <a:masterClrMapping/>
+  </p:clrMapOvr>
+</p:notes>
+</file>
+
+<file path=ppt/notesSlides/notesSlide2.xml><?xml version="1.0" encoding="utf-8"?>
+<p:notes xmlns:r="http://schemas.openxmlformats.org/officeDocument/2006/relationships" xmlns:c="http://schemas.openxmlformats.org/drawingml/2006/chart" xmlns:a="http://schemas.openxmlformats.org/drawingml/2006/main" xmlns:dgm="http://schemas.openxmlformats.org/drawingml/2006/diagram" xmlns:dsp="http://schemas.microsoft.com/office/drawing/2008/diagram" xmlns:p="http://schemas.openxmlformats.org/presentationml/2006/main">
+  <p:cSld>
+    <p:spTree>
+      <p:nvGrpSpPr>
+        <p:cNvPr id="1" name=""/>
+        <p:cNvGrpSpPr/>
+        <p:nvPr/>
+      </p:nvGrpSpPr>
+      <p:grpSpPr>
+        <a:xfrm>
+          <a:off x="0" y="0"/>
+          <a:ext cx="0" cy="0"/>
+          <a:chOff x="0" y="0"/>
+          <a:chExt cx="0" cy="0"/>
+        </a:xfrm>
+      </p:grpSpPr>
+      <p:sp>
+        <p:nvSpPr>
+          <p:cNvPr id="2" name="슬라이드 이미지 개체 틀 3"/>
+          <p:cNvSpPr>
+            <a:spLocks noGrp="1" noRot="1" noChangeAspect="1" noTextEdit="1"/>
+          </p:cNvSpPr>
+          <p:nvPr>
+            <p:ph type="sldImg" idx="2"/>
+          </p:nvPr>
+        </p:nvSpPr>
+        <p:spPr/>
+        <p:txBody>
+          <a:bodyPr/>
+          <a:lstStyle/>
+          <a:p>
+            <a:pPr>
+              <a:defRPr/>
+            </a:pPr>
+            <a:endParaRPr lang="ko-KR" altLang="en-US"/>
+          </a:p>
+        </p:txBody>
+      </p:sp>
+      <p:sp>
+        <p:nvSpPr>
+          <p:cNvPr id="3" name="슬라이드 노트 개체 틀 4"/>
+          <p:cNvSpPr>
+            <a:spLocks noGrp="1"/>
+          </p:cNvSpPr>
+          <p:nvPr>
+            <p:ph type="body" sz="quarter" idx="3"/>
+          </p:nvPr>
+        </p:nvSpPr>
+        <p:spPr/>
+        <p:txBody>
+          <a:bodyPr/>
+          <a:lstStyle/>
+          <a:p>
+            <a:pPr>
+              <a:defRPr/>
+            </a:pPr>
+            <a:r>
+              <a:rPr lang="en-US" altLang="ko-KR"/>
+              <a:t/>
+            </a:r>
+            <a:endParaRPr lang="en-US" altLang="ko-KR"/>
+          </a:p>
+        </p:txBody>
+      </p:sp>
+      <p:sp>
+        <p:nvSpPr>
+          <p:cNvPr id="4" name="슬라이드 번호 개체 틀 6"/>
+          <p:cNvSpPr>
+            <a:spLocks noGrp="1"/>
+          </p:cNvSpPr>
+          <p:nvPr>
+            <p:ph type="sldNum" sz="quarter" idx="5"/>
+          </p:nvPr>
+        </p:nvSpPr>
+        <p:spPr/>
+        <p:txBody>
+          <a:bodyPr/>
+          <a:lstStyle/>
+          <a:p>
+            <a:pPr lvl="0">
+              <a:defRPr/>
+            </a:pPr>
+            <a:fld id="{09F4262C-968C-4EE9-8164-CE16364706B3}" type="slidenum">
+              <a:rPr lang="en-US" altLang="en-US"/>
+              <a:pPr lvl="0">
+                <a:defRPr/>
+              </a:pPr>
+              <a:t>8</a:t>
+            </a:fld>
+            <a:endParaRPr lang="en-US" altLang="en-US"/>
+          </a:p>
+        </p:txBody>
+      </p:sp>
+    </p:spTree>
+  </p:cSld>
+  <p:clrMapOvr>
+    <a:masterClrMapping/>
+  </p:clrMapOvr>
+</p:notes>
+</file>
+
+<file path=ppt/notesSlides/notesSlide3.xml><?xml version="1.0" encoding="utf-8"?>
+<p:notes xmlns:r="http://schemas.openxmlformats.org/officeDocument/2006/relationships" xmlns:c="http://schemas.openxmlformats.org/drawingml/2006/chart" xmlns:a="http://schemas.openxmlformats.org/drawingml/2006/main" xmlns:dgm="http://schemas.openxmlformats.org/drawingml/2006/diagram" xmlns:dsp="http://schemas.microsoft.com/office/drawing/2008/diagram" xmlns:p="http://schemas.openxmlformats.org/presentationml/2006/main">
+  <p:cSld>
+    <p:spTree>
+      <p:nvGrpSpPr>
+        <p:cNvPr id="1" name=""/>
+        <p:cNvGrpSpPr/>
+        <p:nvPr/>
+      </p:nvGrpSpPr>
+      <p:grpSpPr>
+        <a:xfrm>
+          <a:off x="0" y="0"/>
+          <a:ext cx="0" cy="0"/>
+          <a:chOff x="0" y="0"/>
+          <a:chExt cx="0" cy="0"/>
+        </a:xfrm>
+      </p:grpSpPr>
+      <p:sp>
+        <p:nvSpPr>
+          <p:cNvPr id="2" name="슬라이드 이미지 개체 틀 3"/>
+          <p:cNvSpPr>
+            <a:spLocks noGrp="1" noRot="1" noChangeAspect="1" noTextEdit="1"/>
+          </p:cNvSpPr>
+          <p:nvPr>
+            <p:ph type="sldImg" idx="2"/>
+          </p:nvPr>
+        </p:nvSpPr>
+        <p:spPr/>
+        <p:txBody>
+          <a:bodyPr/>
+          <a:lstStyle/>
+          <a:p>
+            <a:pPr>
+              <a:defRPr/>
+            </a:pPr>
+            <a:endParaRPr lang="ko-KR" altLang="en-US"/>
+          </a:p>
+        </p:txBody>
+      </p:sp>
+      <p:sp>
+        <p:nvSpPr>
+          <p:cNvPr id="3" name="슬라이드 노트 개체 틀 4"/>
+          <p:cNvSpPr>
+            <a:spLocks noGrp="1"/>
+          </p:cNvSpPr>
+          <p:nvPr>
+            <p:ph type="body" sz="quarter" idx="3"/>
+          </p:nvPr>
+        </p:nvSpPr>
+        <p:spPr/>
+        <p:txBody>
+          <a:bodyPr/>
+          <a:lstStyle/>
+          <a:p>
+            <a:pPr>
+              <a:defRPr/>
+            </a:pPr>
+            <a:r>
+              <a:rPr lang="en-US" altLang="ko-KR"/>
+              <a:t/>
+            </a:r>
+            <a:endParaRPr lang="en-US" altLang="ko-KR"/>
+          </a:p>
+        </p:txBody>
+      </p:sp>
+      <p:sp>
+        <p:nvSpPr>
+          <p:cNvPr id="4" name="슬라이드 번호 개체 틀 6"/>
+          <p:cNvSpPr>
+            <a:spLocks noGrp="1"/>
+          </p:cNvSpPr>
+          <p:nvPr>
+            <p:ph type="sldNum" sz="quarter" idx="5"/>
+          </p:nvPr>
+        </p:nvSpPr>
+        <p:spPr/>
+        <p:txBody>
+          <a:bodyPr/>
+          <a:lstStyle/>
+          <a:p>
+            <a:pPr lvl="0">
+              <a:defRPr/>
+            </a:pPr>
+            <a:fld id="{09F4262C-968C-4EE9-8164-CE16364706B3}" type="slidenum">
+              <a:rPr lang="en-US" altLang="en-US"/>
+              <a:pPr lvl="0">
+                <a:defRPr/>
+              </a:pPr>
+              <a:t>9</a:t>
             </a:fld>
             <a:endParaRPr lang="en-US" altLang="en-US"/>
           </a:p>
@@ -2755,3475 +2961,6 @@
 </file>
 
 <file path=ppt/slides/slide10.xml><?xml version="1.0" encoding="utf-8"?>
-<p:sld xmlns:r="http://schemas.openxmlformats.org/officeDocument/2006/relationships" xmlns:c="http://schemas.openxmlformats.org/drawingml/2006/chart" xmlns:a="http://schemas.openxmlformats.org/drawingml/2006/main" xmlns:dgm="http://schemas.openxmlformats.org/drawingml/2006/diagram" xmlns:dsp="http://schemas.microsoft.com/office/drawing/2008/diagram" xmlns:p="http://schemas.openxmlformats.org/presentationml/2006/main">
-  <p:cSld>
-    <p:spTree>
-      <p:nvGrpSpPr>
-        <p:cNvPr id="1" name=""/>
-        <p:cNvGrpSpPr/>
-        <p:nvPr/>
-      </p:nvGrpSpPr>
-      <p:grpSpPr>
-        <a:xfrm>
-          <a:off x="0" y="0"/>
-          <a:ext cx="0" cy="0"/>
-          <a:chOff x="0" y="0"/>
-          <a:chExt cx="0" cy="0"/>
-        </a:xfrm>
-      </p:grpSpPr>
-      <p:sp>
-        <p:nvSpPr>
-          <p:cNvPr id="2" name=""/>
-          <p:cNvSpPr txBox="1"/>
-          <p:nvPr/>
-        </p:nvSpPr>
-        <p:spPr>
-          <a:xfrm>
-            <a:off x="1068292" y="1260436"/>
-            <a:ext cx="3048000" cy="623609"/>
-          </a:xfrm>
-          <a:prstGeom prst="rect">
-            <a:avLst/>
-          </a:prstGeom>
-        </p:spPr>
-        <p:txBody>
-          <a:bodyPr wrap="square">
-            <a:spAutoFit/>
-          </a:bodyPr>
-          <a:p>
-            <a:pPr>
-              <a:defRPr/>
-            </a:pPr>
-            <a:r>
-              <a:rPr lang="en-US" altLang="ko-KR" sz="3500" b="1">
-                <a:latin typeface="나눔손글씨 붓"/>
-                <a:ea typeface="나눔손글씨 붓"/>
-              </a:rPr>
-              <a:t>2.</a:t>
-            </a:r>
-            <a:r>
-              <a:rPr lang="ko-KR" altLang="en-US" sz="3500" b="1">
-                <a:latin typeface="나눔손글씨 붓"/>
-                <a:ea typeface="나눔손글씨 붓"/>
-              </a:rPr>
-              <a:t>회원가입</a:t>
-            </a:r>
-            <a:endParaRPr lang="ko-KR" altLang="en-US" sz="3500" b="1">
-              <a:latin typeface="나눔손글씨 붓"/>
-              <a:ea typeface="나눔손글씨 붓"/>
-            </a:endParaRPr>
-          </a:p>
-        </p:txBody>
-      </p:sp>
-      <p:sp>
-        <p:nvSpPr>
-          <p:cNvPr id="3" name=""/>
-          <p:cNvSpPr txBox="1"/>
-          <p:nvPr/>
-        </p:nvSpPr>
-        <p:spPr>
-          <a:xfrm>
-            <a:off x="339910" y="332701"/>
-            <a:ext cx="6096001" cy="927735"/>
-          </a:xfrm>
-          <a:prstGeom prst="rect">
-            <a:avLst/>
-          </a:prstGeom>
-        </p:spPr>
-        <p:txBody>
-          <a:bodyPr wrap="square">
-            <a:spAutoFit/>
-          </a:bodyPr>
-          <a:p>
-            <a:pPr lvl="0">
-              <a:defRPr/>
-            </a:pPr>
-            <a:r>
-              <a:rPr kumimoji="1" lang="en-US" altLang="ko-KR" sz="5500" b="1">
-                <a:latin typeface="나눔손글씨 붓"/>
-                <a:ea typeface="나눔손글씨 붓"/>
-                <a:cs typeface="Mangal"/>
-              </a:rPr>
-              <a:t>4. </a:t>
-            </a:r>
-            <a:r>
-              <a:rPr kumimoji="1" lang="ko-KR" altLang="en-US" sz="5500" b="1">
-                <a:latin typeface="나눔손글씨 붓"/>
-                <a:ea typeface="나눔손글씨 붓"/>
-                <a:cs typeface="Mangal"/>
-              </a:rPr>
-              <a:t>시연</a:t>
-            </a:r>
-            <a:endParaRPr kumimoji="1" lang="ko-KR" altLang="en-US" sz="5500" b="1">
-              <a:latin typeface="나눔손글씨 붓"/>
-              <a:ea typeface="나눔손글씨 붓"/>
-              <a:cs typeface="Mangal"/>
-            </a:endParaRPr>
-          </a:p>
-        </p:txBody>
-      </p:sp>
-      <p:sp>
-        <p:nvSpPr>
-          <p:cNvPr id="5" name=""/>
-          <p:cNvSpPr txBox="1"/>
-          <p:nvPr/>
-        </p:nvSpPr>
-        <p:spPr>
-          <a:xfrm>
-            <a:off x="1429497" y="2275596"/>
-            <a:ext cx="1365249" cy="547409"/>
-          </a:xfrm>
-          <a:prstGeom prst="rect">
-            <a:avLst/>
-          </a:prstGeom>
-        </p:spPr>
-        <p:txBody>
-          <a:bodyPr wrap="square">
-            <a:spAutoFit/>
-          </a:bodyPr>
-          <a:lstStyle/>
-          <a:p>
-            <a:pPr>
-              <a:defRPr/>
-            </a:pPr>
-            <a:r>
-              <a:rPr lang="en-US" altLang="ko-KR" sz="3000" b="1">
-                <a:latin typeface="나눔손글씨 붓"/>
-                <a:ea typeface="나눔손글씨 붓"/>
-              </a:rPr>
-              <a:t>1.</a:t>
-            </a:r>
-            <a:r>
-              <a:rPr lang="ko-KR" altLang="en-US" sz="3000" b="1">
-                <a:latin typeface="나눔손글씨 붓"/>
-                <a:ea typeface="나눔손글씨 붓"/>
-              </a:rPr>
-              <a:t> 입력</a:t>
-            </a:r>
-            <a:endParaRPr lang="ko-KR" altLang="en-US" sz="3000" b="1">
-              <a:latin typeface="나눔손글씨 붓"/>
-              <a:ea typeface="나눔손글씨 붓"/>
-            </a:endParaRPr>
-          </a:p>
-        </p:txBody>
-      </p:sp>
-      <p:pic>
-        <p:nvPicPr>
-          <p:cNvPr id="9" name=""/>
-          <p:cNvPicPr>
-            <a:picLocks noChangeAspect="1"/>
-          </p:cNvPicPr>
-          <p:nvPr/>
-        </p:nvPicPr>
-        <p:blipFill rotWithShape="1">
-          <a:blip r:embed="rId2"/>
-          <a:stretch>
-            <a:fillRect/>
-          </a:stretch>
-        </p:blipFill>
-        <p:spPr>
-          <a:xfrm>
-            <a:off x="3640043" y="2047148"/>
-            <a:ext cx="7089605" cy="4006224"/>
-          </a:xfrm>
-          <a:prstGeom prst="rect">
-            <a:avLst/>
-          </a:prstGeom>
-        </p:spPr>
-      </p:pic>
-      <p:pic>
-        <p:nvPicPr>
-          <p:cNvPr id="10" name=""/>
-          <p:cNvPicPr>
-            <a:picLocks noChangeAspect="1"/>
-          </p:cNvPicPr>
-          <p:nvPr/>
-        </p:nvPicPr>
-        <p:blipFill rotWithShape="1">
-          <a:blip r:embed="rId3"/>
-          <a:stretch>
-            <a:fillRect/>
-          </a:stretch>
-        </p:blipFill>
-        <p:spPr>
-          <a:xfrm>
-            <a:off x="3659092" y="2549301"/>
-            <a:ext cx="6930466" cy="3393486"/>
-          </a:xfrm>
-          <a:prstGeom prst="rect">
-            <a:avLst/>
-          </a:prstGeom>
-        </p:spPr>
-      </p:pic>
-      <p:sp>
-        <p:nvSpPr>
-          <p:cNvPr id="11" name=""/>
-          <p:cNvSpPr txBox="1"/>
-          <p:nvPr/>
-        </p:nvSpPr>
-        <p:spPr>
-          <a:xfrm>
-            <a:off x="1342468" y="2988445"/>
-            <a:ext cx="1726454" cy="543425"/>
-          </a:xfrm>
-          <a:prstGeom prst="rect">
-            <a:avLst/>
-          </a:prstGeom>
-        </p:spPr>
-        <p:txBody>
-          <a:bodyPr wrap="square">
-            <a:spAutoFit/>
-          </a:bodyPr>
-          <a:lstStyle/>
-          <a:p>
-            <a:pPr>
-              <a:defRPr/>
-            </a:pPr>
-            <a:r>
-              <a:rPr lang="ko-KR" altLang="en-US" sz="3000" b="1">
-                <a:latin typeface="나눔손글씨 붓"/>
-                <a:ea typeface="나눔손글씨 붓"/>
-              </a:rPr>
-              <a:t> </a:t>
-            </a:r>
-            <a:r>
-              <a:rPr lang="en-US" altLang="ko-KR" sz="3000" b="1">
-                <a:latin typeface="나눔손글씨 붓"/>
-                <a:ea typeface="나눔손글씨 붓"/>
-              </a:rPr>
-              <a:t>2.</a:t>
-            </a:r>
-            <a:r>
-              <a:rPr lang="ko-KR" altLang="en-US" sz="3000" b="1">
-                <a:latin typeface="나눔손글씨 붓"/>
-                <a:ea typeface="나눔손글씨 붓"/>
-              </a:rPr>
-              <a:t> 수정</a:t>
-            </a:r>
-            <a:endParaRPr lang="ko-KR" altLang="en-US" sz="3000" b="1">
-              <a:latin typeface="나눔손글씨 붓"/>
-              <a:ea typeface="나눔손글씨 붓"/>
-            </a:endParaRPr>
-          </a:p>
-        </p:txBody>
-      </p:sp>
-      <p:sp>
-        <p:nvSpPr>
-          <p:cNvPr id="12" name=""/>
-          <p:cNvSpPr txBox="1"/>
-          <p:nvPr/>
-        </p:nvSpPr>
-        <p:spPr>
-          <a:xfrm>
-            <a:off x="1342468" y="3715899"/>
-            <a:ext cx="1726454" cy="548309"/>
-          </a:xfrm>
-          <a:prstGeom prst="rect">
-            <a:avLst/>
-          </a:prstGeom>
-        </p:spPr>
-        <p:txBody>
-          <a:bodyPr wrap="square">
-            <a:spAutoFit/>
-          </a:bodyPr>
-          <a:lstStyle/>
-          <a:p>
-            <a:pPr>
-              <a:defRPr/>
-            </a:pPr>
-            <a:r>
-              <a:rPr lang="ko-KR" altLang="en-US" sz="3000" b="1">
-                <a:latin typeface="나눔손글씨 붓"/>
-                <a:ea typeface="나눔손글씨 붓"/>
-              </a:rPr>
-              <a:t> </a:t>
-            </a:r>
-            <a:r>
-              <a:rPr lang="en-US" altLang="ko-KR" sz="3000" b="1">
-                <a:latin typeface="나눔손글씨 붓"/>
-                <a:ea typeface="나눔손글씨 붓"/>
-              </a:rPr>
-              <a:t>3.</a:t>
-            </a:r>
-            <a:r>
-              <a:rPr lang="ko-KR" altLang="en-US" sz="3000" b="1">
-                <a:latin typeface="나눔손글씨 붓"/>
-                <a:ea typeface="나눔손글씨 붓"/>
-              </a:rPr>
-              <a:t> 탈퇴</a:t>
-            </a:r>
-            <a:endParaRPr lang="ko-KR" altLang="en-US" sz="3000" b="1">
-              <a:latin typeface="나눔손글씨 붓"/>
-              <a:ea typeface="나눔손글씨 붓"/>
-            </a:endParaRPr>
-          </a:p>
-        </p:txBody>
-      </p:sp>
-      <p:pic>
-        <p:nvPicPr>
-          <p:cNvPr id="15" name=""/>
-          <p:cNvPicPr>
-            <a:picLocks noChangeAspect="1"/>
-          </p:cNvPicPr>
-          <p:nvPr/>
-        </p:nvPicPr>
-        <p:blipFill rotWithShape="1">
-          <a:blip r:embed="rId4"/>
-          <a:stretch>
-            <a:fillRect/>
-          </a:stretch>
-        </p:blipFill>
-        <p:spPr>
-          <a:xfrm>
-            <a:off x="3659092" y="2549301"/>
-            <a:ext cx="6930466" cy="3444280"/>
-          </a:xfrm>
-          <a:prstGeom prst="rect">
-            <a:avLst/>
-          </a:prstGeom>
-        </p:spPr>
-      </p:pic>
-      <p:pic>
-        <p:nvPicPr>
-          <p:cNvPr id="16" name=""/>
-          <p:cNvPicPr>
-            <a:picLocks noChangeAspect="1"/>
-          </p:cNvPicPr>
-          <p:nvPr/>
-        </p:nvPicPr>
-        <p:blipFill rotWithShape="1">
-          <a:blip r:embed="rId5"/>
-          <a:stretch>
-            <a:fillRect/>
-          </a:stretch>
-        </p:blipFill>
-        <p:spPr>
-          <a:xfrm>
-            <a:off x="3659092" y="2571546"/>
-            <a:ext cx="6930466" cy="3444279"/>
-          </a:xfrm>
-          <a:prstGeom prst="rect">
-            <a:avLst/>
-          </a:prstGeom>
-        </p:spPr>
-      </p:pic>
-      <p:sp>
-        <p:nvSpPr>
-          <p:cNvPr id="17" name=""/>
-          <p:cNvSpPr txBox="1"/>
-          <p:nvPr/>
-        </p:nvSpPr>
-        <p:spPr>
-          <a:xfrm>
-            <a:off x="790399" y="4394943"/>
-            <a:ext cx="2868693" cy="548410"/>
-          </a:xfrm>
-          <a:prstGeom prst="rect">
-            <a:avLst/>
-          </a:prstGeom>
-        </p:spPr>
-        <p:txBody>
-          <a:bodyPr wrap="square">
-            <a:spAutoFit/>
-          </a:bodyPr>
-          <a:lstStyle/>
-          <a:p>
-            <a:pPr>
-              <a:defRPr/>
-            </a:pPr>
-            <a:r>
-              <a:rPr lang="en-US" altLang="ko-KR" sz="3000" b="1">
-                <a:latin typeface="나눔손글씨 붓"/>
-                <a:ea typeface="나눔손글씨 붓"/>
-              </a:rPr>
-              <a:t>4.</a:t>
-            </a:r>
-            <a:r>
-              <a:rPr lang="ko-KR" altLang="en-US" sz="3000" b="1">
-                <a:latin typeface="나눔손글씨 붓"/>
-                <a:ea typeface="나눔손글씨 붓"/>
-              </a:rPr>
-              <a:t> 회원전체출력</a:t>
-            </a:r>
-            <a:endParaRPr lang="ko-KR" altLang="en-US" sz="3000" b="1">
-              <a:latin typeface="나눔손글씨 붓"/>
-              <a:ea typeface="나눔손글씨 붓"/>
-            </a:endParaRPr>
-          </a:p>
-        </p:txBody>
-      </p:sp>
-      <p:sp>
-        <p:nvSpPr>
-          <p:cNvPr id="18" name=""/>
-          <p:cNvSpPr txBox="1"/>
-          <p:nvPr/>
-        </p:nvSpPr>
-        <p:spPr>
-          <a:xfrm>
-            <a:off x="1105718" y="5055412"/>
-            <a:ext cx="2534324" cy="543383"/>
-          </a:xfrm>
-          <a:prstGeom prst="rect">
-            <a:avLst/>
-          </a:prstGeom>
-        </p:spPr>
-        <p:txBody>
-          <a:bodyPr wrap="square">
-            <a:spAutoFit/>
-          </a:bodyPr>
-          <a:lstStyle/>
-          <a:p>
-            <a:pPr>
-              <a:defRPr/>
-            </a:pPr>
-            <a:r>
-              <a:rPr lang="ko-KR" altLang="en-US" sz="3000" b="1">
-                <a:latin typeface="나눔손글씨 붓"/>
-                <a:ea typeface="나눔손글씨 붓"/>
-              </a:rPr>
-              <a:t> </a:t>
-            </a:r>
-            <a:r>
-              <a:rPr lang="en-US" altLang="ko-KR" sz="3000" b="1">
-                <a:latin typeface="나눔손글씨 붓"/>
-                <a:ea typeface="나눔손글씨 붓"/>
-              </a:rPr>
-              <a:t>5.</a:t>
-            </a:r>
-            <a:r>
-              <a:rPr lang="ko-KR" altLang="en-US" sz="3000" b="1">
-                <a:latin typeface="나눔손글씨 붓"/>
-                <a:ea typeface="나눔손글씨 붓"/>
-              </a:rPr>
-              <a:t> 메인메뉴</a:t>
-            </a:r>
-            <a:endParaRPr lang="ko-KR" altLang="en-US" sz="3000" b="1">
-              <a:latin typeface="나눔손글씨 붓"/>
-              <a:ea typeface="나눔손글씨 붓"/>
-            </a:endParaRPr>
-          </a:p>
-        </p:txBody>
-      </p:sp>
-      <p:pic>
-        <p:nvPicPr>
-          <p:cNvPr id="19" name=""/>
-          <p:cNvPicPr>
-            <a:picLocks noChangeAspect="1"/>
-          </p:cNvPicPr>
-          <p:nvPr/>
-        </p:nvPicPr>
-        <p:blipFill rotWithShape="1">
-          <a:blip r:embed="rId6"/>
-          <a:stretch>
-            <a:fillRect/>
-          </a:stretch>
-        </p:blipFill>
-        <p:spPr>
-          <a:xfrm>
-            <a:off x="3659092" y="2541239"/>
-            <a:ext cx="6930466" cy="3401547"/>
-          </a:xfrm>
-          <a:prstGeom prst="rect">
-            <a:avLst/>
-          </a:prstGeom>
-        </p:spPr>
-      </p:pic>
-      <p:pic>
-        <p:nvPicPr>
-          <p:cNvPr id="20" name=""/>
-          <p:cNvPicPr>
-            <a:picLocks noChangeAspect="1"/>
-          </p:cNvPicPr>
-          <p:nvPr/>
-        </p:nvPicPr>
-        <p:blipFill rotWithShape="1">
-          <a:blip r:embed="rId7"/>
-          <a:stretch>
-            <a:fillRect/>
-          </a:stretch>
-        </p:blipFill>
-        <p:spPr>
-          <a:xfrm>
-            <a:off x="3659092" y="2571546"/>
-            <a:ext cx="6930466" cy="3444280"/>
-          </a:xfrm>
-          <a:prstGeom prst="rect">
-            <a:avLst/>
-          </a:prstGeom>
-        </p:spPr>
-      </p:pic>
-    </p:spTree>
-  </p:cSld>
-  <p:clrMapOvr>
-    <a:masterClrMapping/>
-  </p:clrMapOvr>
-  <mc:AlternateContent xmlns:mc="http://schemas.openxmlformats.org/markup-compatibility/2006">
-    <mc:Choice xmlns:p14="http://schemas.microsoft.com/office/powerpoint/2010/main" Requires="p14">
-      <p:transition xmlns:mc="http://schemas.openxmlformats.org/markup-compatibility/2006" xmlns:p14="http://schemas.microsoft.com/office/powerpoint/2010/main" mc:Ignorable="p14" p14:dur="500"/>
-    </mc:Choice>
-    <mc:Fallback>
-      <p:transition/>
-    </mc:Fallback>
-  </mc:AlternateContent>
-  <p:timing>
-    <p:tnLst>
-      <p:par>
-        <p:cTn id="1" dur="indefinite" restart="never" nodeType="tmRoot">
-          <p:childTnLst>
-            <p:seq concurrent="1" nextAc="seek">
-              <p:cTn id="2" dur="indefinite" nodeType="mainSeq">
-                <p:childTnLst>
-                  <p:par>
-                    <p:cTn id="3" fill="hold">
-                      <p:stCondLst>
-                        <p:cond delay="indefinite"/>
-                      </p:stCondLst>
-                      <p:childTnLst>
-                        <p:par>
-                          <p:cTn id="4" fill="hold">
-                            <p:stCondLst>
-                              <p:cond delay="0"/>
-                            </p:stCondLst>
-                            <p:childTnLst>
-                              <p:par>
-                                <p:cTn id="5" presetID="23" presetClass="entr" presetSubtype="16" fill="hold" nodeType="clickEffect">
-                                  <p:stCondLst>
-                                    <p:cond delay="0"/>
-                                  </p:stCondLst>
-                                  <p:childTnLst>
-                                    <p:set>
-                                      <p:cBhvr>
-                                        <p:cTn id="6" dur="1" fill="hold">
-                                          <p:stCondLst>
-                                            <p:cond delay="0"/>
-                                          </p:stCondLst>
-                                        </p:cTn>
-                                        <p:tgtEl>
-                                          <p:spTgt spid="15"/>
-                                        </p:tgtEl>
-                                        <p:attrNameLst>
-                                          <p:attrName>style.visibility</p:attrName>
-                                        </p:attrNameLst>
-                                      </p:cBhvr>
-                                      <p:to>
-                                        <p:strVal val="visible"/>
-                                      </p:to>
-                                    </p:set>
-                                    <p:anim calcmode="lin" valueType="num">
-                                      <p:cBhvr>
-                                        <p:cTn id="7" dur="500" fill="hold"/>
-                                        <p:tgtEl>
-                                          <p:spTgt spid="15"/>
-                                        </p:tgtEl>
-                                        <p:attrNameLst>
-                                          <p:attrName>ppt_w</p:attrName>
-                                        </p:attrNameLst>
-                                      </p:cBhvr>
-                                      <p:tavLst>
-                                        <p:tav tm="0">
-                                          <p:val>
-                                            <p:fltVal val="0"/>
-                                          </p:val>
-                                        </p:tav>
-                                        <p:tav tm="100000">
-                                          <p:val>
-                                            <p:strVal val="#ppt_w"/>
-                                          </p:val>
-                                        </p:tav>
-                                      </p:tavLst>
-                                    </p:anim>
-                                    <p:anim calcmode="lin" valueType="num">
-                                      <p:cBhvr>
-                                        <p:cTn id="8" dur="500" fill="hold"/>
-                                        <p:tgtEl>
-                                          <p:spTgt spid="15"/>
-                                        </p:tgtEl>
-                                        <p:attrNameLst>
-                                          <p:attrName>ppt_h</p:attrName>
-                                        </p:attrNameLst>
-                                      </p:cBhvr>
-                                      <p:tavLst>
-                                        <p:tav tm="0">
-                                          <p:val>
-                                            <p:fltVal val="0"/>
-                                          </p:val>
-                                        </p:tav>
-                                        <p:tav tm="100000">
-                                          <p:val>
-                                            <p:strVal val="#ppt_h"/>
-                                          </p:val>
-                                        </p:tav>
-                                      </p:tavLst>
-                                    </p:anim>
-                                  </p:childTnLst>
-                                </p:cTn>
-                              </p:par>
-                            </p:childTnLst>
-                          </p:cTn>
-                        </p:par>
-                      </p:childTnLst>
-                    </p:cTn>
-                  </p:par>
-                  <p:par>
-                    <p:cTn id="9" fill="hold">
-                      <p:stCondLst>
-                        <p:cond delay="indefinite"/>
-                      </p:stCondLst>
-                      <p:childTnLst>
-                        <p:par>
-                          <p:cTn id="10" fill="hold">
-                            <p:stCondLst>
-                              <p:cond delay="0"/>
-                            </p:stCondLst>
-                            <p:childTnLst>
-                              <p:par>
-                                <p:cTn id="11" presetID="23" presetClass="entr" presetSubtype="16" fill="hold" nodeType="clickEffect">
-                                  <p:stCondLst>
-                                    <p:cond delay="0"/>
-                                  </p:stCondLst>
-                                  <p:childTnLst>
-                                    <p:set>
-                                      <p:cBhvr>
-                                        <p:cTn id="12" dur="1" fill="hold">
-                                          <p:stCondLst>
-                                            <p:cond delay="0"/>
-                                          </p:stCondLst>
-                                        </p:cTn>
-                                        <p:tgtEl>
-                                          <p:spTgt spid="16"/>
-                                        </p:tgtEl>
-                                        <p:attrNameLst>
-                                          <p:attrName>style.visibility</p:attrName>
-                                        </p:attrNameLst>
-                                      </p:cBhvr>
-                                      <p:to>
-                                        <p:strVal val="visible"/>
-                                      </p:to>
-                                    </p:set>
-                                    <p:anim calcmode="lin" valueType="num">
-                                      <p:cBhvr>
-                                        <p:cTn id="13" dur="500" fill="hold"/>
-                                        <p:tgtEl>
-                                          <p:spTgt spid="16"/>
-                                        </p:tgtEl>
-                                        <p:attrNameLst>
-                                          <p:attrName>ppt_w</p:attrName>
-                                        </p:attrNameLst>
-                                      </p:cBhvr>
-                                      <p:tavLst>
-                                        <p:tav tm="0">
-                                          <p:val>
-                                            <p:fltVal val="0"/>
-                                          </p:val>
-                                        </p:tav>
-                                        <p:tav tm="100000">
-                                          <p:val>
-                                            <p:strVal val="#ppt_w"/>
-                                          </p:val>
-                                        </p:tav>
-                                      </p:tavLst>
-                                    </p:anim>
-                                    <p:anim calcmode="lin" valueType="num">
-                                      <p:cBhvr>
-                                        <p:cTn id="14" dur="500" fill="hold"/>
-                                        <p:tgtEl>
-                                          <p:spTgt spid="16"/>
-                                        </p:tgtEl>
-                                        <p:attrNameLst>
-                                          <p:attrName>ppt_h</p:attrName>
-                                        </p:attrNameLst>
-                                      </p:cBhvr>
-                                      <p:tavLst>
-                                        <p:tav tm="0">
-                                          <p:val>
-                                            <p:fltVal val="0"/>
-                                          </p:val>
-                                        </p:tav>
-                                        <p:tav tm="100000">
-                                          <p:val>
-                                            <p:strVal val="#ppt_h"/>
-                                          </p:val>
-                                        </p:tav>
-                                      </p:tavLst>
-                                    </p:anim>
-                                  </p:childTnLst>
-                                </p:cTn>
-                              </p:par>
-                            </p:childTnLst>
-                          </p:cTn>
-                        </p:par>
-                      </p:childTnLst>
-                    </p:cTn>
-                  </p:par>
-                  <p:par>
-                    <p:cTn id="15" fill="hold">
-                      <p:stCondLst>
-                        <p:cond delay="indefinite"/>
-                      </p:stCondLst>
-                      <p:childTnLst>
-                        <p:par>
-                          <p:cTn id="16" fill="hold">
-                            <p:stCondLst>
-                              <p:cond delay="0"/>
-                            </p:stCondLst>
-                            <p:childTnLst>
-                              <p:par>
-                                <p:cTn id="17" presetID="23" presetClass="entr" presetSubtype="16" fill="hold" nodeType="clickEffect">
-                                  <p:stCondLst>
-                                    <p:cond delay="0"/>
-                                  </p:stCondLst>
-                                  <p:childTnLst>
-                                    <p:set>
-                                      <p:cBhvr>
-                                        <p:cTn id="18" dur="1" fill="hold">
-                                          <p:stCondLst>
-                                            <p:cond delay="0"/>
-                                          </p:stCondLst>
-                                        </p:cTn>
-                                        <p:tgtEl>
-                                          <p:spTgt spid="19"/>
-                                        </p:tgtEl>
-                                        <p:attrNameLst>
-                                          <p:attrName>style.visibility</p:attrName>
-                                        </p:attrNameLst>
-                                      </p:cBhvr>
-                                      <p:to>
-                                        <p:strVal val="visible"/>
-                                      </p:to>
-                                    </p:set>
-                                    <p:anim calcmode="lin" valueType="num">
-                                      <p:cBhvr>
-                                        <p:cTn id="19" dur="500" fill="hold"/>
-                                        <p:tgtEl>
-                                          <p:spTgt spid="19"/>
-                                        </p:tgtEl>
-                                        <p:attrNameLst>
-                                          <p:attrName>ppt_w</p:attrName>
-                                        </p:attrNameLst>
-                                      </p:cBhvr>
-                                      <p:tavLst>
-                                        <p:tav tm="0">
-                                          <p:val>
-                                            <p:fltVal val="0"/>
-                                          </p:val>
-                                        </p:tav>
-                                        <p:tav tm="100000">
-                                          <p:val>
-                                            <p:strVal val="#ppt_w"/>
-                                          </p:val>
-                                        </p:tav>
-                                      </p:tavLst>
-                                    </p:anim>
-                                    <p:anim calcmode="lin" valueType="num">
-                                      <p:cBhvr>
-                                        <p:cTn id="20" dur="500" fill="hold"/>
-                                        <p:tgtEl>
-                                          <p:spTgt spid="19"/>
-                                        </p:tgtEl>
-                                        <p:attrNameLst>
-                                          <p:attrName>ppt_h</p:attrName>
-                                        </p:attrNameLst>
-                                      </p:cBhvr>
-                                      <p:tavLst>
-                                        <p:tav tm="0">
-                                          <p:val>
-                                            <p:fltVal val="0"/>
-                                          </p:val>
-                                        </p:tav>
-                                        <p:tav tm="100000">
-                                          <p:val>
-                                            <p:strVal val="#ppt_h"/>
-                                          </p:val>
-                                        </p:tav>
-                                      </p:tavLst>
-                                    </p:anim>
-                                  </p:childTnLst>
-                                </p:cTn>
-                              </p:par>
-                            </p:childTnLst>
-                          </p:cTn>
-                        </p:par>
-                      </p:childTnLst>
-                    </p:cTn>
-                  </p:par>
-                  <p:par>
-                    <p:cTn id="21" fill="hold">
-                      <p:stCondLst>
-                        <p:cond delay="indefinite"/>
-                      </p:stCondLst>
-                      <p:childTnLst>
-                        <p:par>
-                          <p:cTn id="22" fill="hold">
-                            <p:stCondLst>
-                              <p:cond delay="0"/>
-                            </p:stCondLst>
-                            <p:childTnLst>
-                              <p:par>
-                                <p:cTn id="23" presetID="23" presetClass="entr" presetSubtype="16" fill="hold" nodeType="clickEffect">
-                                  <p:stCondLst>
-                                    <p:cond delay="0"/>
-                                  </p:stCondLst>
-                                  <p:childTnLst>
-                                    <p:set>
-                                      <p:cBhvr>
-                                        <p:cTn id="24" dur="1" fill="hold">
-                                          <p:stCondLst>
-                                            <p:cond delay="0"/>
-                                          </p:stCondLst>
-                                        </p:cTn>
-                                        <p:tgtEl>
-                                          <p:spTgt spid="20"/>
-                                        </p:tgtEl>
-                                        <p:attrNameLst>
-                                          <p:attrName>style.visibility</p:attrName>
-                                        </p:attrNameLst>
-                                      </p:cBhvr>
-                                      <p:to>
-                                        <p:strVal val="visible"/>
-                                      </p:to>
-                                    </p:set>
-                                    <p:anim calcmode="lin" valueType="num">
-                                      <p:cBhvr>
-                                        <p:cTn id="25" dur="500" fill="hold"/>
-                                        <p:tgtEl>
-                                          <p:spTgt spid="20"/>
-                                        </p:tgtEl>
-                                        <p:attrNameLst>
-                                          <p:attrName>ppt_w</p:attrName>
-                                        </p:attrNameLst>
-                                      </p:cBhvr>
-                                      <p:tavLst>
-                                        <p:tav tm="0">
-                                          <p:val>
-                                            <p:fltVal val="0"/>
-                                          </p:val>
-                                        </p:tav>
-                                        <p:tav tm="100000">
-                                          <p:val>
-                                            <p:strVal val="#ppt_w"/>
-                                          </p:val>
-                                        </p:tav>
-                                      </p:tavLst>
-                                    </p:anim>
-                                    <p:anim calcmode="lin" valueType="num">
-                                      <p:cBhvr>
-                                        <p:cTn id="26" dur="500" fill="hold"/>
-                                        <p:tgtEl>
-                                          <p:spTgt spid="20"/>
-                                        </p:tgtEl>
-                                        <p:attrNameLst>
-                                          <p:attrName>ppt_h</p:attrName>
-                                        </p:attrNameLst>
-                                      </p:cBhvr>
-                                      <p:tavLst>
-                                        <p:tav tm="0">
-                                          <p:val>
-                                            <p:fltVal val="0"/>
-                                          </p:val>
-                                        </p:tav>
-                                        <p:tav tm="100000">
-                                          <p:val>
-                                            <p:strVal val="#ppt_h"/>
-                                          </p:val>
-                                        </p:tav>
-                                      </p:tavLst>
-                                    </p:anim>
-                                  </p:childTnLst>
-                                </p:cTn>
-                              </p:par>
-                            </p:childTnLst>
-                          </p:cTn>
-                        </p:par>
-                      </p:childTnLst>
-                    </p:cTn>
-                  </p:par>
-                </p:childTnLst>
-              </p:cTn>
-              <p:prevCondLst>
-                <p:cond evt="onPrev" delay="0">
-                  <p:tgtEl>
-                    <p:sldTgt/>
-                  </p:tgtEl>
-                </p:cond>
-              </p:prevCondLst>
-              <p:nextCondLst>
-                <p:cond evt="onNext" delay="0">
-                  <p:tgtEl>
-                    <p:sldTgt/>
-                  </p:tgtEl>
-                </p:cond>
-              </p:nextCondLst>
-            </p:seq>
-          </p:childTnLst>
-        </p:cTn>
-      </p:par>
-    </p:tnLst>
-  </p:timing>
-</p:sld>
-</file>
-
-<file path=ppt/slides/slide11.xml><?xml version="1.0" encoding="utf-8"?>
-<p:sld xmlns:r="http://schemas.openxmlformats.org/officeDocument/2006/relationships" xmlns:c="http://schemas.openxmlformats.org/drawingml/2006/chart" xmlns:a="http://schemas.openxmlformats.org/drawingml/2006/main" xmlns:dgm="http://schemas.openxmlformats.org/drawingml/2006/diagram" xmlns:dsp="http://schemas.microsoft.com/office/drawing/2008/diagram" xmlns:p="http://schemas.openxmlformats.org/presentationml/2006/main">
-  <p:cSld>
-    <p:spTree>
-      <p:nvGrpSpPr>
-        <p:cNvPr id="1" name=""/>
-        <p:cNvGrpSpPr/>
-        <p:nvPr/>
-      </p:nvGrpSpPr>
-      <p:grpSpPr>
-        <a:xfrm>
-          <a:off x="0" y="0"/>
-          <a:ext cx="0" cy="0"/>
-          <a:chOff x="0" y="0"/>
-          <a:chExt cx="0" cy="0"/>
-        </a:xfrm>
-      </p:grpSpPr>
-      <p:sp>
-        <p:nvSpPr>
-          <p:cNvPr id="2" name=""/>
-          <p:cNvSpPr txBox="1"/>
-          <p:nvPr/>
-        </p:nvSpPr>
-        <p:spPr>
-          <a:xfrm>
-            <a:off x="1068292" y="1260436"/>
-            <a:ext cx="3048000" cy="623609"/>
-          </a:xfrm>
-          <a:prstGeom prst="rect">
-            <a:avLst/>
-          </a:prstGeom>
-        </p:spPr>
-        <p:txBody>
-          <a:bodyPr wrap="square">
-            <a:spAutoFit/>
-          </a:bodyPr>
-          <a:p>
-            <a:pPr>
-              <a:defRPr/>
-            </a:pPr>
-            <a:r>
-              <a:rPr lang="en-US" altLang="ko-KR" sz="3500" b="1">
-                <a:latin typeface="나눔손글씨 붓"/>
-                <a:ea typeface="나눔손글씨 붓"/>
-              </a:rPr>
-              <a:t>3.</a:t>
-            </a:r>
-            <a:r>
-              <a:rPr lang="ko-KR" altLang="en-US" sz="3500" b="1">
-                <a:latin typeface="나눔손글씨 붓"/>
-                <a:ea typeface="나눔손글씨 붓"/>
-              </a:rPr>
-              <a:t> 비회원</a:t>
-            </a:r>
-            <a:endParaRPr lang="ko-KR" altLang="en-US" sz="3500" b="1">
-              <a:latin typeface="나눔손글씨 붓"/>
-              <a:ea typeface="나눔손글씨 붓"/>
-            </a:endParaRPr>
-          </a:p>
-        </p:txBody>
-      </p:sp>
-      <p:sp>
-        <p:nvSpPr>
-          <p:cNvPr id="3" name=""/>
-          <p:cNvSpPr txBox="1"/>
-          <p:nvPr/>
-        </p:nvSpPr>
-        <p:spPr>
-          <a:xfrm>
-            <a:off x="339910" y="332701"/>
-            <a:ext cx="6096001" cy="927735"/>
-          </a:xfrm>
-          <a:prstGeom prst="rect">
-            <a:avLst/>
-          </a:prstGeom>
-        </p:spPr>
-        <p:txBody>
-          <a:bodyPr wrap="square">
-            <a:spAutoFit/>
-          </a:bodyPr>
-          <a:p>
-            <a:pPr lvl="0">
-              <a:defRPr/>
-            </a:pPr>
-            <a:r>
-              <a:rPr kumimoji="1" lang="en-US" altLang="ko-KR" sz="5500" b="1">
-                <a:latin typeface="나눔손글씨 붓"/>
-                <a:ea typeface="나눔손글씨 붓"/>
-                <a:cs typeface="Mangal"/>
-              </a:rPr>
-              <a:t>4. </a:t>
-            </a:r>
-            <a:r>
-              <a:rPr kumimoji="1" lang="ko-KR" altLang="en-US" sz="5500" b="1">
-                <a:latin typeface="나눔손글씨 붓"/>
-                <a:ea typeface="나눔손글씨 붓"/>
-                <a:cs typeface="Mangal"/>
-              </a:rPr>
-              <a:t>시연</a:t>
-            </a:r>
-            <a:endParaRPr kumimoji="1" lang="ko-KR" altLang="en-US" sz="5500" b="1">
-              <a:latin typeface="나눔손글씨 붓"/>
-              <a:ea typeface="나눔손글씨 붓"/>
-              <a:cs typeface="Mangal"/>
-            </a:endParaRPr>
-          </a:p>
-        </p:txBody>
-      </p:sp>
-      <p:sp>
-        <p:nvSpPr>
-          <p:cNvPr id="5" name=""/>
-          <p:cNvSpPr txBox="1"/>
-          <p:nvPr/>
-        </p:nvSpPr>
-        <p:spPr>
-          <a:xfrm>
-            <a:off x="1157945" y="2373784"/>
-            <a:ext cx="2868693" cy="548486"/>
-          </a:xfrm>
-          <a:prstGeom prst="rect">
-            <a:avLst/>
-          </a:prstGeom>
-        </p:spPr>
-        <p:txBody>
-          <a:bodyPr wrap="square">
-            <a:spAutoFit/>
-          </a:bodyPr>
-          <a:lstStyle/>
-          <a:p>
-            <a:pPr>
-              <a:defRPr/>
-            </a:pPr>
-            <a:r>
-              <a:rPr lang="en-US" altLang="ko-KR" sz="3000" b="1">
-                <a:latin typeface="나눔손글씨 붓"/>
-                <a:ea typeface="나눔손글씨 붓"/>
-              </a:rPr>
-              <a:t>1.</a:t>
-            </a:r>
-            <a:r>
-              <a:rPr lang="ko-KR" altLang="en-US" sz="3000" b="1">
-                <a:latin typeface="나눔손글씨 붓"/>
-                <a:ea typeface="나눔손글씨 붓"/>
-              </a:rPr>
-              <a:t> 책 목록</a:t>
-            </a:r>
-            <a:endParaRPr lang="ko-KR" altLang="en-US" sz="3000" b="1">
-              <a:latin typeface="나눔손글씨 붓"/>
-              <a:ea typeface="나눔손글씨 붓"/>
-            </a:endParaRPr>
-          </a:p>
-        </p:txBody>
-      </p:sp>
-      <p:pic>
-        <p:nvPicPr>
-          <p:cNvPr id="9" name=""/>
-          <p:cNvPicPr>
-            <a:picLocks noChangeAspect="1"/>
-          </p:cNvPicPr>
-          <p:nvPr/>
-        </p:nvPicPr>
-        <p:blipFill rotWithShape="1">
-          <a:blip r:embed="rId2"/>
-          <a:stretch>
-            <a:fillRect/>
-          </a:stretch>
-        </p:blipFill>
-        <p:spPr>
-          <a:xfrm>
-            <a:off x="3640043" y="2047148"/>
-            <a:ext cx="7089605" cy="4006224"/>
-          </a:xfrm>
-          <a:prstGeom prst="rect">
-            <a:avLst/>
-          </a:prstGeom>
-        </p:spPr>
-      </p:pic>
-      <p:sp>
-        <p:nvSpPr>
-          <p:cNvPr id="12" name=""/>
-          <p:cNvSpPr txBox="1"/>
-          <p:nvPr/>
-        </p:nvSpPr>
-        <p:spPr>
-          <a:xfrm>
-            <a:off x="1157945" y="3429000"/>
-            <a:ext cx="2199954" cy="548558"/>
-          </a:xfrm>
-          <a:prstGeom prst="rect">
-            <a:avLst/>
-          </a:prstGeom>
-        </p:spPr>
-        <p:txBody>
-          <a:bodyPr wrap="square">
-            <a:spAutoFit/>
-          </a:bodyPr>
-          <a:lstStyle/>
-          <a:p>
-            <a:pPr>
-              <a:defRPr/>
-            </a:pPr>
-            <a:r>
-              <a:rPr lang="en-US" altLang="ko-KR" sz="3000" b="1">
-                <a:latin typeface="나눔손글씨 붓"/>
-                <a:ea typeface="나눔손글씨 붓"/>
-              </a:rPr>
-              <a:t>2.</a:t>
-            </a:r>
-            <a:r>
-              <a:rPr lang="ko-KR" altLang="en-US" sz="3000" b="1">
-                <a:latin typeface="나눔손글씨 붓"/>
-                <a:ea typeface="나눔손글씨 붓"/>
-              </a:rPr>
-              <a:t> 책 검색 </a:t>
-            </a:r>
-            <a:endParaRPr lang="ko-KR" altLang="en-US" sz="3000" b="1">
-              <a:latin typeface="나눔손글씨 붓"/>
-              <a:ea typeface="나눔손글씨 붓"/>
-            </a:endParaRPr>
-          </a:p>
-        </p:txBody>
-      </p:sp>
-      <p:sp>
-        <p:nvSpPr>
-          <p:cNvPr id="21" name=""/>
-          <p:cNvSpPr txBox="1"/>
-          <p:nvPr/>
-        </p:nvSpPr>
-        <p:spPr>
-          <a:xfrm>
-            <a:off x="778749" y="4426521"/>
-            <a:ext cx="2958346" cy="543624"/>
-          </a:xfrm>
-          <a:prstGeom prst="rect">
-            <a:avLst/>
-          </a:prstGeom>
-        </p:spPr>
-        <p:txBody>
-          <a:bodyPr wrap="square">
-            <a:spAutoFit/>
-          </a:bodyPr>
-          <a:lstStyle/>
-          <a:p>
-            <a:pPr>
-              <a:defRPr/>
-            </a:pPr>
-            <a:r>
-              <a:rPr lang="en-US" altLang="ko-KR" sz="3000" b="1">
-                <a:latin typeface="나눔손글씨 붓"/>
-                <a:ea typeface="나눔손글씨 붓"/>
-              </a:rPr>
-              <a:t>0.</a:t>
-            </a:r>
-            <a:r>
-              <a:rPr lang="ko-KR" altLang="en-US" sz="3000" b="1">
-                <a:latin typeface="나눔손글씨 붓"/>
-                <a:ea typeface="나눔손글씨 붓"/>
-              </a:rPr>
-              <a:t> 메인 화면으로</a:t>
-            </a:r>
-            <a:endParaRPr lang="ko-KR" altLang="en-US" sz="3000" b="1">
-              <a:latin typeface="나눔손글씨 붓"/>
-              <a:ea typeface="나눔손글씨 붓"/>
-            </a:endParaRPr>
-          </a:p>
-        </p:txBody>
-      </p:sp>
-      <p:pic>
-        <p:nvPicPr>
-          <p:cNvPr id="24" name=""/>
-          <p:cNvPicPr>
-            <a:picLocks noChangeAspect="1"/>
-          </p:cNvPicPr>
-          <p:nvPr/>
-        </p:nvPicPr>
-        <p:blipFill rotWithShape="1">
-          <a:blip r:embed="rId3"/>
-          <a:stretch>
-            <a:fillRect/>
-          </a:stretch>
-        </p:blipFill>
-        <p:spPr>
-          <a:xfrm>
-            <a:off x="3647078" y="2497889"/>
-            <a:ext cx="6945116" cy="3555483"/>
-          </a:xfrm>
-          <a:prstGeom prst="rect">
-            <a:avLst/>
-          </a:prstGeom>
-        </p:spPr>
-      </p:pic>
-      <p:pic>
-        <p:nvPicPr>
-          <p:cNvPr id="25" name=""/>
-          <p:cNvPicPr>
-            <a:picLocks noChangeAspect="1"/>
-          </p:cNvPicPr>
-          <p:nvPr/>
-        </p:nvPicPr>
-        <p:blipFill rotWithShape="1">
-          <a:blip r:embed="rId4"/>
-          <a:stretch>
-            <a:fillRect/>
-          </a:stretch>
-        </p:blipFill>
-        <p:spPr>
-          <a:xfrm>
-            <a:off x="3640042" y="2497889"/>
-            <a:ext cx="6952151" cy="3555482"/>
-          </a:xfrm>
-          <a:prstGeom prst="rect">
-            <a:avLst/>
-          </a:prstGeom>
-        </p:spPr>
-      </p:pic>
-      <p:pic>
-        <p:nvPicPr>
-          <p:cNvPr id="26" name=""/>
-          <p:cNvPicPr>
-            <a:picLocks noChangeAspect="1"/>
-          </p:cNvPicPr>
-          <p:nvPr/>
-        </p:nvPicPr>
-        <p:blipFill rotWithShape="1">
-          <a:blip r:embed="rId5"/>
-          <a:stretch>
-            <a:fillRect/>
-          </a:stretch>
-        </p:blipFill>
-        <p:spPr>
-          <a:xfrm>
-            <a:off x="3640042" y="2497889"/>
-            <a:ext cx="6952151" cy="3555483"/>
-          </a:xfrm>
-          <a:prstGeom prst="rect">
-            <a:avLst/>
-          </a:prstGeom>
-        </p:spPr>
-      </p:pic>
-    </p:spTree>
-  </p:cSld>
-  <p:clrMapOvr>
-    <a:masterClrMapping/>
-  </p:clrMapOvr>
-  <mc:AlternateContent xmlns:mc="http://schemas.openxmlformats.org/markup-compatibility/2006">
-    <mc:Choice xmlns:p14="http://schemas.microsoft.com/office/powerpoint/2010/main" Requires="p14">
-      <p:transition xmlns:mc="http://schemas.openxmlformats.org/markup-compatibility/2006" xmlns:p14="http://schemas.microsoft.com/office/powerpoint/2010/main" mc:Ignorable="p14" p14:dur="500"/>
-    </mc:Choice>
-    <mc:Fallback>
-      <p:transition/>
-    </mc:Fallback>
-  </mc:AlternateContent>
-  <p:timing>
-    <p:tnLst>
-      <p:par>
-        <p:cTn id="1" dur="indefinite" restart="never" nodeType="tmRoot">
-          <p:childTnLst>
-            <p:seq concurrent="1" nextAc="seek">
-              <p:cTn id="2" dur="indefinite" nodeType="mainSeq">
-                <p:childTnLst>
-                  <p:par>
-                    <p:cTn id="3" fill="hold">
-                      <p:stCondLst>
-                        <p:cond delay="indefinite"/>
-                      </p:stCondLst>
-                      <p:childTnLst>
-                        <p:par>
-                          <p:cTn id="4" fill="hold">
-                            <p:stCondLst>
-                              <p:cond delay="0"/>
-                            </p:stCondLst>
-                            <p:childTnLst>
-                              <p:par>
-                                <p:cTn id="5" presetID="23" presetClass="entr" presetSubtype="16" fill="hold" nodeType="clickEffect">
-                                  <p:stCondLst>
-                                    <p:cond delay="0"/>
-                                  </p:stCondLst>
-                                  <p:childTnLst>
-                                    <p:set>
-                                      <p:cBhvr>
-                                        <p:cTn id="6" dur="1" fill="hold">
-                                          <p:stCondLst>
-                                            <p:cond delay="0"/>
-                                          </p:stCondLst>
-                                        </p:cTn>
-                                        <p:tgtEl>
-                                          <p:spTgt spid="25"/>
-                                        </p:tgtEl>
-                                        <p:attrNameLst>
-                                          <p:attrName>style.visibility</p:attrName>
-                                        </p:attrNameLst>
-                                      </p:cBhvr>
-                                      <p:to>
-                                        <p:strVal val="visible"/>
-                                      </p:to>
-                                    </p:set>
-                                    <p:anim calcmode="lin" valueType="num">
-                                      <p:cBhvr>
-                                        <p:cTn id="7" dur="500" fill="hold"/>
-                                        <p:tgtEl>
-                                          <p:spTgt spid="25"/>
-                                        </p:tgtEl>
-                                        <p:attrNameLst>
-                                          <p:attrName>ppt_w</p:attrName>
-                                        </p:attrNameLst>
-                                      </p:cBhvr>
-                                      <p:tavLst>
-                                        <p:tav tm="0">
-                                          <p:val>
-                                            <p:fltVal val="0"/>
-                                          </p:val>
-                                        </p:tav>
-                                        <p:tav tm="100000">
-                                          <p:val>
-                                            <p:strVal val="#ppt_w"/>
-                                          </p:val>
-                                        </p:tav>
-                                      </p:tavLst>
-                                    </p:anim>
-                                    <p:anim calcmode="lin" valueType="num">
-                                      <p:cBhvr>
-                                        <p:cTn id="8" dur="500" fill="hold"/>
-                                        <p:tgtEl>
-                                          <p:spTgt spid="25"/>
-                                        </p:tgtEl>
-                                        <p:attrNameLst>
-                                          <p:attrName>ppt_h</p:attrName>
-                                        </p:attrNameLst>
-                                      </p:cBhvr>
-                                      <p:tavLst>
-                                        <p:tav tm="0">
-                                          <p:val>
-                                            <p:fltVal val="0"/>
-                                          </p:val>
-                                        </p:tav>
-                                        <p:tav tm="100000">
-                                          <p:val>
-                                            <p:strVal val="#ppt_h"/>
-                                          </p:val>
-                                        </p:tav>
-                                      </p:tavLst>
-                                    </p:anim>
-                                  </p:childTnLst>
-                                </p:cTn>
-                              </p:par>
-                            </p:childTnLst>
-                          </p:cTn>
-                        </p:par>
-                      </p:childTnLst>
-                    </p:cTn>
-                  </p:par>
-                  <p:par>
-                    <p:cTn id="9" fill="hold">
-                      <p:stCondLst>
-                        <p:cond delay="indefinite"/>
-                      </p:stCondLst>
-                      <p:childTnLst>
-                        <p:par>
-                          <p:cTn id="10" fill="hold">
-                            <p:stCondLst>
-                              <p:cond delay="0"/>
-                            </p:stCondLst>
-                            <p:childTnLst>
-                              <p:par>
-                                <p:cTn id="11" presetID="23" presetClass="entr" presetSubtype="16" fill="hold" nodeType="clickEffect">
-                                  <p:stCondLst>
-                                    <p:cond delay="0"/>
-                                  </p:stCondLst>
-                                  <p:childTnLst>
-                                    <p:set>
-                                      <p:cBhvr>
-                                        <p:cTn id="12" dur="1" fill="hold">
-                                          <p:stCondLst>
-                                            <p:cond delay="0"/>
-                                          </p:stCondLst>
-                                        </p:cTn>
-                                        <p:tgtEl>
-                                          <p:spTgt spid="26"/>
-                                        </p:tgtEl>
-                                        <p:attrNameLst>
-                                          <p:attrName>style.visibility</p:attrName>
-                                        </p:attrNameLst>
-                                      </p:cBhvr>
-                                      <p:to>
-                                        <p:strVal val="visible"/>
-                                      </p:to>
-                                    </p:set>
-                                    <p:anim calcmode="lin" valueType="num">
-                                      <p:cBhvr>
-                                        <p:cTn id="13" dur="500" fill="hold"/>
-                                        <p:tgtEl>
-                                          <p:spTgt spid="26"/>
-                                        </p:tgtEl>
-                                        <p:attrNameLst>
-                                          <p:attrName>ppt_w</p:attrName>
-                                        </p:attrNameLst>
-                                      </p:cBhvr>
-                                      <p:tavLst>
-                                        <p:tav tm="0">
-                                          <p:val>
-                                            <p:fltVal val="0"/>
-                                          </p:val>
-                                        </p:tav>
-                                        <p:tav tm="100000">
-                                          <p:val>
-                                            <p:strVal val="#ppt_w"/>
-                                          </p:val>
-                                        </p:tav>
-                                      </p:tavLst>
-                                    </p:anim>
-                                    <p:anim calcmode="lin" valueType="num">
-                                      <p:cBhvr>
-                                        <p:cTn id="14" dur="500" fill="hold"/>
-                                        <p:tgtEl>
-                                          <p:spTgt spid="26"/>
-                                        </p:tgtEl>
-                                        <p:attrNameLst>
-                                          <p:attrName>ppt_h</p:attrName>
-                                        </p:attrNameLst>
-                                      </p:cBhvr>
-                                      <p:tavLst>
-                                        <p:tav tm="0">
-                                          <p:val>
-                                            <p:fltVal val="0"/>
-                                          </p:val>
-                                        </p:tav>
-                                        <p:tav tm="100000">
-                                          <p:val>
-                                            <p:strVal val="#ppt_h"/>
-                                          </p:val>
-                                        </p:tav>
-                                      </p:tavLst>
-                                    </p:anim>
-                                  </p:childTnLst>
-                                </p:cTn>
-                              </p:par>
-                            </p:childTnLst>
-                          </p:cTn>
-                        </p:par>
-                      </p:childTnLst>
-                    </p:cTn>
-                  </p:par>
-                </p:childTnLst>
-              </p:cTn>
-              <p:prevCondLst>
-                <p:cond evt="onPrev" delay="0">
-                  <p:tgtEl>
-                    <p:sldTgt/>
-                  </p:tgtEl>
-                </p:cond>
-              </p:prevCondLst>
-              <p:nextCondLst>
-                <p:cond evt="onNext" delay="0">
-                  <p:tgtEl>
-                    <p:sldTgt/>
-                  </p:tgtEl>
-                </p:cond>
-              </p:nextCondLst>
-            </p:seq>
-          </p:childTnLst>
-        </p:cTn>
-      </p:par>
-    </p:tnLst>
-  </p:timing>
-</p:sld>
-</file>
-
-<file path=ppt/slides/slide12.xml><?xml version="1.0" encoding="utf-8"?>
-<p:sld xmlns:r="http://schemas.openxmlformats.org/officeDocument/2006/relationships" xmlns:c="http://schemas.openxmlformats.org/drawingml/2006/chart" xmlns:a="http://schemas.openxmlformats.org/drawingml/2006/main" xmlns:dgm="http://schemas.openxmlformats.org/drawingml/2006/diagram" xmlns:dsp="http://schemas.microsoft.com/office/drawing/2008/diagram" xmlns:p="http://schemas.openxmlformats.org/presentationml/2006/main">
-  <p:cSld>
-    <p:spTree>
-      <p:nvGrpSpPr>
-        <p:cNvPr id="1" name=""/>
-        <p:cNvGrpSpPr/>
-        <p:nvPr/>
-      </p:nvGrpSpPr>
-      <p:grpSpPr>
-        <a:xfrm>
-          <a:off x="0" y="0"/>
-          <a:ext cx="0" cy="0"/>
-          <a:chOff x="0" y="0"/>
-          <a:chExt cx="0" cy="0"/>
-        </a:xfrm>
-      </p:grpSpPr>
-      <p:sp>
-        <p:nvSpPr>
-          <p:cNvPr id="2" name=""/>
-          <p:cNvSpPr txBox="1"/>
-          <p:nvPr/>
-        </p:nvSpPr>
-        <p:spPr>
-          <a:xfrm>
-            <a:off x="1068292" y="1260436"/>
-            <a:ext cx="3048000" cy="623609"/>
-          </a:xfrm>
-          <a:prstGeom prst="rect">
-            <a:avLst/>
-          </a:prstGeom>
-        </p:spPr>
-        <p:txBody>
-          <a:bodyPr wrap="square">
-            <a:spAutoFit/>
-          </a:bodyPr>
-          <a:p>
-            <a:pPr>
-              <a:defRPr/>
-            </a:pPr>
-            <a:r>
-              <a:rPr lang="en-US" altLang="ko-KR" sz="3500" b="1">
-                <a:latin typeface="나눔손글씨 붓"/>
-                <a:ea typeface="나눔손글씨 붓"/>
-              </a:rPr>
-              <a:t>0.</a:t>
-            </a:r>
-            <a:r>
-              <a:rPr lang="ko-KR" altLang="en-US" sz="3500" b="1">
-                <a:latin typeface="나눔손글씨 붓"/>
-                <a:ea typeface="나눔손글씨 붓"/>
-              </a:rPr>
-              <a:t> 종료</a:t>
-            </a:r>
-            <a:endParaRPr lang="ko-KR" altLang="en-US" sz="3500" b="1">
-              <a:latin typeface="나눔손글씨 붓"/>
-              <a:ea typeface="나눔손글씨 붓"/>
-            </a:endParaRPr>
-          </a:p>
-        </p:txBody>
-      </p:sp>
-      <p:sp>
-        <p:nvSpPr>
-          <p:cNvPr id="3" name=""/>
-          <p:cNvSpPr txBox="1"/>
-          <p:nvPr/>
-        </p:nvSpPr>
-        <p:spPr>
-          <a:xfrm>
-            <a:off x="339910" y="332701"/>
-            <a:ext cx="6096001" cy="927735"/>
-          </a:xfrm>
-          <a:prstGeom prst="rect">
-            <a:avLst/>
-          </a:prstGeom>
-        </p:spPr>
-        <p:txBody>
-          <a:bodyPr wrap="square">
-            <a:spAutoFit/>
-          </a:bodyPr>
-          <a:p>
-            <a:pPr lvl="0">
-              <a:defRPr/>
-            </a:pPr>
-            <a:r>
-              <a:rPr kumimoji="1" lang="en-US" altLang="ko-KR" sz="5500" b="1">
-                <a:latin typeface="나눔손글씨 붓"/>
-                <a:ea typeface="나눔손글씨 붓"/>
-                <a:cs typeface="Mangal"/>
-              </a:rPr>
-              <a:t>4. </a:t>
-            </a:r>
-            <a:r>
-              <a:rPr kumimoji="1" lang="ko-KR" altLang="en-US" sz="5500" b="1">
-                <a:latin typeface="나눔손글씨 붓"/>
-                <a:ea typeface="나눔손글씨 붓"/>
-                <a:cs typeface="Mangal"/>
-              </a:rPr>
-              <a:t>시연</a:t>
-            </a:r>
-            <a:endParaRPr kumimoji="1" lang="ko-KR" altLang="en-US" sz="5500" b="1">
-              <a:latin typeface="나눔손글씨 붓"/>
-              <a:ea typeface="나눔손글씨 붓"/>
-              <a:cs typeface="Mangal"/>
-            </a:endParaRPr>
-          </a:p>
-        </p:txBody>
-      </p:sp>
-      <p:pic>
-        <p:nvPicPr>
-          <p:cNvPr id="9" name=""/>
-          <p:cNvPicPr>
-            <a:picLocks noChangeAspect="1"/>
-          </p:cNvPicPr>
-          <p:nvPr/>
-        </p:nvPicPr>
-        <p:blipFill rotWithShape="1">
-          <a:blip r:embed="rId2"/>
-          <a:stretch>
-            <a:fillRect/>
-          </a:stretch>
-        </p:blipFill>
-        <p:spPr>
-          <a:xfrm>
-            <a:off x="3640043" y="2842535"/>
-            <a:ext cx="7089605" cy="2592203"/>
-          </a:xfrm>
-          <a:prstGeom prst="rect">
-            <a:avLst/>
-          </a:prstGeom>
-        </p:spPr>
-      </p:pic>
-      <p:pic>
-        <p:nvPicPr>
-          <p:cNvPr id="21" name=""/>
-          <p:cNvPicPr>
-            <a:picLocks noChangeAspect="1"/>
-          </p:cNvPicPr>
-          <p:nvPr/>
-        </p:nvPicPr>
-        <p:blipFill rotWithShape="1">
-          <a:blip r:embed="rId3"/>
-          <a:stretch>
-            <a:fillRect/>
-          </a:stretch>
-        </p:blipFill>
-        <p:spPr>
-          <a:xfrm>
-            <a:off x="3649568" y="3162615"/>
-            <a:ext cx="6927819" cy="2203815"/>
-          </a:xfrm>
-          <a:prstGeom prst="rect">
-            <a:avLst/>
-          </a:prstGeom>
-        </p:spPr>
-      </p:pic>
-    </p:spTree>
-  </p:cSld>
-  <p:clrMapOvr>
-    <a:masterClrMapping/>
-  </p:clrMapOvr>
-  <mc:AlternateContent xmlns:mc="http://schemas.openxmlformats.org/markup-compatibility/2006">
-    <mc:Choice xmlns:p14="http://schemas.microsoft.com/office/powerpoint/2010/main" Requires="p14">
-      <p:transition xmlns:mc="http://schemas.openxmlformats.org/markup-compatibility/2006" xmlns:p14="http://schemas.microsoft.com/office/powerpoint/2010/main" mc:Ignorable="p14" p14:dur="500"/>
-    </mc:Choice>
-    <mc:Fallback>
-      <p:transition/>
-    </mc:Fallback>
-  </mc:AlternateContent>
-  <p:timing>
-    <p:tnLst>
-      <p:par>
-        <p:cTn id="1" dur="indefinite" restart="never" nodeType="tmRoot"/>
-      </p:par>
-    </p:tnLst>
-  </p:timing>
-</p:sld>
-</file>
-
-<file path=ppt/slides/slide13.xml><?xml version="1.0" encoding="utf-8"?>
-<p:sld xmlns:r="http://schemas.openxmlformats.org/officeDocument/2006/relationships" xmlns:c="http://schemas.openxmlformats.org/drawingml/2006/chart" xmlns:a="http://schemas.openxmlformats.org/drawingml/2006/main" xmlns:dgm="http://schemas.openxmlformats.org/drawingml/2006/diagram" xmlns:dsp="http://schemas.microsoft.com/office/drawing/2008/diagram" xmlns:p="http://schemas.openxmlformats.org/presentationml/2006/main">
-  <p:cSld>
-    <p:spTree>
-      <p:nvGrpSpPr>
-        <p:cNvPr id="1" name=""/>
-        <p:cNvGrpSpPr/>
-        <p:nvPr/>
-      </p:nvGrpSpPr>
-      <p:grpSpPr>
-        <a:xfrm>
-          <a:off x="0" y="0"/>
-          <a:ext cx="0" cy="0"/>
-          <a:chOff x="0" y="0"/>
-          <a:chExt cx="0" cy="0"/>
-        </a:xfrm>
-      </p:grpSpPr>
-      <p:sp>
-        <p:nvSpPr>
-          <p:cNvPr id="2" name="TextBox 1"/>
-          <p:cNvSpPr txBox="1"/>
-          <p:nvPr/>
-        </p:nvSpPr>
-        <p:spPr>
-          <a:xfrm>
-            <a:off x="4274548" y="3094732"/>
-            <a:ext cx="3513092" cy="668536"/>
-          </a:xfrm>
-          <a:prstGeom prst="rect">
-            <a:avLst/>
-          </a:prstGeom>
-          <a:noFill/>
-        </p:spPr>
-        <p:txBody>
-          <a:bodyPr wrap="none">
-            <a:spAutoFit/>
-          </a:bodyPr>
-          <a:lstStyle/>
-          <a:p>
-            <a:pPr lvl="0">
-              <a:defRPr/>
-            </a:pPr>
-            <a:r>
-              <a:rPr kumimoji="1" lang="en-US" altLang="ko-KR" sz="3800">
-                <a:solidFill>
-                  <a:schemeClr val="bg1"/>
-                </a:solidFill>
-                <a:latin typeface="나눔손글씨 붓"/>
-                <a:ea typeface="나눔손글씨 붓"/>
-              </a:rPr>
-              <a:t>THANK YOU</a:t>
-            </a:r>
-            <a:r>
-              <a:rPr kumimoji="1" lang="en-US" altLang="ko-KR" sz="3800">
-                <a:solidFill>
-                  <a:schemeClr val="bg1"/>
-                </a:solidFill>
-                <a:latin typeface="Bell MT"/>
-              </a:rPr>
-              <a:t> </a:t>
-            </a:r>
-            <a:r>
-              <a:rPr kumimoji="1" lang="en-US" altLang="ko-KR" sz="3800">
-                <a:solidFill>
-                  <a:schemeClr val="bg1"/>
-                </a:solidFill>
-                <a:latin typeface="나눔손글씨 붓"/>
-                <a:ea typeface="나눔손글씨 붓"/>
-                <a:sym typeface="Wingdings"/>
-              </a:rPr>
-              <a:t></a:t>
-            </a:r>
-            <a:endParaRPr kumimoji="1" lang="ko-KR" altLang="en-US" sz="3800">
-              <a:solidFill>
-                <a:schemeClr val="bg1"/>
-              </a:solidFill>
-              <a:latin typeface="나눔손글씨 붓"/>
-              <a:ea typeface="나눔손글씨 붓"/>
-            </a:endParaRPr>
-          </a:p>
-        </p:txBody>
-      </p:sp>
-    </p:spTree>
-  </p:cSld>
-  <p:clrMapOvr>
-    <a:masterClrMapping/>
-  </p:clrMapOvr>
-  <mc:AlternateContent xmlns:mc="http://schemas.openxmlformats.org/markup-compatibility/2006">
-    <mc:Choice xmlns:p14="http://schemas.microsoft.com/office/powerpoint/2010/main" Requires="p14">
-      <p:transition xmlns:mc="http://schemas.openxmlformats.org/markup-compatibility/2006" xmlns:p14="http://schemas.microsoft.com/office/powerpoint/2010/main" mc:Ignorable="p14" p14:dur="500"/>
-    </mc:Choice>
-    <mc:Fallback>
-      <p:transition/>
-    </mc:Fallback>
-  </mc:AlternateContent>
-</p:sld>
-</file>
-
-<file path=ppt/slides/slide2.xml><?xml version="1.0" encoding="utf-8"?>
-<p:sld xmlns:r="http://schemas.openxmlformats.org/officeDocument/2006/relationships" xmlns:c="http://schemas.openxmlformats.org/drawingml/2006/chart" xmlns:a="http://schemas.openxmlformats.org/drawingml/2006/main" xmlns:dgm="http://schemas.openxmlformats.org/drawingml/2006/diagram" xmlns:dsp="http://schemas.microsoft.com/office/drawing/2008/diagram" xmlns:p="http://schemas.openxmlformats.org/presentationml/2006/main">
-  <p:cSld>
-    <p:spTree>
-      <p:nvGrpSpPr>
-        <p:cNvPr id="1" name=""/>
-        <p:cNvGrpSpPr/>
-        <p:nvPr/>
-      </p:nvGrpSpPr>
-      <p:grpSpPr>
-        <a:xfrm>
-          <a:off x="0" y="0"/>
-          <a:ext cx="0" cy="0"/>
-          <a:chOff x="0" y="0"/>
-          <a:chExt cx="0" cy="0"/>
-        </a:xfrm>
-      </p:grpSpPr>
-      <p:pic>
-        <p:nvPicPr>
-          <p:cNvPr id="10" name=""/>
-          <p:cNvPicPr>
-            <a:picLocks noChangeAspect="1"/>
-          </p:cNvPicPr>
-          <p:nvPr/>
-        </p:nvPicPr>
-        <p:blipFill rotWithShape="1">
-          <a:blip r:embed="rId2"/>
-          <a:stretch>
-            <a:fillRect/>
-          </a:stretch>
-        </p:blipFill>
-        <p:spPr>
-          <a:xfrm>
-            <a:off x="0" y="-102720"/>
-            <a:ext cx="5005440" cy="7072778"/>
-          </a:xfrm>
-          <a:prstGeom prst="rect">
-            <a:avLst/>
-          </a:prstGeom>
-        </p:spPr>
-      </p:pic>
-      <p:sp>
-        <p:nvSpPr>
-          <p:cNvPr id="11" name="TextBox 3"/>
-          <p:cNvSpPr txBox="1"/>
-          <p:nvPr/>
-        </p:nvSpPr>
-        <p:spPr>
-          <a:xfrm>
-            <a:off x="5714943" y="2624136"/>
-            <a:ext cx="5489978" cy="3136584"/>
-          </a:xfrm>
-          <a:prstGeom prst="rect">
-            <a:avLst/>
-          </a:prstGeom>
-          <a:noFill/>
-        </p:spPr>
-        <p:txBody>
-          <a:bodyPr wrap="square">
-            <a:spAutoFit/>
-          </a:bodyPr>
-          <a:lstStyle/>
-          <a:p>
-            <a:pPr lvl="0">
-              <a:defRPr/>
-            </a:pPr>
-            <a:r>
-              <a:rPr kumimoji="1" lang="ko-KR" altLang="en-US" sz="2500" b="1">
-                <a:latin typeface="나눔손글씨 붓"/>
-                <a:ea typeface="나눔손글씨 붓"/>
-                <a:cs typeface="Mangal"/>
-              </a:rPr>
-              <a:t> </a:t>
-            </a:r>
-            <a:r>
-              <a:rPr kumimoji="1" lang="en-US" altLang="ko-KR" sz="2500" b="1">
-                <a:latin typeface="나눔손글씨 붓"/>
-                <a:ea typeface="나눔손글씨 붓"/>
-                <a:cs typeface="Mangal"/>
-              </a:rPr>
-              <a:t>1. </a:t>
-            </a:r>
-            <a:r>
-              <a:rPr kumimoji="1" lang="ko-KR" altLang="en-US" sz="2500" b="1">
-                <a:latin typeface="나눔손글씨 붓"/>
-                <a:ea typeface="나눔손글씨 붓"/>
-                <a:cs typeface="Mangal"/>
-              </a:rPr>
-              <a:t>팀소개</a:t>
-            </a:r>
-            <a:endParaRPr kumimoji="1" lang="ko-KR" altLang="en-US" sz="2500" b="1">
-              <a:latin typeface="나눔손글씨 붓"/>
-              <a:ea typeface="나눔손글씨 붓"/>
-              <a:cs typeface="Mangal"/>
-            </a:endParaRPr>
-          </a:p>
-          <a:p>
-            <a:pPr lvl="0">
-              <a:defRPr/>
-            </a:pPr>
-            <a:endParaRPr kumimoji="1" lang="ko-KR" altLang="en-US" sz="2500" b="1">
-              <a:latin typeface="나눔손글씨 붓"/>
-              <a:ea typeface="나눔손글씨 붓"/>
-              <a:cs typeface="Mangal"/>
-            </a:endParaRPr>
-          </a:p>
-          <a:p>
-            <a:pPr lvl="0">
-              <a:defRPr/>
-            </a:pPr>
-            <a:r>
-              <a:rPr kumimoji="1" lang="ko-KR" altLang="en-US" sz="2500" b="1">
-                <a:latin typeface="나눔손글씨 붓"/>
-                <a:ea typeface="나눔손글씨 붓"/>
-                <a:cs typeface="Mangal"/>
-              </a:rPr>
-              <a:t> </a:t>
-            </a:r>
-            <a:r>
-              <a:rPr kumimoji="1" lang="en-US" altLang="ko-KR" sz="2500" b="1">
-                <a:latin typeface="나눔손글씨 붓"/>
-                <a:ea typeface="나눔손글씨 붓"/>
-                <a:cs typeface="Mangal"/>
-              </a:rPr>
-              <a:t>2.</a:t>
-            </a:r>
-            <a:r>
-              <a:rPr kumimoji="1" lang="ko-KR" altLang="en-US" sz="2500" b="1">
-                <a:latin typeface="나눔손글씨 붓"/>
-                <a:ea typeface="나눔손글씨 붓"/>
-                <a:cs typeface="Mangal"/>
-              </a:rPr>
-              <a:t> 개념적 설계 및 논리적 설계</a:t>
-            </a:r>
-            <a:endParaRPr kumimoji="1" lang="ko-KR" altLang="en-US" sz="2500" b="1">
-              <a:latin typeface="나눔손글씨 붓"/>
-              <a:ea typeface="나눔손글씨 붓"/>
-              <a:cs typeface="Mangal"/>
-            </a:endParaRPr>
-          </a:p>
-          <a:p>
-            <a:pPr lvl="0">
-              <a:defRPr/>
-            </a:pPr>
-            <a:endParaRPr kumimoji="1" lang="ko-KR" altLang="en-US" sz="2500" b="1">
-              <a:latin typeface="나눔손글씨 붓"/>
-              <a:ea typeface="나눔손글씨 붓"/>
-              <a:cs typeface="Mangal"/>
-            </a:endParaRPr>
-          </a:p>
-          <a:p>
-            <a:pPr lvl="0">
-              <a:defRPr/>
-            </a:pPr>
-            <a:r>
-              <a:rPr kumimoji="1" lang="ko-KR" altLang="en-US" sz="2500" b="1">
-                <a:latin typeface="나눔손글씨 붓"/>
-                <a:ea typeface="나눔손글씨 붓"/>
-                <a:cs typeface="Mangal"/>
-              </a:rPr>
-              <a:t> </a:t>
-            </a:r>
-            <a:r>
-              <a:rPr kumimoji="1" lang="en-US" altLang="ko-KR" sz="2500" b="1">
-                <a:latin typeface="나눔손글씨 붓"/>
-                <a:ea typeface="나눔손글씨 붓"/>
-                <a:cs typeface="Mangal"/>
-              </a:rPr>
-              <a:t>3.</a:t>
-            </a:r>
-            <a:r>
-              <a:rPr kumimoji="1" lang="ko-KR" altLang="en-US" sz="2500" b="1">
-                <a:latin typeface="나눔손글씨 붓"/>
-                <a:ea typeface="나눔손글씨 붓"/>
-                <a:cs typeface="Mangal"/>
-              </a:rPr>
-              <a:t> 주요 기능 소개</a:t>
-            </a:r>
-            <a:endParaRPr kumimoji="1" lang="ko-KR" altLang="en-US" sz="2500" b="1">
-              <a:latin typeface="나눔손글씨 붓"/>
-              <a:ea typeface="나눔손글씨 붓"/>
-              <a:cs typeface="Mangal"/>
-            </a:endParaRPr>
-          </a:p>
-          <a:p>
-            <a:pPr lvl="0">
-              <a:defRPr/>
-            </a:pPr>
-            <a:endParaRPr kumimoji="1" lang="ko-KR" altLang="en-US" sz="2500" b="1">
-              <a:latin typeface="나눔손글씨 붓"/>
-              <a:ea typeface="나눔손글씨 붓"/>
-              <a:cs typeface="Mangal"/>
-            </a:endParaRPr>
-          </a:p>
-          <a:p>
-            <a:pPr lvl="0">
-              <a:defRPr/>
-            </a:pPr>
-            <a:r>
-              <a:rPr kumimoji="1" lang="ko-KR" altLang="en-US" sz="2500" b="1">
-                <a:latin typeface="나눔손글씨 붓"/>
-                <a:ea typeface="나눔손글씨 붓"/>
-                <a:cs typeface="Mangal"/>
-              </a:rPr>
-              <a:t> </a:t>
-            </a:r>
-            <a:r>
-              <a:rPr kumimoji="1" lang="en-US" altLang="ko-KR" sz="2500" b="1">
-                <a:latin typeface="나눔손글씨 붓"/>
-                <a:ea typeface="나눔손글씨 붓"/>
-                <a:cs typeface="Mangal"/>
-              </a:rPr>
-              <a:t>4.</a:t>
-            </a:r>
-            <a:r>
-              <a:rPr kumimoji="1" lang="ko-KR" altLang="en-US" sz="2500" b="1">
-                <a:latin typeface="나눔손글씨 붓"/>
-                <a:ea typeface="나눔손글씨 붓"/>
-                <a:cs typeface="Mangal"/>
-              </a:rPr>
-              <a:t> 시연 </a:t>
-            </a:r>
-            <a:endParaRPr kumimoji="1" lang="ko-KR" altLang="en-US" sz="2500" b="1">
-              <a:latin typeface="나눔손글씨 붓"/>
-              <a:ea typeface="나눔손글씨 붓"/>
-              <a:cs typeface="Mangal"/>
-            </a:endParaRPr>
-          </a:p>
-          <a:p>
-            <a:pPr lvl="0">
-              <a:defRPr/>
-            </a:pPr>
-            <a:endParaRPr kumimoji="1" lang="ko-KR" altLang="en-US" sz="2500" b="1">
-              <a:latin typeface="나눔손글씨 붓"/>
-              <a:ea typeface="나눔손글씨 붓"/>
-              <a:cs typeface="Mangal"/>
-            </a:endParaRPr>
-          </a:p>
-        </p:txBody>
-      </p:sp>
-      <p:sp>
-        <p:nvSpPr>
-          <p:cNvPr id="12" name="TextBox 4"/>
-          <p:cNvSpPr txBox="1"/>
-          <p:nvPr/>
-        </p:nvSpPr>
-        <p:spPr>
-          <a:xfrm>
-            <a:off x="5714943" y="1138515"/>
-            <a:ext cx="1786947" cy="929102"/>
-          </a:xfrm>
-          <a:prstGeom prst="rect">
-            <a:avLst/>
-          </a:prstGeom>
-          <a:noFill/>
-        </p:spPr>
-        <p:txBody>
-          <a:bodyPr wrap="none">
-            <a:spAutoFit/>
-          </a:bodyPr>
-          <a:lstStyle/>
-          <a:p>
-            <a:pPr lvl="0">
-              <a:defRPr/>
-            </a:pPr>
-            <a:r>
-              <a:rPr kumimoji="1" lang="en-US" altLang="ko-KR" sz="5500" b="1">
-                <a:latin typeface="Segoe Print"/>
-                <a:ea typeface="나눔손글씨 붓"/>
-                <a:cs typeface="Mangal"/>
-              </a:rPr>
-              <a:t>LIST</a:t>
-            </a:r>
-            <a:endParaRPr kumimoji="1" lang="en-US" altLang="ko-KR" sz="5500" b="1">
-              <a:latin typeface="Segoe Print"/>
-              <a:ea typeface="나눔손글씨 붓"/>
-              <a:cs typeface="Mangal"/>
-            </a:endParaRPr>
-          </a:p>
-        </p:txBody>
-      </p:sp>
-    </p:spTree>
-  </p:cSld>
-  <p:clrMapOvr>
-    <a:masterClrMapping/>
-  </p:clrMapOvr>
-  <mc:AlternateContent xmlns:mc="http://schemas.openxmlformats.org/markup-compatibility/2006">
-    <mc:Choice xmlns:p14="http://schemas.microsoft.com/office/powerpoint/2010/main" Requires="p14">
-      <p:transition xmlns:mc="http://schemas.openxmlformats.org/markup-compatibility/2006" xmlns:p14="http://schemas.microsoft.com/office/powerpoint/2010/main" mc:Ignorable="p14" p14:dur="500"/>
-    </mc:Choice>
-    <mc:Fallback>
-      <p:transition/>
-    </mc:Fallback>
-  </mc:AlternateContent>
-</p:sld>
-</file>
-
-<file path=ppt/slides/slide3.xml><?xml version="1.0" encoding="utf-8"?>
-<p:sld xmlns:r="http://schemas.openxmlformats.org/officeDocument/2006/relationships" xmlns:c="http://schemas.openxmlformats.org/drawingml/2006/chart" xmlns:a="http://schemas.openxmlformats.org/drawingml/2006/main" xmlns:dgm="http://schemas.openxmlformats.org/drawingml/2006/diagram" xmlns:dsp="http://schemas.microsoft.com/office/drawing/2008/diagram" xmlns:p="http://schemas.openxmlformats.org/presentationml/2006/main">
-  <p:cSld>
-    <p:spTree>
-      <p:nvGrpSpPr>
-        <p:cNvPr id="1" name=""/>
-        <p:cNvGrpSpPr/>
-        <p:nvPr/>
-      </p:nvGrpSpPr>
-      <p:grpSpPr>
-        <a:xfrm>
-          <a:off x="0" y="0"/>
-          <a:ext cx="0" cy="0"/>
-          <a:chOff x="0" y="0"/>
-          <a:chExt cx="0" cy="0"/>
-        </a:xfrm>
-      </p:grpSpPr>
-      <p:sp>
-        <p:nvSpPr>
-          <p:cNvPr id="6" name="TextBox 4"/>
-          <p:cNvSpPr txBox="1"/>
-          <p:nvPr/>
-        </p:nvSpPr>
-        <p:spPr>
-          <a:xfrm>
-            <a:off x="346307" y="844104"/>
-            <a:ext cx="3517033" cy="929102"/>
-          </a:xfrm>
-          <a:prstGeom prst="rect">
-            <a:avLst/>
-          </a:prstGeom>
-          <a:noFill/>
-        </p:spPr>
-        <p:txBody>
-          <a:bodyPr wrap="none">
-            <a:spAutoFit/>
-          </a:bodyPr>
-          <a:lstStyle/>
-          <a:p>
-            <a:pPr lvl="0">
-              <a:defRPr/>
-            </a:pPr>
-            <a:r>
-              <a:rPr kumimoji="1" lang="en-US" altLang="ko-KR" sz="5500" b="1">
-                <a:latin typeface="Segoe Print"/>
-                <a:ea typeface="나눔손글씨 붓"/>
-                <a:cs typeface="Mangal"/>
-              </a:rPr>
-              <a:t>1.</a:t>
-            </a:r>
-            <a:r>
-              <a:rPr kumimoji="1" lang="ko-KR" altLang="en-US" sz="5500" b="1">
-                <a:latin typeface="Segoe Print"/>
-                <a:ea typeface="나눔손글씨 붓"/>
-                <a:cs typeface="Mangal"/>
-              </a:rPr>
-              <a:t> 팀 소개</a:t>
-            </a:r>
-            <a:endParaRPr kumimoji="1" lang="ko-KR" altLang="en-US" sz="5500" b="1">
-              <a:latin typeface="Segoe Print"/>
-              <a:ea typeface="나눔손글씨 붓"/>
-              <a:cs typeface="Mangal"/>
-            </a:endParaRPr>
-          </a:p>
-        </p:txBody>
-      </p:sp>
-      <p:sp>
-        <p:nvSpPr>
-          <p:cNvPr id="7" name="TextBox 4"/>
-          <p:cNvSpPr txBox="1"/>
-          <p:nvPr/>
-        </p:nvSpPr>
-        <p:spPr>
-          <a:xfrm>
-            <a:off x="5385788" y="1390080"/>
-            <a:ext cx="1420777" cy="929102"/>
-          </a:xfrm>
-          <a:prstGeom prst="rect">
-            <a:avLst/>
-          </a:prstGeom>
-          <a:noFill/>
-        </p:spPr>
-        <p:txBody>
-          <a:bodyPr wrap="none">
-            <a:spAutoFit/>
-          </a:bodyPr>
-          <a:lstStyle/>
-          <a:p>
-            <a:pPr lvl="0">
-              <a:defRPr/>
-            </a:pPr>
-            <a:r>
-              <a:rPr kumimoji="1" lang="en-US" altLang="ko-KR" sz="5500" b="1">
-                <a:latin typeface="Segoe Print"/>
-                <a:ea typeface="나눔손글씨 붓"/>
-                <a:cs typeface="Mangal"/>
-              </a:rPr>
-              <a:t>1</a:t>
-            </a:r>
-            <a:r>
-              <a:rPr kumimoji="1" lang="ko-KR" altLang="en-US" sz="5500" b="1">
-                <a:latin typeface="Segoe Print"/>
-                <a:ea typeface="나눔손글씨 붓"/>
-                <a:cs typeface="Mangal"/>
-              </a:rPr>
-              <a:t>조</a:t>
-            </a:r>
-            <a:endParaRPr kumimoji="1" lang="ko-KR" altLang="en-US" sz="5500" b="1">
-              <a:latin typeface="Segoe Print"/>
-              <a:ea typeface="나눔손글씨 붓"/>
-              <a:cs typeface="Mangal"/>
-            </a:endParaRPr>
-          </a:p>
-        </p:txBody>
-      </p:sp>
-      <p:sp>
-        <p:nvSpPr>
-          <p:cNvPr id="8" name="TextBox 4"/>
-          <p:cNvSpPr txBox="1"/>
-          <p:nvPr/>
-        </p:nvSpPr>
-        <p:spPr>
-          <a:xfrm>
-            <a:off x="1078186" y="4406666"/>
-            <a:ext cx="3447930" cy="1992229"/>
-          </a:xfrm>
-          <a:prstGeom prst="rect">
-            <a:avLst/>
-          </a:prstGeom>
-          <a:noFill/>
-        </p:spPr>
-        <p:txBody>
-          <a:bodyPr wrap="square">
-            <a:spAutoFit/>
-          </a:bodyPr>
-          <a:lstStyle/>
-          <a:p>
-            <a:pPr lvl="0">
-              <a:defRPr/>
-            </a:pPr>
-            <a:r>
-              <a:rPr kumimoji="1" lang="ko-KR" altLang="en-US" sz="4500" b="1">
-                <a:latin typeface="Segoe Print"/>
-                <a:ea typeface="나눔손글씨 붓"/>
-                <a:cs typeface="Mangal"/>
-              </a:rPr>
-              <a:t>정범진</a:t>
-            </a:r>
-            <a:endParaRPr kumimoji="1" lang="ko-KR" altLang="en-US" sz="2500" b="1">
-              <a:latin typeface="Segoe Print"/>
-              <a:ea typeface="나눔손글씨 붓"/>
-              <a:cs typeface="Mangal"/>
-            </a:endParaRPr>
-          </a:p>
-          <a:p>
-            <a:pPr lvl="0">
-              <a:defRPr/>
-            </a:pPr>
-            <a:r>
-              <a:rPr kumimoji="1" lang="en-US" altLang="ko-KR" sz="2000" b="1">
-                <a:latin typeface="Segoe Print"/>
-                <a:ea typeface="나눔손글씨 붓"/>
-                <a:cs typeface="Mangal"/>
-              </a:rPr>
-              <a:t>-DB</a:t>
-            </a:r>
-            <a:r>
-              <a:rPr kumimoji="1" lang="ko-KR" altLang="en-US" sz="2000" b="1">
-                <a:latin typeface="Segoe Print"/>
-                <a:ea typeface="나눔손글씨 붓"/>
-                <a:cs typeface="Mangal"/>
-              </a:rPr>
-              <a:t> 설계</a:t>
-            </a:r>
-            <a:endParaRPr kumimoji="1" lang="en-US" altLang="ko-KR" sz="2000" b="1">
-              <a:latin typeface="Segoe Print"/>
-              <a:ea typeface="나눔손글씨 붓"/>
-              <a:cs typeface="Mangal"/>
-            </a:endParaRPr>
-          </a:p>
-          <a:p>
-            <a:pPr lvl="0">
-              <a:defRPr/>
-            </a:pPr>
-            <a:r>
-              <a:rPr kumimoji="1" lang="en-US" altLang="ko-KR" sz="2000" b="1">
-                <a:latin typeface="Segoe Print"/>
-                <a:ea typeface="나눔손글씨 붓"/>
-                <a:cs typeface="Mangal"/>
-              </a:rPr>
-              <a:t>-</a:t>
-            </a:r>
-            <a:r>
-              <a:rPr kumimoji="1" lang="ko-KR" altLang="en-US" sz="2000" b="1">
-                <a:latin typeface="Segoe Print"/>
-                <a:ea typeface="나눔손글씨 붓"/>
-                <a:cs typeface="Mangal"/>
-              </a:rPr>
-              <a:t>책 관리자 모드 기능 구현</a:t>
-            </a:r>
-            <a:endParaRPr kumimoji="1" lang="ko-KR" altLang="en-US" sz="2000" b="1">
-              <a:latin typeface="Segoe Print"/>
-              <a:ea typeface="나눔손글씨 붓"/>
-              <a:cs typeface="Mangal"/>
-            </a:endParaRPr>
-          </a:p>
-          <a:p>
-            <a:pPr lvl="0">
-              <a:defRPr/>
-            </a:pPr>
-            <a:endParaRPr kumimoji="1" lang="ko-KR" altLang="en-US" sz="2000" b="1">
-              <a:latin typeface="Segoe Print"/>
-              <a:ea typeface="나눔손글씨 붓"/>
-              <a:cs typeface="Mangal"/>
-            </a:endParaRPr>
-          </a:p>
-          <a:p>
-            <a:pPr lvl="0">
-              <a:defRPr/>
-            </a:pPr>
-            <a:endParaRPr kumimoji="1" lang="ko-KR" altLang="en-US" sz="2000" b="1">
-              <a:latin typeface="Segoe Print"/>
-              <a:ea typeface="나눔손글씨 붓"/>
-              <a:cs typeface="Mangal"/>
-            </a:endParaRPr>
-          </a:p>
-        </p:txBody>
-      </p:sp>
-      <p:sp>
-        <p:nvSpPr>
-          <p:cNvPr id="11" name="TextBox 4"/>
-          <p:cNvSpPr txBox="1"/>
-          <p:nvPr/>
-        </p:nvSpPr>
-        <p:spPr>
-          <a:xfrm>
-            <a:off x="4526116" y="4404761"/>
-            <a:ext cx="3625354" cy="1994134"/>
-          </a:xfrm>
-          <a:prstGeom prst="rect">
-            <a:avLst/>
-          </a:prstGeom>
-          <a:noFill/>
-        </p:spPr>
-        <p:txBody>
-          <a:bodyPr wrap="square">
-            <a:spAutoFit/>
-          </a:bodyPr>
-          <a:lstStyle/>
-          <a:p>
-            <a:pPr lvl="0">
-              <a:defRPr/>
-            </a:pPr>
-            <a:r>
-              <a:rPr kumimoji="1" lang="ko-KR" altLang="en-US" sz="4500" b="1">
-                <a:latin typeface="Segoe Print"/>
-                <a:ea typeface="나눔손글씨 붓"/>
-                <a:cs typeface="Mangal"/>
-              </a:rPr>
-              <a:t> 이경진</a:t>
-            </a:r>
-            <a:endParaRPr kumimoji="1" lang="ko-KR" altLang="en-US" sz="4500" b="1">
-              <a:latin typeface="Segoe Print"/>
-              <a:ea typeface="나눔손글씨 붓"/>
-              <a:cs typeface="Mangal"/>
-            </a:endParaRPr>
-          </a:p>
-          <a:p>
-            <a:pPr lvl="0">
-              <a:defRPr/>
-            </a:pPr>
-            <a:r>
-              <a:rPr kumimoji="1" lang="ko-KR" altLang="en-US" sz="2000" b="1">
-                <a:latin typeface="Segoe Print"/>
-                <a:ea typeface="나눔손글씨 붓"/>
-                <a:cs typeface="Mangal"/>
-              </a:rPr>
-              <a:t> </a:t>
-            </a:r>
-            <a:r>
-              <a:rPr kumimoji="1" lang="en-US" altLang="ko-KR" sz="2000" b="1">
-                <a:latin typeface="Segoe Print"/>
-                <a:ea typeface="나눔손글씨 붓"/>
-                <a:cs typeface="Mangal"/>
-              </a:rPr>
-              <a:t>-DB </a:t>
-            </a:r>
-            <a:r>
-              <a:rPr kumimoji="1" lang="ko-KR" altLang="en-US" sz="2000" b="1">
-                <a:latin typeface="Segoe Print"/>
-                <a:ea typeface="나눔손글씨 붓"/>
-                <a:cs typeface="Mangal"/>
-              </a:rPr>
-              <a:t>설계</a:t>
-            </a:r>
-            <a:endParaRPr kumimoji="1" lang="ko-KR" altLang="en-US" sz="2000" b="1">
-              <a:latin typeface="Segoe Print"/>
-              <a:ea typeface="나눔손글씨 붓"/>
-              <a:cs typeface="Mangal"/>
-            </a:endParaRPr>
-          </a:p>
-          <a:p>
-            <a:pPr lvl="0">
-              <a:defRPr/>
-            </a:pPr>
-            <a:r>
-              <a:rPr kumimoji="1" lang="ko-KR" altLang="en-US" sz="2000" b="1">
-                <a:latin typeface="Segoe Print"/>
-                <a:ea typeface="나눔손글씨 붓"/>
-                <a:cs typeface="Mangal"/>
-              </a:rPr>
-              <a:t> </a:t>
-            </a:r>
-            <a:r>
-              <a:rPr kumimoji="1" lang="en-US" altLang="ko-KR" sz="2000" b="1">
-                <a:latin typeface="Segoe Print"/>
-                <a:ea typeface="나눔손글씨 붓"/>
-                <a:cs typeface="Mangal"/>
-              </a:rPr>
-              <a:t>-</a:t>
-            </a:r>
-            <a:r>
-              <a:rPr kumimoji="1" lang="ko-KR" altLang="en-US" sz="2000" b="1">
-                <a:latin typeface="Segoe Print"/>
-                <a:ea typeface="나눔손글씨 붓"/>
-                <a:cs typeface="Mangal"/>
-              </a:rPr>
-              <a:t>회원가입 기능 구현</a:t>
-            </a:r>
-            <a:r>
-              <a:rPr kumimoji="1" lang="ko-KR" altLang="en-US" sz="2500" b="1">
-                <a:latin typeface="Segoe Print"/>
-                <a:ea typeface="나눔손글씨 붓"/>
-                <a:cs typeface="Mangal"/>
-              </a:rPr>
-              <a:t>   </a:t>
-            </a:r>
-            <a:endParaRPr kumimoji="1" lang="ko-KR" altLang="en-US" sz="2500" b="1">
-              <a:latin typeface="Segoe Print"/>
-              <a:ea typeface="나눔손글씨 붓"/>
-              <a:cs typeface="Mangal"/>
-            </a:endParaRPr>
-          </a:p>
-          <a:p>
-            <a:pPr lvl="0">
-              <a:defRPr/>
-            </a:pPr>
-            <a:endParaRPr kumimoji="1" lang="ko-KR" altLang="en-US" sz="3500" b="1">
-              <a:latin typeface="Segoe Print"/>
-              <a:ea typeface="나눔손글씨 붓"/>
-              <a:cs typeface="Mangal"/>
-            </a:endParaRPr>
-          </a:p>
-        </p:txBody>
-      </p:sp>
-      <p:sp>
-        <p:nvSpPr>
-          <p:cNvPr id="12" name="TextBox 4"/>
-          <p:cNvSpPr txBox="1"/>
-          <p:nvPr/>
-        </p:nvSpPr>
-        <p:spPr>
-          <a:xfrm>
-            <a:off x="8048749" y="4406666"/>
-            <a:ext cx="3877488" cy="2297029"/>
-          </a:xfrm>
-          <a:prstGeom prst="rect">
-            <a:avLst/>
-          </a:prstGeom>
-          <a:noFill/>
-        </p:spPr>
-        <p:txBody>
-          <a:bodyPr wrap="square">
-            <a:spAutoFit/>
-          </a:bodyPr>
-          <a:lstStyle/>
-          <a:p>
-            <a:pPr lvl="0">
-              <a:defRPr/>
-            </a:pPr>
-            <a:r>
-              <a:rPr kumimoji="1" lang="ko-KR" altLang="en-US" sz="4500" b="1">
-                <a:latin typeface="Segoe Print"/>
-                <a:ea typeface="나눔손글씨 붓"/>
-                <a:cs typeface="Mangal"/>
-              </a:rPr>
-              <a:t>김채현</a:t>
-            </a:r>
-            <a:endParaRPr kumimoji="1" lang="ko-KR" altLang="en-US" sz="4500" b="1">
-              <a:latin typeface="Segoe Print"/>
-              <a:ea typeface="나눔손글씨 붓"/>
-              <a:cs typeface="Mangal"/>
-            </a:endParaRPr>
-          </a:p>
-          <a:p>
-            <a:pPr lvl="0">
-              <a:defRPr/>
-            </a:pPr>
-            <a:r>
-              <a:rPr kumimoji="1" lang="en-US" altLang="ko-KR" sz="2000" b="1">
-                <a:latin typeface="Segoe Print"/>
-                <a:ea typeface="나눔손글씨 붓"/>
-                <a:cs typeface="Mangal"/>
-              </a:rPr>
-              <a:t>-DB </a:t>
-            </a:r>
-            <a:r>
-              <a:rPr kumimoji="1" lang="ko-KR" altLang="en-US" sz="2000" b="1">
-                <a:latin typeface="Segoe Print"/>
-                <a:ea typeface="나눔손글씨 붓"/>
-                <a:cs typeface="Mangal"/>
-              </a:rPr>
-              <a:t>설계</a:t>
-            </a:r>
-            <a:endParaRPr kumimoji="1" lang="en-US" altLang="ko-KR" sz="2000" b="1">
-              <a:latin typeface="Segoe Print"/>
-              <a:ea typeface="나눔손글씨 붓"/>
-              <a:cs typeface="Mangal"/>
-            </a:endParaRPr>
-          </a:p>
-          <a:p>
-            <a:pPr lvl="0">
-              <a:defRPr/>
-            </a:pPr>
-            <a:r>
-              <a:rPr kumimoji="1" lang="en-US" altLang="ko-KR" sz="2000" b="1">
-                <a:latin typeface="Segoe Print"/>
-                <a:ea typeface="나눔손글씨 붓"/>
-                <a:cs typeface="Mangal"/>
-              </a:rPr>
-              <a:t>-</a:t>
-            </a:r>
-            <a:r>
-              <a:rPr kumimoji="1" lang="ko-KR" altLang="en-US" sz="2000" b="1">
-                <a:latin typeface="Segoe Print"/>
-                <a:ea typeface="나눔손글씨 붓"/>
-                <a:cs typeface="Mangal"/>
-              </a:rPr>
-              <a:t>로그인 및 회원가입기능 구현</a:t>
-            </a:r>
-            <a:endParaRPr kumimoji="1" lang="ko-KR" altLang="en-US" sz="2500" b="1">
-              <a:latin typeface="Segoe Print"/>
-              <a:ea typeface="나눔손글씨 붓"/>
-              <a:cs typeface="Mangal"/>
-            </a:endParaRPr>
-          </a:p>
-          <a:p>
-            <a:pPr lvl="0">
-              <a:defRPr/>
-            </a:pPr>
-            <a:endParaRPr kumimoji="1" lang="ko-KR" altLang="en-US" sz="2500" b="1">
-              <a:latin typeface="Segoe Print"/>
-              <a:ea typeface="나눔손글씨 붓"/>
-              <a:cs typeface="Mangal"/>
-            </a:endParaRPr>
-          </a:p>
-          <a:p>
-            <a:pPr lvl="0">
-              <a:defRPr/>
-            </a:pPr>
-            <a:endParaRPr kumimoji="1" lang="en-US" altLang="ko-KR" sz="3500" b="1">
-              <a:latin typeface="Segoe Print"/>
-              <a:ea typeface="나눔손글씨 붓"/>
-              <a:cs typeface="Mangal"/>
-            </a:endParaRPr>
-          </a:p>
-        </p:txBody>
-      </p:sp>
-      <p:pic>
-        <p:nvPicPr>
-          <p:cNvPr id="13" name=""/>
-          <p:cNvPicPr>
-            <a:picLocks noChangeAspect="1"/>
-          </p:cNvPicPr>
-          <p:nvPr/>
-        </p:nvPicPr>
-        <p:blipFill rotWithShape="1">
-          <a:blip r:embed="rId2"/>
-          <a:stretch>
-            <a:fillRect/>
-          </a:stretch>
-        </p:blipFill>
-        <p:spPr>
-          <a:xfrm>
-            <a:off x="1078186" y="2319182"/>
-            <a:ext cx="2905530" cy="2219634"/>
-          </a:xfrm>
-          <a:prstGeom prst="rect">
-            <a:avLst/>
-          </a:prstGeom>
-        </p:spPr>
-      </p:pic>
-      <p:pic>
-        <p:nvPicPr>
-          <p:cNvPr id="14" name=""/>
-          <p:cNvPicPr>
-            <a:picLocks noChangeAspect="1"/>
-          </p:cNvPicPr>
-          <p:nvPr/>
-        </p:nvPicPr>
-        <p:blipFill rotWithShape="1">
-          <a:blip r:embed="rId3"/>
-          <a:stretch>
-            <a:fillRect/>
-          </a:stretch>
-        </p:blipFill>
-        <p:spPr>
-          <a:xfrm>
-            <a:off x="4526116" y="2319182"/>
-            <a:ext cx="2905530" cy="2219634"/>
-          </a:xfrm>
-          <a:prstGeom prst="rect">
-            <a:avLst/>
-          </a:prstGeom>
-        </p:spPr>
-      </p:pic>
-      <p:pic>
-        <p:nvPicPr>
-          <p:cNvPr id="15" name=""/>
-          <p:cNvPicPr>
-            <a:picLocks noChangeAspect="1"/>
-          </p:cNvPicPr>
-          <p:nvPr/>
-        </p:nvPicPr>
-        <p:blipFill rotWithShape="1">
-          <a:blip r:embed="rId4"/>
-          <a:stretch>
-            <a:fillRect/>
-          </a:stretch>
-        </p:blipFill>
-        <p:spPr>
-          <a:xfrm>
-            <a:off x="7824634" y="2319182"/>
-            <a:ext cx="2905530" cy="2219634"/>
-          </a:xfrm>
-          <a:prstGeom prst="rect">
-            <a:avLst/>
-          </a:prstGeom>
-        </p:spPr>
-      </p:pic>
-      <p:sp>
-        <p:nvSpPr>
-          <p:cNvPr id="16" name="TextBox 4"/>
-          <p:cNvSpPr txBox="1"/>
-          <p:nvPr/>
-        </p:nvSpPr>
-        <p:spPr>
-          <a:xfrm>
-            <a:off x="1620780" y="3699242"/>
-            <a:ext cx="814548" cy="470803"/>
-          </a:xfrm>
-          <a:prstGeom prst="rect">
-            <a:avLst/>
-          </a:prstGeom>
-          <a:noFill/>
-        </p:spPr>
-        <p:txBody>
-          <a:bodyPr wrap="square">
-            <a:spAutoFit/>
-          </a:bodyPr>
-          <a:lstStyle/>
-          <a:p>
-            <a:pPr lvl="0">
-              <a:defRPr/>
-            </a:pPr>
-            <a:r>
-              <a:rPr kumimoji="1" lang="ko-KR" altLang="en-US" sz="2500" b="1">
-                <a:latin typeface="Segoe Print"/>
-                <a:ea typeface="나눔손글씨 붓"/>
-                <a:cs typeface="Mangal"/>
-              </a:rPr>
-              <a:t>조장</a:t>
-            </a:r>
-            <a:endParaRPr kumimoji="1" lang="ko-KR" altLang="en-US" sz="2500" b="1">
-              <a:latin typeface="Segoe Print"/>
-              <a:ea typeface="나눔손글씨 붓"/>
-              <a:cs typeface="Mangal"/>
-            </a:endParaRPr>
-          </a:p>
-        </p:txBody>
-      </p:sp>
-    </p:spTree>
-  </p:cSld>
-  <p:clrMapOvr>
-    <a:masterClrMapping/>
-  </p:clrMapOvr>
-  <mc:AlternateContent xmlns:mc="http://schemas.openxmlformats.org/markup-compatibility/2006">
-    <mc:Choice xmlns:p14="http://schemas.microsoft.com/office/powerpoint/2010/main" Requires="p14">
-      <p:transition xmlns:mc="http://schemas.openxmlformats.org/markup-compatibility/2006" xmlns:p14="http://schemas.microsoft.com/office/powerpoint/2010/main" mc:Ignorable="p14" p14:dur="500"/>
-    </mc:Choice>
-    <mc:Fallback>
-      <p:transition/>
-    </mc:Fallback>
-  </mc:AlternateContent>
-</p:sld>
-</file>
-
-<file path=ppt/slides/slide4.xml><?xml version="1.0" encoding="utf-8"?>
-<p:sld xmlns:r="http://schemas.openxmlformats.org/officeDocument/2006/relationships" xmlns:c="http://schemas.openxmlformats.org/drawingml/2006/chart" xmlns:a="http://schemas.openxmlformats.org/drawingml/2006/main" xmlns:dgm="http://schemas.openxmlformats.org/drawingml/2006/diagram" xmlns:dsp="http://schemas.microsoft.com/office/drawing/2008/diagram" xmlns:p="http://schemas.openxmlformats.org/presentationml/2006/main">
-  <p:cSld>
-    <p:spTree>
-      <p:nvGrpSpPr>
-        <p:cNvPr id="1" name=""/>
-        <p:cNvGrpSpPr/>
-        <p:nvPr/>
-      </p:nvGrpSpPr>
-      <p:grpSpPr>
-        <a:xfrm>
-          <a:off x="0" y="0"/>
-          <a:ext cx="0" cy="0"/>
-          <a:chOff x="0" y="0"/>
-          <a:chExt cx="0" cy="0"/>
-        </a:xfrm>
-      </p:grpSpPr>
-      <p:sp>
-        <p:nvSpPr>
-          <p:cNvPr id="4" name=""/>
-          <p:cNvSpPr txBox="1"/>
-          <p:nvPr/>
-        </p:nvSpPr>
-        <p:spPr>
-          <a:xfrm>
-            <a:off x="390337" y="360648"/>
-            <a:ext cx="10113820" cy="926870"/>
-          </a:xfrm>
-          <a:prstGeom prst="rect">
-            <a:avLst/>
-          </a:prstGeom>
-        </p:spPr>
-        <p:txBody>
-          <a:bodyPr wrap="square">
-            <a:spAutoFit/>
-          </a:bodyPr>
-          <a:p>
-            <a:pPr lvl="0">
-              <a:defRPr/>
-            </a:pPr>
-            <a:r>
-              <a:rPr kumimoji="1" lang="en-US" altLang="ko-KR" sz="5500" b="1">
-                <a:latin typeface="나눔손글씨 붓"/>
-                <a:ea typeface="나눔손글씨 붓"/>
-                <a:cs typeface="Mangal"/>
-              </a:rPr>
-              <a:t>2.</a:t>
-            </a:r>
-            <a:r>
-              <a:rPr kumimoji="1" lang="ko-KR" altLang="en-US" sz="5500" b="1">
-                <a:latin typeface="나눔손글씨 붓"/>
-                <a:ea typeface="나눔손글씨 붓"/>
-                <a:cs typeface="Mangal"/>
-              </a:rPr>
-              <a:t> 개념적 설계 및 논리적 설계</a:t>
-            </a:r>
-            <a:endParaRPr kumimoji="1" lang="ko-KR" altLang="en-US" sz="5500" b="1">
-              <a:latin typeface="나눔손글씨 붓"/>
-              <a:ea typeface="나눔손글씨 붓"/>
-              <a:cs typeface="Mangal"/>
-            </a:endParaRPr>
-          </a:p>
-        </p:txBody>
-      </p:sp>
-      <p:sp>
-        <p:nvSpPr>
-          <p:cNvPr id="6" name=""/>
-          <p:cNvSpPr txBox="1"/>
-          <p:nvPr/>
-        </p:nvSpPr>
-        <p:spPr>
-          <a:xfrm>
-            <a:off x="1998373" y="1464945"/>
-            <a:ext cx="3550231" cy="776203"/>
-          </a:xfrm>
-          <a:prstGeom prst="rect">
-            <a:avLst/>
-          </a:prstGeom>
-        </p:spPr>
-        <p:txBody>
-          <a:bodyPr wrap="square">
-            <a:spAutoFit/>
-          </a:bodyPr>
-          <a:lstStyle/>
-          <a:p>
-            <a:pPr lvl="0">
-              <a:defRPr/>
-            </a:pPr>
-            <a:r>
-              <a:rPr kumimoji="1" lang="ko-KR" altLang="en-US" sz="4500" b="1">
-                <a:latin typeface="나눔손글씨 붓"/>
-                <a:ea typeface="나눔손글씨 붓"/>
-                <a:cs typeface="Mangal"/>
-              </a:rPr>
-              <a:t>메뉴 구성도</a:t>
-            </a:r>
-            <a:endParaRPr kumimoji="1" lang="ko-KR" altLang="en-US" sz="4500" b="1">
-              <a:latin typeface="나눔손글씨 붓"/>
-              <a:ea typeface="나눔손글씨 붓"/>
-              <a:cs typeface="Mangal"/>
-            </a:endParaRPr>
-          </a:p>
-        </p:txBody>
-      </p:sp>
-      <p:pic>
-        <p:nvPicPr>
-          <p:cNvPr id="8" name=""/>
-          <p:cNvPicPr>
-            <a:picLocks noChangeAspect="1"/>
-          </p:cNvPicPr>
-          <p:nvPr/>
-        </p:nvPicPr>
-        <p:blipFill rotWithShape="1">
-          <a:blip r:embed="rId2"/>
-          <a:stretch>
-            <a:fillRect/>
-          </a:stretch>
-        </p:blipFill>
-        <p:spPr>
-          <a:xfrm>
-            <a:off x="2403667" y="2241148"/>
-            <a:ext cx="7944958" cy="4264852"/>
-          </a:xfrm>
-          <a:prstGeom prst="rect">
-            <a:avLst/>
-          </a:prstGeom>
-        </p:spPr>
-      </p:pic>
-    </p:spTree>
-  </p:cSld>
-  <p:clrMapOvr>
-    <a:masterClrMapping/>
-  </p:clrMapOvr>
-  <mc:AlternateContent xmlns:mc="http://schemas.openxmlformats.org/markup-compatibility/2006">
-    <mc:Choice xmlns:p14="http://schemas.microsoft.com/office/powerpoint/2010/main" Requires="p14">
-      <p:transition xmlns:mc="http://schemas.openxmlformats.org/markup-compatibility/2006" xmlns:p14="http://schemas.microsoft.com/office/powerpoint/2010/main" mc:Ignorable="p14" p14:dur="500"/>
-    </mc:Choice>
-    <mc:Fallback>
-      <p:transition/>
-    </mc:Fallback>
-  </mc:AlternateContent>
-</p:sld>
-</file>
-
-<file path=ppt/slides/slide5.xml><?xml version="1.0" encoding="utf-8"?>
-<p:sld xmlns:r="http://schemas.openxmlformats.org/officeDocument/2006/relationships" xmlns:c="http://schemas.openxmlformats.org/drawingml/2006/chart" xmlns:a="http://schemas.openxmlformats.org/drawingml/2006/main" xmlns:dgm="http://schemas.openxmlformats.org/drawingml/2006/diagram" xmlns:dsp="http://schemas.microsoft.com/office/drawing/2008/diagram" xmlns:p="http://schemas.openxmlformats.org/presentationml/2006/main">
-  <p:cSld>
-    <p:spTree>
-      <p:nvGrpSpPr>
-        <p:cNvPr id="1" name=""/>
-        <p:cNvGrpSpPr/>
-        <p:nvPr/>
-      </p:nvGrpSpPr>
-      <p:grpSpPr>
-        <a:xfrm>
-          <a:off x="0" y="0"/>
-          <a:ext cx="0" cy="0"/>
-          <a:chOff x="0" y="0"/>
-          <a:chExt cx="0" cy="0"/>
-        </a:xfrm>
-      </p:grpSpPr>
-      <p:sp>
-        <p:nvSpPr>
-          <p:cNvPr id="6" name=""/>
-          <p:cNvSpPr txBox="1"/>
-          <p:nvPr/>
-        </p:nvSpPr>
-        <p:spPr>
-          <a:xfrm>
-            <a:off x="716827" y="806854"/>
-            <a:ext cx="3550231" cy="776203"/>
-          </a:xfrm>
-          <a:prstGeom prst="rect">
-            <a:avLst/>
-          </a:prstGeom>
-        </p:spPr>
-        <p:txBody>
-          <a:bodyPr wrap="square">
-            <a:spAutoFit/>
-          </a:bodyPr>
-          <a:lstStyle/>
-          <a:p>
-            <a:pPr lvl="0">
-              <a:defRPr/>
-            </a:pPr>
-            <a:r>
-              <a:rPr kumimoji="1" lang="ko-KR" altLang="en-US" sz="4500" b="1">
-                <a:latin typeface="나눔손글씨 붓"/>
-                <a:ea typeface="나눔손글씨 붓"/>
-                <a:cs typeface="Mangal"/>
-              </a:rPr>
-              <a:t>개념 </a:t>
-            </a:r>
-            <a:r>
-              <a:rPr kumimoji="1" lang="en-US" altLang="ko-KR" sz="4500" b="1">
-                <a:latin typeface="나눔손글씨 붓"/>
-                <a:ea typeface="나눔손글씨 붓"/>
-                <a:cs typeface="Mangal"/>
-              </a:rPr>
-              <a:t>ERD</a:t>
-            </a:r>
-            <a:endParaRPr kumimoji="1" lang="en-US" altLang="ko-KR" sz="4500" b="1">
-              <a:latin typeface="나눔손글씨 붓"/>
-              <a:ea typeface="나눔손글씨 붓"/>
-              <a:cs typeface="Mangal"/>
-            </a:endParaRPr>
-          </a:p>
-        </p:txBody>
-      </p:sp>
-      <p:pic>
-        <p:nvPicPr>
-          <p:cNvPr id="7" name=""/>
-          <p:cNvPicPr>
-            <a:picLocks noChangeAspect="1"/>
-          </p:cNvPicPr>
-          <p:nvPr/>
-        </p:nvPicPr>
-        <p:blipFill rotWithShape="1">
-          <a:blip r:embed="rId2"/>
-          <a:stretch>
-            <a:fillRect/>
-          </a:stretch>
-        </p:blipFill>
-        <p:spPr>
-          <a:xfrm>
-            <a:off x="4267059" y="0"/>
-            <a:ext cx="6040634" cy="6858000"/>
-          </a:xfrm>
-          <a:prstGeom prst="rect">
-            <a:avLst/>
-          </a:prstGeom>
-        </p:spPr>
-      </p:pic>
-      <p:pic>
-        <p:nvPicPr>
-          <p:cNvPr id="9" name=""/>
-          <p:cNvPicPr>
-            <a:picLocks noChangeAspect="1"/>
-          </p:cNvPicPr>
-          <p:nvPr/>
-        </p:nvPicPr>
-        <p:blipFill rotWithShape="1">
-          <a:blip r:embed="rId3"/>
-          <a:stretch>
-            <a:fillRect/>
-          </a:stretch>
-        </p:blipFill>
-        <p:spPr>
-          <a:xfrm>
-            <a:off x="4267059" y="0"/>
-            <a:ext cx="6040635" cy="6858000"/>
-          </a:xfrm>
-          <a:prstGeom prst="rect">
-            <a:avLst/>
-          </a:prstGeom>
-        </p:spPr>
-      </p:pic>
-    </p:spTree>
-  </p:cSld>
-  <p:clrMapOvr>
-    <a:masterClrMapping/>
-  </p:clrMapOvr>
-  <mc:AlternateContent xmlns:mc="http://schemas.openxmlformats.org/markup-compatibility/2006">
-    <mc:Choice xmlns:p14="http://schemas.microsoft.com/office/powerpoint/2010/main" Requires="p14">
-      <p:transition xmlns:mc="http://schemas.openxmlformats.org/markup-compatibility/2006" xmlns:p14="http://schemas.microsoft.com/office/powerpoint/2010/main" mc:Ignorable="p14" p14:dur="500"/>
-    </mc:Choice>
-    <mc:Fallback>
-      <p:transition/>
-    </mc:Fallback>
-  </mc:AlternateContent>
-</p:sld>
-</file>
-
-<file path=ppt/slides/slide6.xml><?xml version="1.0" encoding="utf-8"?>
-<p:sld xmlns:r="http://schemas.openxmlformats.org/officeDocument/2006/relationships" xmlns:c="http://schemas.openxmlformats.org/drawingml/2006/chart" xmlns:a="http://schemas.openxmlformats.org/drawingml/2006/main" xmlns:dgm="http://schemas.openxmlformats.org/drawingml/2006/diagram" xmlns:dsp="http://schemas.microsoft.com/office/drawing/2008/diagram" xmlns:p="http://schemas.openxmlformats.org/presentationml/2006/main">
-  <p:cSld>
-    <p:spTree>
-      <p:nvGrpSpPr>
-        <p:cNvPr id="1" name=""/>
-        <p:cNvGrpSpPr/>
-        <p:nvPr/>
-      </p:nvGrpSpPr>
-      <p:grpSpPr>
-        <a:xfrm>
-          <a:off x="0" y="0"/>
-          <a:ext cx="0" cy="0"/>
-          <a:chOff x="0" y="0"/>
-          <a:chExt cx="0" cy="0"/>
-        </a:xfrm>
-      </p:grpSpPr>
-      <p:sp>
-        <p:nvSpPr>
-          <p:cNvPr id="6" name=""/>
-          <p:cNvSpPr txBox="1"/>
-          <p:nvPr/>
-        </p:nvSpPr>
-        <p:spPr>
-          <a:xfrm>
-            <a:off x="716827" y="806854"/>
-            <a:ext cx="3550231" cy="776203"/>
-          </a:xfrm>
-          <a:prstGeom prst="rect">
-            <a:avLst/>
-          </a:prstGeom>
-        </p:spPr>
-        <p:txBody>
-          <a:bodyPr wrap="square">
-            <a:spAutoFit/>
-          </a:bodyPr>
-          <a:lstStyle/>
-          <a:p>
-            <a:pPr lvl="0">
-              <a:defRPr/>
-            </a:pPr>
-            <a:r>
-              <a:rPr kumimoji="1" lang="ko-KR" altLang="en-US" sz="4500" b="1">
-                <a:latin typeface="나눔손글씨 붓"/>
-                <a:ea typeface="나눔손글씨 붓"/>
-                <a:cs typeface="Mangal"/>
-              </a:rPr>
-              <a:t>논리 </a:t>
-            </a:r>
-            <a:r>
-              <a:rPr kumimoji="1" lang="en-US" altLang="ko-KR" sz="4500" b="1">
-                <a:latin typeface="나눔손글씨 붓"/>
-                <a:ea typeface="나눔손글씨 붓"/>
-                <a:cs typeface="Mangal"/>
-              </a:rPr>
-              <a:t>ERD</a:t>
-            </a:r>
-            <a:endParaRPr kumimoji="1" lang="en-US" altLang="ko-KR" sz="4500" b="1">
-              <a:latin typeface="나눔손글씨 붓"/>
-              <a:ea typeface="나눔손글씨 붓"/>
-              <a:cs typeface="Mangal"/>
-            </a:endParaRPr>
-          </a:p>
-        </p:txBody>
-      </p:sp>
-      <p:pic>
-        <p:nvPicPr>
-          <p:cNvPr id="7" name=""/>
-          <p:cNvPicPr>
-            <a:picLocks noChangeAspect="1"/>
-          </p:cNvPicPr>
-          <p:nvPr/>
-        </p:nvPicPr>
-        <p:blipFill rotWithShape="1">
-          <a:blip r:embed="rId2"/>
-          <a:stretch>
-            <a:fillRect/>
-          </a:stretch>
-        </p:blipFill>
-        <p:spPr>
-          <a:xfrm>
-            <a:off x="4267059" y="0"/>
-            <a:ext cx="6040634" cy="6858000"/>
-          </a:xfrm>
-          <a:prstGeom prst="rect">
-            <a:avLst/>
-          </a:prstGeom>
-        </p:spPr>
-      </p:pic>
-    </p:spTree>
-  </p:cSld>
-  <p:clrMapOvr>
-    <a:masterClrMapping/>
-  </p:clrMapOvr>
-  <mc:AlternateContent xmlns:mc="http://schemas.openxmlformats.org/markup-compatibility/2006">
-    <mc:Choice xmlns:p14="http://schemas.microsoft.com/office/powerpoint/2010/main" Requires="p14">
-      <p:transition xmlns:mc="http://schemas.openxmlformats.org/markup-compatibility/2006" xmlns:p14="http://schemas.microsoft.com/office/powerpoint/2010/main" mc:Ignorable="p14" p14:dur="500"/>
-    </mc:Choice>
-    <mc:Fallback>
-      <p:transition/>
-    </mc:Fallback>
-  </mc:AlternateContent>
-</p:sld>
-</file>
-
-<file path=ppt/slides/slide7.xml><?xml version="1.0" encoding="utf-8"?>
-<p:sld xmlns:r="http://schemas.openxmlformats.org/officeDocument/2006/relationships" xmlns:c="http://schemas.openxmlformats.org/drawingml/2006/chart" xmlns:a="http://schemas.openxmlformats.org/drawingml/2006/main" xmlns:dgm="http://schemas.openxmlformats.org/drawingml/2006/diagram" xmlns:dsp="http://schemas.microsoft.com/office/drawing/2008/diagram" xmlns:p="http://schemas.openxmlformats.org/presentationml/2006/main">
-  <p:cSld>
-    <p:spTree>
-      <p:nvGrpSpPr>
-        <p:cNvPr id="1" name=""/>
-        <p:cNvGrpSpPr/>
-        <p:nvPr/>
-      </p:nvGrpSpPr>
-      <p:grpSpPr>
-        <a:xfrm>
-          <a:off x="0" y="0"/>
-          <a:ext cx="0" cy="0"/>
-          <a:chOff x="0" y="0"/>
-          <a:chExt cx="0" cy="0"/>
-        </a:xfrm>
-      </p:grpSpPr>
-      <p:sp>
-        <p:nvSpPr>
-          <p:cNvPr id="4" name=""/>
-          <p:cNvSpPr txBox="1"/>
-          <p:nvPr/>
-        </p:nvSpPr>
-        <p:spPr>
-          <a:xfrm>
-            <a:off x="390337" y="360648"/>
-            <a:ext cx="10113820" cy="926870"/>
-          </a:xfrm>
-          <a:prstGeom prst="rect">
-            <a:avLst/>
-          </a:prstGeom>
-        </p:spPr>
-        <p:txBody>
-          <a:bodyPr wrap="square">
-            <a:spAutoFit/>
-          </a:bodyPr>
-          <a:p>
-            <a:pPr lvl="0">
-              <a:defRPr/>
-            </a:pPr>
-            <a:r>
-              <a:rPr kumimoji="1" lang="en-US" altLang="ko-KR" sz="5500" b="1">
-                <a:latin typeface="나눔손글씨 붓"/>
-                <a:ea typeface="나눔손글씨 붓"/>
-                <a:cs typeface="Mangal"/>
-              </a:rPr>
-              <a:t>3.</a:t>
-            </a:r>
-            <a:r>
-              <a:rPr kumimoji="1" lang="ko-KR" altLang="en-US" sz="5500" b="1">
-                <a:latin typeface="나눔손글씨 붓"/>
-                <a:ea typeface="나눔손글씨 붓"/>
-                <a:cs typeface="Mangal"/>
-              </a:rPr>
-              <a:t> 주요 기능 소개</a:t>
-            </a:r>
-            <a:endParaRPr kumimoji="1" lang="ko-KR" altLang="en-US" sz="5500" b="1">
-              <a:latin typeface="나눔손글씨 붓"/>
-              <a:ea typeface="나눔손글씨 붓"/>
-              <a:cs typeface="Mangal"/>
-            </a:endParaRPr>
-          </a:p>
-        </p:txBody>
-      </p:sp>
-      <p:sp>
-        <p:nvSpPr>
-          <p:cNvPr id="6" name=""/>
-          <p:cNvSpPr txBox="1"/>
-          <p:nvPr/>
-        </p:nvSpPr>
-        <p:spPr>
-          <a:xfrm>
-            <a:off x="3524247" y="1547290"/>
-            <a:ext cx="5143505" cy="729011"/>
-          </a:xfrm>
-          <a:prstGeom prst="rect">
-            <a:avLst/>
-          </a:prstGeom>
-        </p:spPr>
-        <p:txBody>
-          <a:bodyPr wrap="square">
-            <a:spAutoFit/>
-          </a:bodyPr>
-          <a:lstStyle/>
-          <a:p>
-            <a:pPr lvl="0" algn="ctr">
-              <a:defRPr/>
-            </a:pPr>
-            <a:r>
-              <a:rPr kumimoji="1" lang="en-US" altLang="ko-KR" sz="4200" b="1">
-                <a:latin typeface="나눔손글씨 붓"/>
-                <a:ea typeface="나눔손글씨 붓"/>
-                <a:cs typeface="Mangal"/>
-              </a:rPr>
-              <a:t>-</a:t>
-            </a:r>
-            <a:r>
-              <a:rPr kumimoji="1" lang="ko-KR" altLang="en-US" sz="4200" b="1">
-                <a:latin typeface="나눔손글씨 붓"/>
-                <a:ea typeface="나눔손글씨 붓"/>
-                <a:cs typeface="Mangal"/>
-              </a:rPr>
-              <a:t>프로그램 흐름</a:t>
-            </a:r>
-            <a:r>
-              <a:rPr kumimoji="1" lang="en-US" altLang="ko-KR" sz="4200" b="1">
-                <a:latin typeface="나눔손글씨 붓"/>
-                <a:ea typeface="나눔손글씨 붓"/>
-                <a:cs typeface="Mangal"/>
-              </a:rPr>
-              <a:t>-</a:t>
-            </a:r>
-            <a:endParaRPr kumimoji="1" lang="en-US" altLang="ko-KR" sz="4200" b="1">
-              <a:latin typeface="나눔손글씨 붓"/>
-              <a:ea typeface="나눔손글씨 붓"/>
-              <a:cs typeface="Mangal"/>
-            </a:endParaRPr>
-          </a:p>
-        </p:txBody>
-      </p:sp>
-      <p:pic>
-        <p:nvPicPr>
-          <p:cNvPr id="7" name=""/>
-          <p:cNvPicPr>
-            <a:picLocks noChangeAspect="1"/>
-          </p:cNvPicPr>
-          <p:nvPr/>
-        </p:nvPicPr>
-        <p:blipFill rotWithShape="1">
-          <a:blip r:embed="rId3"/>
-          <a:srcRect l="18370" t="17780" r="16330" b="15940"/>
-          <a:stretch>
-            <a:fillRect/>
-          </a:stretch>
-        </p:blipFill>
-        <p:spPr>
-          <a:xfrm>
-            <a:off x="1048427" y="2952171"/>
-            <a:ext cx="2078903" cy="1403929"/>
-          </a:xfrm>
-          <a:prstGeom prst="rect">
-            <a:avLst/>
-          </a:prstGeom>
-        </p:spPr>
-      </p:pic>
-      <p:pic>
-        <p:nvPicPr>
-          <p:cNvPr id="8" name=""/>
-          <p:cNvPicPr>
-            <a:picLocks noChangeAspect="1"/>
-          </p:cNvPicPr>
-          <p:nvPr/>
-        </p:nvPicPr>
-        <p:blipFill rotWithShape="1">
-          <a:blip r:embed="rId4"/>
-          <a:srcRect l="18370" t="17780" r="16330" b="15940"/>
-          <a:stretch>
-            <a:fillRect/>
-          </a:stretch>
-        </p:blipFill>
-        <p:spPr>
-          <a:xfrm>
-            <a:off x="3774642" y="2952171"/>
-            <a:ext cx="2078903" cy="1403929"/>
-          </a:xfrm>
-          <a:prstGeom prst="rect">
-            <a:avLst/>
-          </a:prstGeom>
-        </p:spPr>
-      </p:pic>
-      <p:pic>
-        <p:nvPicPr>
-          <p:cNvPr id="9" name=""/>
-          <p:cNvPicPr>
-            <a:picLocks noChangeAspect="1"/>
-          </p:cNvPicPr>
-          <p:nvPr/>
-        </p:nvPicPr>
-        <p:blipFill rotWithShape="1">
-          <a:blip r:embed="rId5"/>
-          <a:srcRect l="18370" t="17780" r="16330" b="15940"/>
-          <a:stretch>
-            <a:fillRect/>
-          </a:stretch>
-        </p:blipFill>
-        <p:spPr>
-          <a:xfrm>
-            <a:off x="6390408" y="2952172"/>
-            <a:ext cx="2078903" cy="1403929"/>
-          </a:xfrm>
-          <a:prstGeom prst="rect">
-            <a:avLst/>
-          </a:prstGeom>
-        </p:spPr>
-      </p:pic>
-      <p:pic>
-        <p:nvPicPr>
-          <p:cNvPr id="10" name=""/>
-          <p:cNvPicPr>
-            <a:picLocks noChangeAspect="1"/>
-          </p:cNvPicPr>
-          <p:nvPr/>
-        </p:nvPicPr>
-        <p:blipFill rotWithShape="1">
-          <a:blip r:embed="rId6"/>
-          <a:srcRect l="18370" t="17780" r="16330" b="15940"/>
-          <a:stretch>
-            <a:fillRect/>
-          </a:stretch>
-        </p:blipFill>
-        <p:spPr>
-          <a:xfrm>
-            <a:off x="8967167" y="2952171"/>
-            <a:ext cx="2078903" cy="1403929"/>
-          </a:xfrm>
-          <a:prstGeom prst="rect">
-            <a:avLst/>
-          </a:prstGeom>
-        </p:spPr>
-      </p:pic>
-      <p:sp>
-        <p:nvSpPr>
-          <p:cNvPr id="11" name=""/>
-          <p:cNvSpPr txBox="1"/>
-          <p:nvPr/>
-        </p:nvSpPr>
-        <p:spPr>
-          <a:xfrm>
-            <a:off x="1188926" y="4356101"/>
-            <a:ext cx="1797906" cy="1309369"/>
-          </a:xfrm>
-          <a:prstGeom prst="rect">
-            <a:avLst/>
-          </a:prstGeom>
-        </p:spPr>
-        <p:txBody>
-          <a:bodyPr wrap="square">
-            <a:spAutoFit/>
-          </a:bodyPr>
-          <a:p>
-            <a:pPr algn="ctr">
-              <a:defRPr/>
-            </a:pPr>
-            <a:r>
-              <a:rPr lang="en-US" altLang="ko-KR" sz="3000" b="1">
-                <a:latin typeface="나눔손글씨 붓"/>
-                <a:ea typeface="나눔손글씨 붓"/>
-              </a:rPr>
-              <a:t>1.</a:t>
-            </a:r>
-            <a:r>
-              <a:rPr lang="ko-KR" altLang="en-US" sz="3000" b="1">
-                <a:latin typeface="나눔손글씨 붓"/>
-                <a:ea typeface="나눔손글씨 붓"/>
-              </a:rPr>
-              <a:t> 로그인</a:t>
-            </a:r>
-            <a:endParaRPr lang="ko-KR" altLang="en-US" sz="3000" b="1">
-              <a:latin typeface="나눔손글씨 붓"/>
-              <a:ea typeface="나눔손글씨 붓"/>
-            </a:endParaRPr>
-          </a:p>
-          <a:p>
-            <a:pPr algn="ctr">
-              <a:defRPr/>
-            </a:pPr>
-            <a:r>
-              <a:rPr lang="ko-KR" altLang="en-US" sz="2500" b="1">
-                <a:latin typeface="나눔손글씨 붓"/>
-                <a:ea typeface="나눔손글씨 붓"/>
-              </a:rPr>
-              <a:t>일반회원</a:t>
-            </a:r>
-            <a:r>
-              <a:rPr lang="en-US" altLang="ko-KR" sz="2500" b="1">
-                <a:latin typeface="나눔손글씨 붓"/>
-                <a:ea typeface="나눔손글씨 붓"/>
-              </a:rPr>
-              <a:t>/</a:t>
-            </a:r>
-            <a:r>
-              <a:rPr lang="ko-KR" altLang="en-US" sz="2500" b="1">
-                <a:latin typeface="나눔손글씨 붓"/>
-                <a:ea typeface="나눔손글씨 붓"/>
-              </a:rPr>
-              <a:t>관리자</a:t>
-            </a:r>
-            <a:endParaRPr lang="ko-KR" altLang="en-US" sz="2500" b="1">
-              <a:latin typeface="나눔손글씨 붓"/>
-              <a:ea typeface="나눔손글씨 붓"/>
-            </a:endParaRPr>
-          </a:p>
-        </p:txBody>
-      </p:sp>
-      <p:sp>
-        <p:nvSpPr>
-          <p:cNvPr id="12" name=""/>
-          <p:cNvSpPr txBox="1"/>
-          <p:nvPr/>
-        </p:nvSpPr>
-        <p:spPr>
-          <a:xfrm>
-            <a:off x="3723663" y="4356101"/>
-            <a:ext cx="2180860" cy="547369"/>
-          </a:xfrm>
-          <a:prstGeom prst="rect">
-            <a:avLst/>
-          </a:prstGeom>
-        </p:spPr>
-        <p:txBody>
-          <a:bodyPr wrap="square">
-            <a:spAutoFit/>
-          </a:bodyPr>
-          <a:lstStyle/>
-          <a:p>
-            <a:pPr algn="ctr">
-              <a:defRPr/>
-            </a:pPr>
-            <a:r>
-              <a:rPr lang="en-US" altLang="ko-KR" sz="3000" b="1">
-                <a:latin typeface="나눔손글씨 붓"/>
-                <a:ea typeface="나눔손글씨 붓"/>
-              </a:rPr>
-              <a:t>2.</a:t>
-            </a:r>
-            <a:r>
-              <a:rPr lang="ko-KR" altLang="en-US" sz="3000" b="1">
-                <a:latin typeface="나눔손글씨 붓"/>
-                <a:ea typeface="나눔손글씨 붓"/>
-              </a:rPr>
-              <a:t> 회원가입</a:t>
-            </a:r>
-            <a:endParaRPr lang="ko-KR" altLang="en-US" sz="3000" b="1">
-              <a:latin typeface="나눔손글씨 붓"/>
-              <a:ea typeface="나눔손글씨 붓"/>
-            </a:endParaRPr>
-          </a:p>
-        </p:txBody>
-      </p:sp>
-      <p:sp>
-        <p:nvSpPr>
-          <p:cNvPr id="13" name=""/>
-          <p:cNvSpPr txBox="1"/>
-          <p:nvPr/>
-        </p:nvSpPr>
-        <p:spPr>
-          <a:xfrm>
-            <a:off x="6530907" y="4356101"/>
-            <a:ext cx="1797906" cy="547369"/>
-          </a:xfrm>
-          <a:prstGeom prst="rect">
-            <a:avLst/>
-          </a:prstGeom>
-        </p:spPr>
-        <p:txBody>
-          <a:bodyPr wrap="square">
-            <a:spAutoFit/>
-          </a:bodyPr>
-          <a:lstStyle/>
-          <a:p>
-            <a:pPr algn="ctr">
-              <a:defRPr/>
-            </a:pPr>
-            <a:r>
-              <a:rPr lang="en-US" altLang="ko-KR" sz="3000" b="1">
-                <a:latin typeface="나눔손글씨 붓"/>
-                <a:ea typeface="나눔손글씨 붓"/>
-              </a:rPr>
-              <a:t>3.</a:t>
-            </a:r>
-            <a:r>
-              <a:rPr lang="ko-KR" altLang="en-US" sz="3000" b="1">
-                <a:latin typeface="나눔손글씨 붓"/>
-                <a:ea typeface="나눔손글씨 붓"/>
-              </a:rPr>
-              <a:t> 비회원</a:t>
-            </a:r>
-            <a:endParaRPr lang="ko-KR" altLang="en-US" sz="3000" b="1">
-              <a:latin typeface="나눔손글씨 붓"/>
-              <a:ea typeface="나눔손글씨 붓"/>
-            </a:endParaRPr>
-          </a:p>
-        </p:txBody>
-      </p:sp>
-      <p:sp>
-        <p:nvSpPr>
-          <p:cNvPr id="14" name=""/>
-          <p:cNvSpPr txBox="1"/>
-          <p:nvPr/>
-        </p:nvSpPr>
-        <p:spPr>
-          <a:xfrm>
-            <a:off x="9107665" y="4356101"/>
-            <a:ext cx="1797906" cy="547369"/>
-          </a:xfrm>
-          <a:prstGeom prst="rect">
-            <a:avLst/>
-          </a:prstGeom>
-        </p:spPr>
-        <p:txBody>
-          <a:bodyPr wrap="square">
-            <a:spAutoFit/>
-          </a:bodyPr>
-          <a:lstStyle/>
-          <a:p>
-            <a:pPr algn="ctr">
-              <a:defRPr/>
-            </a:pPr>
-            <a:r>
-              <a:rPr lang="en-US" altLang="ko-KR" sz="3000" b="1">
-                <a:latin typeface="나눔손글씨 붓"/>
-                <a:ea typeface="나눔손글씨 붓"/>
-              </a:rPr>
-              <a:t>0.</a:t>
-            </a:r>
-            <a:r>
-              <a:rPr lang="ko-KR" altLang="en-US" sz="3000" b="1">
-                <a:latin typeface="나눔손글씨 붓"/>
-                <a:ea typeface="나눔손글씨 붓"/>
-              </a:rPr>
-              <a:t> 종료</a:t>
-            </a:r>
-            <a:endParaRPr lang="ko-KR" altLang="en-US" sz="3000" b="1">
-              <a:latin typeface="나눔손글씨 붓"/>
-              <a:ea typeface="나눔손글씨 붓"/>
-            </a:endParaRPr>
-          </a:p>
-        </p:txBody>
-      </p:sp>
-    </p:spTree>
-  </p:cSld>
-  <p:clrMapOvr>
-    <a:masterClrMapping/>
-  </p:clrMapOvr>
-  <mc:AlternateContent xmlns:mc="http://schemas.openxmlformats.org/markup-compatibility/2006">
-    <mc:Choice xmlns:p14="http://schemas.microsoft.com/office/powerpoint/2010/main" Requires="p14">
-      <p:transition xmlns:mc="http://schemas.openxmlformats.org/markup-compatibility/2006" xmlns:p14="http://schemas.microsoft.com/office/powerpoint/2010/main" mc:Ignorable="p14" p14:dur="500"/>
-    </mc:Choice>
-    <mc:Fallback>
-      <p:transition/>
-    </mc:Fallback>
-  </mc:AlternateContent>
-</p:sld>
-</file>
-
-<file path=ppt/slides/slide8.xml><?xml version="1.0" encoding="utf-8"?>
 <p:sld xmlns:r="http://schemas.openxmlformats.org/officeDocument/2006/relationships" xmlns:c="http://schemas.openxmlformats.org/drawingml/2006/chart" xmlns:a="http://schemas.openxmlformats.org/drawingml/2006/main" xmlns:dgm="http://schemas.openxmlformats.org/drawingml/2006/diagram" xmlns:dsp="http://schemas.microsoft.com/office/drawing/2008/diagram" xmlns:p="http://schemas.openxmlformats.org/presentationml/2006/main">
   <p:cSld>
     <p:spTree>
@@ -7263,7 +4000,7 @@
 </p:sld>
 </file>
 
-<file path=ppt/slides/slide9.xml><?xml version="1.0" encoding="utf-8"?>
+<file path=ppt/slides/slide11.xml><?xml version="1.0" encoding="utf-8"?>
 <p:sld xmlns:r="http://schemas.openxmlformats.org/officeDocument/2006/relationships" xmlns:c="http://schemas.openxmlformats.org/drawingml/2006/chart" xmlns:a="http://schemas.openxmlformats.org/drawingml/2006/main" xmlns:dgm="http://schemas.openxmlformats.org/drawingml/2006/diagram" xmlns:dsp="http://schemas.microsoft.com/office/drawing/2008/diagram" xmlns:p="http://schemas.openxmlformats.org/presentationml/2006/main">
   <p:cSld>
     <p:spTree>
@@ -8178,6 +4915,4159 @@
       </p:par>
     </p:tnLst>
   </p:timing>
+</p:sld>
+</file>
+
+<file path=ppt/slides/slide12.xml><?xml version="1.0" encoding="utf-8"?>
+<p:sld xmlns:r="http://schemas.openxmlformats.org/officeDocument/2006/relationships" xmlns:c="http://schemas.openxmlformats.org/drawingml/2006/chart" xmlns:a="http://schemas.openxmlformats.org/drawingml/2006/main" xmlns:dgm="http://schemas.openxmlformats.org/drawingml/2006/diagram" xmlns:dsp="http://schemas.microsoft.com/office/drawing/2008/diagram" xmlns:p="http://schemas.openxmlformats.org/presentationml/2006/main">
+  <p:cSld>
+    <p:spTree>
+      <p:nvGrpSpPr>
+        <p:cNvPr id="1" name=""/>
+        <p:cNvGrpSpPr/>
+        <p:nvPr/>
+      </p:nvGrpSpPr>
+      <p:grpSpPr>
+        <a:xfrm>
+          <a:off x="0" y="0"/>
+          <a:ext cx="0" cy="0"/>
+          <a:chOff x="0" y="0"/>
+          <a:chExt cx="0" cy="0"/>
+        </a:xfrm>
+      </p:grpSpPr>
+      <p:sp>
+        <p:nvSpPr>
+          <p:cNvPr id="2" name=""/>
+          <p:cNvSpPr txBox="1"/>
+          <p:nvPr/>
+        </p:nvSpPr>
+        <p:spPr>
+          <a:xfrm>
+            <a:off x="1068292" y="1260436"/>
+            <a:ext cx="3048000" cy="623609"/>
+          </a:xfrm>
+          <a:prstGeom prst="rect">
+            <a:avLst/>
+          </a:prstGeom>
+        </p:spPr>
+        <p:txBody>
+          <a:bodyPr wrap="square">
+            <a:spAutoFit/>
+          </a:bodyPr>
+          <a:p>
+            <a:pPr>
+              <a:defRPr/>
+            </a:pPr>
+            <a:r>
+              <a:rPr lang="en-US" altLang="ko-KR" sz="3500" b="1">
+                <a:latin typeface="나눔손글씨 붓"/>
+                <a:ea typeface="나눔손글씨 붓"/>
+              </a:rPr>
+              <a:t>2.</a:t>
+            </a:r>
+            <a:r>
+              <a:rPr lang="ko-KR" altLang="en-US" sz="3500" b="1">
+                <a:latin typeface="나눔손글씨 붓"/>
+                <a:ea typeface="나눔손글씨 붓"/>
+              </a:rPr>
+              <a:t>회원가입</a:t>
+            </a:r>
+            <a:endParaRPr lang="ko-KR" altLang="en-US" sz="3500" b="1">
+              <a:latin typeface="나눔손글씨 붓"/>
+              <a:ea typeface="나눔손글씨 붓"/>
+            </a:endParaRPr>
+          </a:p>
+        </p:txBody>
+      </p:sp>
+      <p:sp>
+        <p:nvSpPr>
+          <p:cNvPr id="3" name=""/>
+          <p:cNvSpPr txBox="1"/>
+          <p:nvPr/>
+        </p:nvSpPr>
+        <p:spPr>
+          <a:xfrm>
+            <a:off x="339910" y="332701"/>
+            <a:ext cx="6096001" cy="927735"/>
+          </a:xfrm>
+          <a:prstGeom prst="rect">
+            <a:avLst/>
+          </a:prstGeom>
+        </p:spPr>
+        <p:txBody>
+          <a:bodyPr wrap="square">
+            <a:spAutoFit/>
+          </a:bodyPr>
+          <a:p>
+            <a:pPr lvl="0">
+              <a:defRPr/>
+            </a:pPr>
+            <a:r>
+              <a:rPr kumimoji="1" lang="en-US" altLang="ko-KR" sz="5500" b="1">
+                <a:latin typeface="나눔손글씨 붓"/>
+                <a:ea typeface="나눔손글씨 붓"/>
+                <a:cs typeface="Mangal"/>
+              </a:rPr>
+              <a:t>4. </a:t>
+            </a:r>
+            <a:r>
+              <a:rPr kumimoji="1" lang="ko-KR" altLang="en-US" sz="5500" b="1">
+                <a:latin typeface="나눔손글씨 붓"/>
+                <a:ea typeface="나눔손글씨 붓"/>
+                <a:cs typeface="Mangal"/>
+              </a:rPr>
+              <a:t>시연</a:t>
+            </a:r>
+            <a:endParaRPr kumimoji="1" lang="ko-KR" altLang="en-US" sz="5500" b="1">
+              <a:latin typeface="나눔손글씨 붓"/>
+              <a:ea typeface="나눔손글씨 붓"/>
+              <a:cs typeface="Mangal"/>
+            </a:endParaRPr>
+          </a:p>
+        </p:txBody>
+      </p:sp>
+      <p:sp>
+        <p:nvSpPr>
+          <p:cNvPr id="5" name=""/>
+          <p:cNvSpPr txBox="1"/>
+          <p:nvPr/>
+        </p:nvSpPr>
+        <p:spPr>
+          <a:xfrm>
+            <a:off x="1429497" y="2275596"/>
+            <a:ext cx="1365249" cy="547409"/>
+          </a:xfrm>
+          <a:prstGeom prst="rect">
+            <a:avLst/>
+          </a:prstGeom>
+        </p:spPr>
+        <p:txBody>
+          <a:bodyPr wrap="square">
+            <a:spAutoFit/>
+          </a:bodyPr>
+          <a:lstStyle/>
+          <a:p>
+            <a:pPr>
+              <a:defRPr/>
+            </a:pPr>
+            <a:r>
+              <a:rPr lang="en-US" altLang="ko-KR" sz="3000" b="1">
+                <a:latin typeface="나눔손글씨 붓"/>
+                <a:ea typeface="나눔손글씨 붓"/>
+              </a:rPr>
+              <a:t>1.</a:t>
+            </a:r>
+            <a:r>
+              <a:rPr lang="ko-KR" altLang="en-US" sz="3000" b="1">
+                <a:latin typeface="나눔손글씨 붓"/>
+                <a:ea typeface="나눔손글씨 붓"/>
+              </a:rPr>
+              <a:t> 입력</a:t>
+            </a:r>
+            <a:endParaRPr lang="ko-KR" altLang="en-US" sz="3000" b="1">
+              <a:latin typeface="나눔손글씨 붓"/>
+              <a:ea typeface="나눔손글씨 붓"/>
+            </a:endParaRPr>
+          </a:p>
+        </p:txBody>
+      </p:sp>
+      <p:pic>
+        <p:nvPicPr>
+          <p:cNvPr id="9" name=""/>
+          <p:cNvPicPr>
+            <a:picLocks noChangeAspect="1"/>
+          </p:cNvPicPr>
+          <p:nvPr/>
+        </p:nvPicPr>
+        <p:blipFill rotWithShape="1">
+          <a:blip r:embed="rId2"/>
+          <a:stretch>
+            <a:fillRect/>
+          </a:stretch>
+        </p:blipFill>
+        <p:spPr>
+          <a:xfrm>
+            <a:off x="3640043" y="2047148"/>
+            <a:ext cx="7089605" cy="4006224"/>
+          </a:xfrm>
+          <a:prstGeom prst="rect">
+            <a:avLst/>
+          </a:prstGeom>
+        </p:spPr>
+      </p:pic>
+      <p:pic>
+        <p:nvPicPr>
+          <p:cNvPr id="10" name=""/>
+          <p:cNvPicPr>
+            <a:picLocks noChangeAspect="1"/>
+          </p:cNvPicPr>
+          <p:nvPr/>
+        </p:nvPicPr>
+        <p:blipFill rotWithShape="1">
+          <a:blip r:embed="rId3"/>
+          <a:stretch>
+            <a:fillRect/>
+          </a:stretch>
+        </p:blipFill>
+        <p:spPr>
+          <a:xfrm>
+            <a:off x="3659092" y="2549301"/>
+            <a:ext cx="6930466" cy="3393486"/>
+          </a:xfrm>
+          <a:prstGeom prst="rect">
+            <a:avLst/>
+          </a:prstGeom>
+        </p:spPr>
+      </p:pic>
+      <p:sp>
+        <p:nvSpPr>
+          <p:cNvPr id="11" name=""/>
+          <p:cNvSpPr txBox="1"/>
+          <p:nvPr/>
+        </p:nvSpPr>
+        <p:spPr>
+          <a:xfrm>
+            <a:off x="1342468" y="2988445"/>
+            <a:ext cx="1726454" cy="543425"/>
+          </a:xfrm>
+          <a:prstGeom prst="rect">
+            <a:avLst/>
+          </a:prstGeom>
+        </p:spPr>
+        <p:txBody>
+          <a:bodyPr wrap="square">
+            <a:spAutoFit/>
+          </a:bodyPr>
+          <a:lstStyle/>
+          <a:p>
+            <a:pPr>
+              <a:defRPr/>
+            </a:pPr>
+            <a:r>
+              <a:rPr lang="ko-KR" altLang="en-US" sz="3000" b="1">
+                <a:latin typeface="나눔손글씨 붓"/>
+                <a:ea typeface="나눔손글씨 붓"/>
+              </a:rPr>
+              <a:t> </a:t>
+            </a:r>
+            <a:r>
+              <a:rPr lang="en-US" altLang="ko-KR" sz="3000" b="1">
+                <a:latin typeface="나눔손글씨 붓"/>
+                <a:ea typeface="나눔손글씨 붓"/>
+              </a:rPr>
+              <a:t>2.</a:t>
+            </a:r>
+            <a:r>
+              <a:rPr lang="ko-KR" altLang="en-US" sz="3000" b="1">
+                <a:latin typeface="나눔손글씨 붓"/>
+                <a:ea typeface="나눔손글씨 붓"/>
+              </a:rPr>
+              <a:t> 수정</a:t>
+            </a:r>
+            <a:endParaRPr lang="ko-KR" altLang="en-US" sz="3000" b="1">
+              <a:latin typeface="나눔손글씨 붓"/>
+              <a:ea typeface="나눔손글씨 붓"/>
+            </a:endParaRPr>
+          </a:p>
+        </p:txBody>
+      </p:sp>
+      <p:sp>
+        <p:nvSpPr>
+          <p:cNvPr id="12" name=""/>
+          <p:cNvSpPr txBox="1"/>
+          <p:nvPr/>
+        </p:nvSpPr>
+        <p:spPr>
+          <a:xfrm>
+            <a:off x="1342468" y="3715899"/>
+            <a:ext cx="1726454" cy="548309"/>
+          </a:xfrm>
+          <a:prstGeom prst="rect">
+            <a:avLst/>
+          </a:prstGeom>
+        </p:spPr>
+        <p:txBody>
+          <a:bodyPr wrap="square">
+            <a:spAutoFit/>
+          </a:bodyPr>
+          <a:lstStyle/>
+          <a:p>
+            <a:pPr>
+              <a:defRPr/>
+            </a:pPr>
+            <a:r>
+              <a:rPr lang="ko-KR" altLang="en-US" sz="3000" b="1">
+                <a:latin typeface="나눔손글씨 붓"/>
+                <a:ea typeface="나눔손글씨 붓"/>
+              </a:rPr>
+              <a:t> </a:t>
+            </a:r>
+            <a:r>
+              <a:rPr lang="en-US" altLang="ko-KR" sz="3000" b="1">
+                <a:latin typeface="나눔손글씨 붓"/>
+                <a:ea typeface="나눔손글씨 붓"/>
+              </a:rPr>
+              <a:t>3.</a:t>
+            </a:r>
+            <a:r>
+              <a:rPr lang="ko-KR" altLang="en-US" sz="3000" b="1">
+                <a:latin typeface="나눔손글씨 붓"/>
+                <a:ea typeface="나눔손글씨 붓"/>
+              </a:rPr>
+              <a:t> 탈퇴</a:t>
+            </a:r>
+            <a:endParaRPr lang="ko-KR" altLang="en-US" sz="3000" b="1">
+              <a:latin typeface="나눔손글씨 붓"/>
+              <a:ea typeface="나눔손글씨 붓"/>
+            </a:endParaRPr>
+          </a:p>
+        </p:txBody>
+      </p:sp>
+      <p:pic>
+        <p:nvPicPr>
+          <p:cNvPr id="15" name=""/>
+          <p:cNvPicPr>
+            <a:picLocks noChangeAspect="1"/>
+          </p:cNvPicPr>
+          <p:nvPr/>
+        </p:nvPicPr>
+        <p:blipFill rotWithShape="1">
+          <a:blip r:embed="rId4"/>
+          <a:stretch>
+            <a:fillRect/>
+          </a:stretch>
+        </p:blipFill>
+        <p:spPr>
+          <a:xfrm>
+            <a:off x="3659092" y="2549301"/>
+            <a:ext cx="6930466" cy="3444280"/>
+          </a:xfrm>
+          <a:prstGeom prst="rect">
+            <a:avLst/>
+          </a:prstGeom>
+        </p:spPr>
+      </p:pic>
+      <p:pic>
+        <p:nvPicPr>
+          <p:cNvPr id="16" name=""/>
+          <p:cNvPicPr>
+            <a:picLocks noChangeAspect="1"/>
+          </p:cNvPicPr>
+          <p:nvPr/>
+        </p:nvPicPr>
+        <p:blipFill rotWithShape="1">
+          <a:blip r:embed="rId5"/>
+          <a:stretch>
+            <a:fillRect/>
+          </a:stretch>
+        </p:blipFill>
+        <p:spPr>
+          <a:xfrm>
+            <a:off x="3659092" y="2571546"/>
+            <a:ext cx="6930466" cy="3444279"/>
+          </a:xfrm>
+          <a:prstGeom prst="rect">
+            <a:avLst/>
+          </a:prstGeom>
+        </p:spPr>
+      </p:pic>
+      <p:sp>
+        <p:nvSpPr>
+          <p:cNvPr id="17" name=""/>
+          <p:cNvSpPr txBox="1"/>
+          <p:nvPr/>
+        </p:nvSpPr>
+        <p:spPr>
+          <a:xfrm>
+            <a:off x="790399" y="4394943"/>
+            <a:ext cx="2868693" cy="548410"/>
+          </a:xfrm>
+          <a:prstGeom prst="rect">
+            <a:avLst/>
+          </a:prstGeom>
+        </p:spPr>
+        <p:txBody>
+          <a:bodyPr wrap="square">
+            <a:spAutoFit/>
+          </a:bodyPr>
+          <a:lstStyle/>
+          <a:p>
+            <a:pPr>
+              <a:defRPr/>
+            </a:pPr>
+            <a:r>
+              <a:rPr lang="en-US" altLang="ko-KR" sz="3000" b="1">
+                <a:latin typeface="나눔손글씨 붓"/>
+                <a:ea typeface="나눔손글씨 붓"/>
+              </a:rPr>
+              <a:t>4.</a:t>
+            </a:r>
+            <a:r>
+              <a:rPr lang="ko-KR" altLang="en-US" sz="3000" b="1">
+                <a:latin typeface="나눔손글씨 붓"/>
+                <a:ea typeface="나눔손글씨 붓"/>
+              </a:rPr>
+              <a:t> 회원전체출력</a:t>
+            </a:r>
+            <a:endParaRPr lang="ko-KR" altLang="en-US" sz="3000" b="1">
+              <a:latin typeface="나눔손글씨 붓"/>
+              <a:ea typeface="나눔손글씨 붓"/>
+            </a:endParaRPr>
+          </a:p>
+        </p:txBody>
+      </p:sp>
+      <p:sp>
+        <p:nvSpPr>
+          <p:cNvPr id="18" name=""/>
+          <p:cNvSpPr txBox="1"/>
+          <p:nvPr/>
+        </p:nvSpPr>
+        <p:spPr>
+          <a:xfrm>
+            <a:off x="1105718" y="5055412"/>
+            <a:ext cx="2534324" cy="543383"/>
+          </a:xfrm>
+          <a:prstGeom prst="rect">
+            <a:avLst/>
+          </a:prstGeom>
+        </p:spPr>
+        <p:txBody>
+          <a:bodyPr wrap="square">
+            <a:spAutoFit/>
+          </a:bodyPr>
+          <a:lstStyle/>
+          <a:p>
+            <a:pPr>
+              <a:defRPr/>
+            </a:pPr>
+            <a:r>
+              <a:rPr lang="ko-KR" altLang="en-US" sz="3000" b="1">
+                <a:latin typeface="나눔손글씨 붓"/>
+                <a:ea typeface="나눔손글씨 붓"/>
+              </a:rPr>
+              <a:t> </a:t>
+            </a:r>
+            <a:r>
+              <a:rPr lang="en-US" altLang="ko-KR" sz="3000" b="1">
+                <a:latin typeface="나눔손글씨 붓"/>
+                <a:ea typeface="나눔손글씨 붓"/>
+              </a:rPr>
+              <a:t>5.</a:t>
+            </a:r>
+            <a:r>
+              <a:rPr lang="ko-KR" altLang="en-US" sz="3000" b="1">
+                <a:latin typeface="나눔손글씨 붓"/>
+                <a:ea typeface="나눔손글씨 붓"/>
+              </a:rPr>
+              <a:t> 메인메뉴</a:t>
+            </a:r>
+            <a:endParaRPr lang="ko-KR" altLang="en-US" sz="3000" b="1">
+              <a:latin typeface="나눔손글씨 붓"/>
+              <a:ea typeface="나눔손글씨 붓"/>
+            </a:endParaRPr>
+          </a:p>
+        </p:txBody>
+      </p:sp>
+      <p:pic>
+        <p:nvPicPr>
+          <p:cNvPr id="19" name=""/>
+          <p:cNvPicPr>
+            <a:picLocks noChangeAspect="1"/>
+          </p:cNvPicPr>
+          <p:nvPr/>
+        </p:nvPicPr>
+        <p:blipFill rotWithShape="1">
+          <a:blip r:embed="rId6"/>
+          <a:stretch>
+            <a:fillRect/>
+          </a:stretch>
+        </p:blipFill>
+        <p:spPr>
+          <a:xfrm>
+            <a:off x="3659092" y="2541239"/>
+            <a:ext cx="6930466" cy="3401547"/>
+          </a:xfrm>
+          <a:prstGeom prst="rect">
+            <a:avLst/>
+          </a:prstGeom>
+        </p:spPr>
+      </p:pic>
+      <p:pic>
+        <p:nvPicPr>
+          <p:cNvPr id="20" name=""/>
+          <p:cNvPicPr>
+            <a:picLocks noChangeAspect="1"/>
+          </p:cNvPicPr>
+          <p:nvPr/>
+        </p:nvPicPr>
+        <p:blipFill rotWithShape="1">
+          <a:blip r:embed="rId7"/>
+          <a:stretch>
+            <a:fillRect/>
+          </a:stretch>
+        </p:blipFill>
+        <p:spPr>
+          <a:xfrm>
+            <a:off x="3659092" y="2571546"/>
+            <a:ext cx="6930466" cy="3444280"/>
+          </a:xfrm>
+          <a:prstGeom prst="rect">
+            <a:avLst/>
+          </a:prstGeom>
+        </p:spPr>
+      </p:pic>
+    </p:spTree>
+  </p:cSld>
+  <p:clrMapOvr>
+    <a:masterClrMapping/>
+  </p:clrMapOvr>
+  <mc:AlternateContent xmlns:mc="http://schemas.openxmlformats.org/markup-compatibility/2006">
+    <mc:Choice xmlns:p14="http://schemas.microsoft.com/office/powerpoint/2010/main" Requires="p14">
+      <p:transition xmlns:mc="http://schemas.openxmlformats.org/markup-compatibility/2006" xmlns:p14="http://schemas.microsoft.com/office/powerpoint/2010/main" mc:Ignorable="p14" p14:dur="500"/>
+    </mc:Choice>
+    <mc:Fallback>
+      <p:transition/>
+    </mc:Fallback>
+  </mc:AlternateContent>
+  <p:timing>
+    <p:tnLst>
+      <p:par>
+        <p:cTn id="1" dur="indefinite" restart="never" nodeType="tmRoot">
+          <p:childTnLst>
+            <p:seq concurrent="1" nextAc="seek">
+              <p:cTn id="2" dur="indefinite" nodeType="mainSeq">
+                <p:childTnLst>
+                  <p:par>
+                    <p:cTn id="3" fill="hold">
+                      <p:stCondLst>
+                        <p:cond delay="indefinite"/>
+                      </p:stCondLst>
+                      <p:childTnLst>
+                        <p:par>
+                          <p:cTn id="4" fill="hold">
+                            <p:stCondLst>
+                              <p:cond delay="0"/>
+                            </p:stCondLst>
+                            <p:childTnLst>
+                              <p:par>
+                                <p:cTn id="5" presetID="23" presetClass="entr" presetSubtype="16" fill="hold" nodeType="clickEffect">
+                                  <p:stCondLst>
+                                    <p:cond delay="0"/>
+                                  </p:stCondLst>
+                                  <p:childTnLst>
+                                    <p:set>
+                                      <p:cBhvr>
+                                        <p:cTn id="6" dur="1" fill="hold">
+                                          <p:stCondLst>
+                                            <p:cond delay="0"/>
+                                          </p:stCondLst>
+                                        </p:cTn>
+                                        <p:tgtEl>
+                                          <p:spTgt spid="15"/>
+                                        </p:tgtEl>
+                                        <p:attrNameLst>
+                                          <p:attrName>style.visibility</p:attrName>
+                                        </p:attrNameLst>
+                                      </p:cBhvr>
+                                      <p:to>
+                                        <p:strVal val="visible"/>
+                                      </p:to>
+                                    </p:set>
+                                    <p:anim calcmode="lin" valueType="num">
+                                      <p:cBhvr>
+                                        <p:cTn id="7" dur="500" fill="hold"/>
+                                        <p:tgtEl>
+                                          <p:spTgt spid="15"/>
+                                        </p:tgtEl>
+                                        <p:attrNameLst>
+                                          <p:attrName>ppt_w</p:attrName>
+                                        </p:attrNameLst>
+                                      </p:cBhvr>
+                                      <p:tavLst>
+                                        <p:tav tm="0">
+                                          <p:val>
+                                            <p:fltVal val="0"/>
+                                          </p:val>
+                                        </p:tav>
+                                        <p:tav tm="100000">
+                                          <p:val>
+                                            <p:strVal val="#ppt_w"/>
+                                          </p:val>
+                                        </p:tav>
+                                      </p:tavLst>
+                                    </p:anim>
+                                    <p:anim calcmode="lin" valueType="num">
+                                      <p:cBhvr>
+                                        <p:cTn id="8" dur="500" fill="hold"/>
+                                        <p:tgtEl>
+                                          <p:spTgt spid="15"/>
+                                        </p:tgtEl>
+                                        <p:attrNameLst>
+                                          <p:attrName>ppt_h</p:attrName>
+                                        </p:attrNameLst>
+                                      </p:cBhvr>
+                                      <p:tavLst>
+                                        <p:tav tm="0">
+                                          <p:val>
+                                            <p:fltVal val="0"/>
+                                          </p:val>
+                                        </p:tav>
+                                        <p:tav tm="100000">
+                                          <p:val>
+                                            <p:strVal val="#ppt_h"/>
+                                          </p:val>
+                                        </p:tav>
+                                      </p:tavLst>
+                                    </p:anim>
+                                  </p:childTnLst>
+                                </p:cTn>
+                              </p:par>
+                            </p:childTnLst>
+                          </p:cTn>
+                        </p:par>
+                      </p:childTnLst>
+                    </p:cTn>
+                  </p:par>
+                  <p:par>
+                    <p:cTn id="9" fill="hold">
+                      <p:stCondLst>
+                        <p:cond delay="indefinite"/>
+                      </p:stCondLst>
+                      <p:childTnLst>
+                        <p:par>
+                          <p:cTn id="10" fill="hold">
+                            <p:stCondLst>
+                              <p:cond delay="0"/>
+                            </p:stCondLst>
+                            <p:childTnLst>
+                              <p:par>
+                                <p:cTn id="11" presetID="23" presetClass="entr" presetSubtype="16" fill="hold" nodeType="clickEffect">
+                                  <p:stCondLst>
+                                    <p:cond delay="0"/>
+                                  </p:stCondLst>
+                                  <p:childTnLst>
+                                    <p:set>
+                                      <p:cBhvr>
+                                        <p:cTn id="12" dur="1" fill="hold">
+                                          <p:stCondLst>
+                                            <p:cond delay="0"/>
+                                          </p:stCondLst>
+                                        </p:cTn>
+                                        <p:tgtEl>
+                                          <p:spTgt spid="16"/>
+                                        </p:tgtEl>
+                                        <p:attrNameLst>
+                                          <p:attrName>style.visibility</p:attrName>
+                                        </p:attrNameLst>
+                                      </p:cBhvr>
+                                      <p:to>
+                                        <p:strVal val="visible"/>
+                                      </p:to>
+                                    </p:set>
+                                    <p:anim calcmode="lin" valueType="num">
+                                      <p:cBhvr>
+                                        <p:cTn id="13" dur="500" fill="hold"/>
+                                        <p:tgtEl>
+                                          <p:spTgt spid="16"/>
+                                        </p:tgtEl>
+                                        <p:attrNameLst>
+                                          <p:attrName>ppt_w</p:attrName>
+                                        </p:attrNameLst>
+                                      </p:cBhvr>
+                                      <p:tavLst>
+                                        <p:tav tm="0">
+                                          <p:val>
+                                            <p:fltVal val="0"/>
+                                          </p:val>
+                                        </p:tav>
+                                        <p:tav tm="100000">
+                                          <p:val>
+                                            <p:strVal val="#ppt_w"/>
+                                          </p:val>
+                                        </p:tav>
+                                      </p:tavLst>
+                                    </p:anim>
+                                    <p:anim calcmode="lin" valueType="num">
+                                      <p:cBhvr>
+                                        <p:cTn id="14" dur="500" fill="hold"/>
+                                        <p:tgtEl>
+                                          <p:spTgt spid="16"/>
+                                        </p:tgtEl>
+                                        <p:attrNameLst>
+                                          <p:attrName>ppt_h</p:attrName>
+                                        </p:attrNameLst>
+                                      </p:cBhvr>
+                                      <p:tavLst>
+                                        <p:tav tm="0">
+                                          <p:val>
+                                            <p:fltVal val="0"/>
+                                          </p:val>
+                                        </p:tav>
+                                        <p:tav tm="100000">
+                                          <p:val>
+                                            <p:strVal val="#ppt_h"/>
+                                          </p:val>
+                                        </p:tav>
+                                      </p:tavLst>
+                                    </p:anim>
+                                  </p:childTnLst>
+                                </p:cTn>
+                              </p:par>
+                            </p:childTnLst>
+                          </p:cTn>
+                        </p:par>
+                      </p:childTnLst>
+                    </p:cTn>
+                  </p:par>
+                  <p:par>
+                    <p:cTn id="15" fill="hold">
+                      <p:stCondLst>
+                        <p:cond delay="indefinite"/>
+                      </p:stCondLst>
+                      <p:childTnLst>
+                        <p:par>
+                          <p:cTn id="16" fill="hold">
+                            <p:stCondLst>
+                              <p:cond delay="0"/>
+                            </p:stCondLst>
+                            <p:childTnLst>
+                              <p:par>
+                                <p:cTn id="17" presetID="23" presetClass="entr" presetSubtype="16" fill="hold" nodeType="clickEffect">
+                                  <p:stCondLst>
+                                    <p:cond delay="0"/>
+                                  </p:stCondLst>
+                                  <p:childTnLst>
+                                    <p:set>
+                                      <p:cBhvr>
+                                        <p:cTn id="18" dur="1" fill="hold">
+                                          <p:stCondLst>
+                                            <p:cond delay="0"/>
+                                          </p:stCondLst>
+                                        </p:cTn>
+                                        <p:tgtEl>
+                                          <p:spTgt spid="19"/>
+                                        </p:tgtEl>
+                                        <p:attrNameLst>
+                                          <p:attrName>style.visibility</p:attrName>
+                                        </p:attrNameLst>
+                                      </p:cBhvr>
+                                      <p:to>
+                                        <p:strVal val="visible"/>
+                                      </p:to>
+                                    </p:set>
+                                    <p:anim calcmode="lin" valueType="num">
+                                      <p:cBhvr>
+                                        <p:cTn id="19" dur="500" fill="hold"/>
+                                        <p:tgtEl>
+                                          <p:spTgt spid="19"/>
+                                        </p:tgtEl>
+                                        <p:attrNameLst>
+                                          <p:attrName>ppt_w</p:attrName>
+                                        </p:attrNameLst>
+                                      </p:cBhvr>
+                                      <p:tavLst>
+                                        <p:tav tm="0">
+                                          <p:val>
+                                            <p:fltVal val="0"/>
+                                          </p:val>
+                                        </p:tav>
+                                        <p:tav tm="100000">
+                                          <p:val>
+                                            <p:strVal val="#ppt_w"/>
+                                          </p:val>
+                                        </p:tav>
+                                      </p:tavLst>
+                                    </p:anim>
+                                    <p:anim calcmode="lin" valueType="num">
+                                      <p:cBhvr>
+                                        <p:cTn id="20" dur="500" fill="hold"/>
+                                        <p:tgtEl>
+                                          <p:spTgt spid="19"/>
+                                        </p:tgtEl>
+                                        <p:attrNameLst>
+                                          <p:attrName>ppt_h</p:attrName>
+                                        </p:attrNameLst>
+                                      </p:cBhvr>
+                                      <p:tavLst>
+                                        <p:tav tm="0">
+                                          <p:val>
+                                            <p:fltVal val="0"/>
+                                          </p:val>
+                                        </p:tav>
+                                        <p:tav tm="100000">
+                                          <p:val>
+                                            <p:strVal val="#ppt_h"/>
+                                          </p:val>
+                                        </p:tav>
+                                      </p:tavLst>
+                                    </p:anim>
+                                  </p:childTnLst>
+                                </p:cTn>
+                              </p:par>
+                            </p:childTnLst>
+                          </p:cTn>
+                        </p:par>
+                      </p:childTnLst>
+                    </p:cTn>
+                  </p:par>
+                  <p:par>
+                    <p:cTn id="21" fill="hold">
+                      <p:stCondLst>
+                        <p:cond delay="indefinite"/>
+                      </p:stCondLst>
+                      <p:childTnLst>
+                        <p:par>
+                          <p:cTn id="22" fill="hold">
+                            <p:stCondLst>
+                              <p:cond delay="0"/>
+                            </p:stCondLst>
+                            <p:childTnLst>
+                              <p:par>
+                                <p:cTn id="23" presetID="23" presetClass="entr" presetSubtype="16" fill="hold" nodeType="clickEffect">
+                                  <p:stCondLst>
+                                    <p:cond delay="0"/>
+                                  </p:stCondLst>
+                                  <p:childTnLst>
+                                    <p:set>
+                                      <p:cBhvr>
+                                        <p:cTn id="24" dur="1" fill="hold">
+                                          <p:stCondLst>
+                                            <p:cond delay="0"/>
+                                          </p:stCondLst>
+                                        </p:cTn>
+                                        <p:tgtEl>
+                                          <p:spTgt spid="20"/>
+                                        </p:tgtEl>
+                                        <p:attrNameLst>
+                                          <p:attrName>style.visibility</p:attrName>
+                                        </p:attrNameLst>
+                                      </p:cBhvr>
+                                      <p:to>
+                                        <p:strVal val="visible"/>
+                                      </p:to>
+                                    </p:set>
+                                    <p:anim calcmode="lin" valueType="num">
+                                      <p:cBhvr>
+                                        <p:cTn id="25" dur="500" fill="hold"/>
+                                        <p:tgtEl>
+                                          <p:spTgt spid="20"/>
+                                        </p:tgtEl>
+                                        <p:attrNameLst>
+                                          <p:attrName>ppt_w</p:attrName>
+                                        </p:attrNameLst>
+                                      </p:cBhvr>
+                                      <p:tavLst>
+                                        <p:tav tm="0">
+                                          <p:val>
+                                            <p:fltVal val="0"/>
+                                          </p:val>
+                                        </p:tav>
+                                        <p:tav tm="100000">
+                                          <p:val>
+                                            <p:strVal val="#ppt_w"/>
+                                          </p:val>
+                                        </p:tav>
+                                      </p:tavLst>
+                                    </p:anim>
+                                    <p:anim calcmode="lin" valueType="num">
+                                      <p:cBhvr>
+                                        <p:cTn id="26" dur="500" fill="hold"/>
+                                        <p:tgtEl>
+                                          <p:spTgt spid="20"/>
+                                        </p:tgtEl>
+                                        <p:attrNameLst>
+                                          <p:attrName>ppt_h</p:attrName>
+                                        </p:attrNameLst>
+                                      </p:cBhvr>
+                                      <p:tavLst>
+                                        <p:tav tm="0">
+                                          <p:val>
+                                            <p:fltVal val="0"/>
+                                          </p:val>
+                                        </p:tav>
+                                        <p:tav tm="100000">
+                                          <p:val>
+                                            <p:strVal val="#ppt_h"/>
+                                          </p:val>
+                                        </p:tav>
+                                      </p:tavLst>
+                                    </p:anim>
+                                  </p:childTnLst>
+                                </p:cTn>
+                              </p:par>
+                            </p:childTnLst>
+                          </p:cTn>
+                        </p:par>
+                      </p:childTnLst>
+                    </p:cTn>
+                  </p:par>
+                </p:childTnLst>
+              </p:cTn>
+              <p:prevCondLst>
+                <p:cond evt="onPrev" delay="0">
+                  <p:tgtEl>
+                    <p:sldTgt/>
+                  </p:tgtEl>
+                </p:cond>
+              </p:prevCondLst>
+              <p:nextCondLst>
+                <p:cond evt="onNext" delay="0">
+                  <p:tgtEl>
+                    <p:sldTgt/>
+                  </p:tgtEl>
+                </p:cond>
+              </p:nextCondLst>
+            </p:seq>
+          </p:childTnLst>
+        </p:cTn>
+      </p:par>
+    </p:tnLst>
+  </p:timing>
+</p:sld>
+</file>
+
+<file path=ppt/slides/slide13.xml><?xml version="1.0" encoding="utf-8"?>
+<p:sld xmlns:r="http://schemas.openxmlformats.org/officeDocument/2006/relationships" xmlns:c="http://schemas.openxmlformats.org/drawingml/2006/chart" xmlns:a="http://schemas.openxmlformats.org/drawingml/2006/main" xmlns:dgm="http://schemas.openxmlformats.org/drawingml/2006/diagram" xmlns:dsp="http://schemas.microsoft.com/office/drawing/2008/diagram" xmlns:p="http://schemas.openxmlformats.org/presentationml/2006/main">
+  <p:cSld>
+    <p:spTree>
+      <p:nvGrpSpPr>
+        <p:cNvPr id="1" name=""/>
+        <p:cNvGrpSpPr/>
+        <p:nvPr/>
+      </p:nvGrpSpPr>
+      <p:grpSpPr>
+        <a:xfrm>
+          <a:off x="0" y="0"/>
+          <a:ext cx="0" cy="0"/>
+          <a:chOff x="0" y="0"/>
+          <a:chExt cx="0" cy="0"/>
+        </a:xfrm>
+      </p:grpSpPr>
+      <p:sp>
+        <p:nvSpPr>
+          <p:cNvPr id="2" name=""/>
+          <p:cNvSpPr txBox="1"/>
+          <p:nvPr/>
+        </p:nvSpPr>
+        <p:spPr>
+          <a:xfrm>
+            <a:off x="1068292" y="1260436"/>
+            <a:ext cx="3048000" cy="623609"/>
+          </a:xfrm>
+          <a:prstGeom prst="rect">
+            <a:avLst/>
+          </a:prstGeom>
+        </p:spPr>
+        <p:txBody>
+          <a:bodyPr wrap="square">
+            <a:spAutoFit/>
+          </a:bodyPr>
+          <a:p>
+            <a:pPr>
+              <a:defRPr/>
+            </a:pPr>
+            <a:r>
+              <a:rPr lang="en-US" altLang="ko-KR" sz="3500" b="1">
+                <a:latin typeface="나눔손글씨 붓"/>
+                <a:ea typeface="나눔손글씨 붓"/>
+              </a:rPr>
+              <a:t>3.</a:t>
+            </a:r>
+            <a:r>
+              <a:rPr lang="ko-KR" altLang="en-US" sz="3500" b="1">
+                <a:latin typeface="나눔손글씨 붓"/>
+                <a:ea typeface="나눔손글씨 붓"/>
+              </a:rPr>
+              <a:t> 비회원</a:t>
+            </a:r>
+            <a:endParaRPr lang="ko-KR" altLang="en-US" sz="3500" b="1">
+              <a:latin typeface="나눔손글씨 붓"/>
+              <a:ea typeface="나눔손글씨 붓"/>
+            </a:endParaRPr>
+          </a:p>
+        </p:txBody>
+      </p:sp>
+      <p:sp>
+        <p:nvSpPr>
+          <p:cNvPr id="3" name=""/>
+          <p:cNvSpPr txBox="1"/>
+          <p:nvPr/>
+        </p:nvSpPr>
+        <p:spPr>
+          <a:xfrm>
+            <a:off x="339910" y="332701"/>
+            <a:ext cx="6096001" cy="927735"/>
+          </a:xfrm>
+          <a:prstGeom prst="rect">
+            <a:avLst/>
+          </a:prstGeom>
+        </p:spPr>
+        <p:txBody>
+          <a:bodyPr wrap="square">
+            <a:spAutoFit/>
+          </a:bodyPr>
+          <a:p>
+            <a:pPr lvl="0">
+              <a:defRPr/>
+            </a:pPr>
+            <a:r>
+              <a:rPr kumimoji="1" lang="en-US" altLang="ko-KR" sz="5500" b="1">
+                <a:latin typeface="나눔손글씨 붓"/>
+                <a:ea typeface="나눔손글씨 붓"/>
+                <a:cs typeface="Mangal"/>
+              </a:rPr>
+              <a:t>4. </a:t>
+            </a:r>
+            <a:r>
+              <a:rPr kumimoji="1" lang="ko-KR" altLang="en-US" sz="5500" b="1">
+                <a:latin typeface="나눔손글씨 붓"/>
+                <a:ea typeface="나눔손글씨 붓"/>
+                <a:cs typeface="Mangal"/>
+              </a:rPr>
+              <a:t>시연</a:t>
+            </a:r>
+            <a:endParaRPr kumimoji="1" lang="ko-KR" altLang="en-US" sz="5500" b="1">
+              <a:latin typeface="나눔손글씨 붓"/>
+              <a:ea typeface="나눔손글씨 붓"/>
+              <a:cs typeface="Mangal"/>
+            </a:endParaRPr>
+          </a:p>
+        </p:txBody>
+      </p:sp>
+      <p:sp>
+        <p:nvSpPr>
+          <p:cNvPr id="5" name=""/>
+          <p:cNvSpPr txBox="1"/>
+          <p:nvPr/>
+        </p:nvSpPr>
+        <p:spPr>
+          <a:xfrm>
+            <a:off x="1157945" y="2373784"/>
+            <a:ext cx="2868693" cy="548486"/>
+          </a:xfrm>
+          <a:prstGeom prst="rect">
+            <a:avLst/>
+          </a:prstGeom>
+        </p:spPr>
+        <p:txBody>
+          <a:bodyPr wrap="square">
+            <a:spAutoFit/>
+          </a:bodyPr>
+          <a:lstStyle/>
+          <a:p>
+            <a:pPr>
+              <a:defRPr/>
+            </a:pPr>
+            <a:r>
+              <a:rPr lang="en-US" altLang="ko-KR" sz="3000" b="1">
+                <a:latin typeface="나눔손글씨 붓"/>
+                <a:ea typeface="나눔손글씨 붓"/>
+              </a:rPr>
+              <a:t>1.</a:t>
+            </a:r>
+            <a:r>
+              <a:rPr lang="ko-KR" altLang="en-US" sz="3000" b="1">
+                <a:latin typeface="나눔손글씨 붓"/>
+                <a:ea typeface="나눔손글씨 붓"/>
+              </a:rPr>
+              <a:t> 책 목록</a:t>
+            </a:r>
+            <a:endParaRPr lang="ko-KR" altLang="en-US" sz="3000" b="1">
+              <a:latin typeface="나눔손글씨 붓"/>
+              <a:ea typeface="나눔손글씨 붓"/>
+            </a:endParaRPr>
+          </a:p>
+        </p:txBody>
+      </p:sp>
+      <p:pic>
+        <p:nvPicPr>
+          <p:cNvPr id="9" name=""/>
+          <p:cNvPicPr>
+            <a:picLocks noChangeAspect="1"/>
+          </p:cNvPicPr>
+          <p:nvPr/>
+        </p:nvPicPr>
+        <p:blipFill rotWithShape="1">
+          <a:blip r:embed="rId2"/>
+          <a:stretch>
+            <a:fillRect/>
+          </a:stretch>
+        </p:blipFill>
+        <p:spPr>
+          <a:xfrm>
+            <a:off x="3640043" y="2047148"/>
+            <a:ext cx="7089605" cy="4006224"/>
+          </a:xfrm>
+          <a:prstGeom prst="rect">
+            <a:avLst/>
+          </a:prstGeom>
+        </p:spPr>
+      </p:pic>
+      <p:sp>
+        <p:nvSpPr>
+          <p:cNvPr id="12" name=""/>
+          <p:cNvSpPr txBox="1"/>
+          <p:nvPr/>
+        </p:nvSpPr>
+        <p:spPr>
+          <a:xfrm>
+            <a:off x="1157945" y="3429000"/>
+            <a:ext cx="2199954" cy="548558"/>
+          </a:xfrm>
+          <a:prstGeom prst="rect">
+            <a:avLst/>
+          </a:prstGeom>
+        </p:spPr>
+        <p:txBody>
+          <a:bodyPr wrap="square">
+            <a:spAutoFit/>
+          </a:bodyPr>
+          <a:lstStyle/>
+          <a:p>
+            <a:pPr>
+              <a:defRPr/>
+            </a:pPr>
+            <a:r>
+              <a:rPr lang="en-US" altLang="ko-KR" sz="3000" b="1">
+                <a:latin typeface="나눔손글씨 붓"/>
+                <a:ea typeface="나눔손글씨 붓"/>
+              </a:rPr>
+              <a:t>2.</a:t>
+            </a:r>
+            <a:r>
+              <a:rPr lang="ko-KR" altLang="en-US" sz="3000" b="1">
+                <a:latin typeface="나눔손글씨 붓"/>
+                <a:ea typeface="나눔손글씨 붓"/>
+              </a:rPr>
+              <a:t> 책 검색 </a:t>
+            </a:r>
+            <a:endParaRPr lang="ko-KR" altLang="en-US" sz="3000" b="1">
+              <a:latin typeface="나눔손글씨 붓"/>
+              <a:ea typeface="나눔손글씨 붓"/>
+            </a:endParaRPr>
+          </a:p>
+        </p:txBody>
+      </p:sp>
+      <p:sp>
+        <p:nvSpPr>
+          <p:cNvPr id="21" name=""/>
+          <p:cNvSpPr txBox="1"/>
+          <p:nvPr/>
+        </p:nvSpPr>
+        <p:spPr>
+          <a:xfrm>
+            <a:off x="778749" y="4426521"/>
+            <a:ext cx="2958346" cy="543624"/>
+          </a:xfrm>
+          <a:prstGeom prst="rect">
+            <a:avLst/>
+          </a:prstGeom>
+        </p:spPr>
+        <p:txBody>
+          <a:bodyPr wrap="square">
+            <a:spAutoFit/>
+          </a:bodyPr>
+          <a:lstStyle/>
+          <a:p>
+            <a:pPr>
+              <a:defRPr/>
+            </a:pPr>
+            <a:r>
+              <a:rPr lang="en-US" altLang="ko-KR" sz="3000" b="1">
+                <a:latin typeface="나눔손글씨 붓"/>
+                <a:ea typeface="나눔손글씨 붓"/>
+              </a:rPr>
+              <a:t>0.</a:t>
+            </a:r>
+            <a:r>
+              <a:rPr lang="ko-KR" altLang="en-US" sz="3000" b="1">
+                <a:latin typeface="나눔손글씨 붓"/>
+                <a:ea typeface="나눔손글씨 붓"/>
+              </a:rPr>
+              <a:t> 메인 화면으로</a:t>
+            </a:r>
+            <a:endParaRPr lang="ko-KR" altLang="en-US" sz="3000" b="1">
+              <a:latin typeface="나눔손글씨 붓"/>
+              <a:ea typeface="나눔손글씨 붓"/>
+            </a:endParaRPr>
+          </a:p>
+        </p:txBody>
+      </p:sp>
+      <p:pic>
+        <p:nvPicPr>
+          <p:cNvPr id="24" name=""/>
+          <p:cNvPicPr>
+            <a:picLocks noChangeAspect="1"/>
+          </p:cNvPicPr>
+          <p:nvPr/>
+        </p:nvPicPr>
+        <p:blipFill rotWithShape="1">
+          <a:blip r:embed="rId3"/>
+          <a:stretch>
+            <a:fillRect/>
+          </a:stretch>
+        </p:blipFill>
+        <p:spPr>
+          <a:xfrm>
+            <a:off x="3647078" y="2497889"/>
+            <a:ext cx="6945116" cy="3555483"/>
+          </a:xfrm>
+          <a:prstGeom prst="rect">
+            <a:avLst/>
+          </a:prstGeom>
+        </p:spPr>
+      </p:pic>
+      <p:pic>
+        <p:nvPicPr>
+          <p:cNvPr id="25" name=""/>
+          <p:cNvPicPr>
+            <a:picLocks noChangeAspect="1"/>
+          </p:cNvPicPr>
+          <p:nvPr/>
+        </p:nvPicPr>
+        <p:blipFill rotWithShape="1">
+          <a:blip r:embed="rId4"/>
+          <a:stretch>
+            <a:fillRect/>
+          </a:stretch>
+        </p:blipFill>
+        <p:spPr>
+          <a:xfrm>
+            <a:off x="3640042" y="2497889"/>
+            <a:ext cx="6952151" cy="3555482"/>
+          </a:xfrm>
+          <a:prstGeom prst="rect">
+            <a:avLst/>
+          </a:prstGeom>
+        </p:spPr>
+      </p:pic>
+      <p:pic>
+        <p:nvPicPr>
+          <p:cNvPr id="26" name=""/>
+          <p:cNvPicPr>
+            <a:picLocks noChangeAspect="1"/>
+          </p:cNvPicPr>
+          <p:nvPr/>
+        </p:nvPicPr>
+        <p:blipFill rotWithShape="1">
+          <a:blip r:embed="rId5"/>
+          <a:stretch>
+            <a:fillRect/>
+          </a:stretch>
+        </p:blipFill>
+        <p:spPr>
+          <a:xfrm>
+            <a:off x="3640042" y="2497889"/>
+            <a:ext cx="6952151" cy="3555483"/>
+          </a:xfrm>
+          <a:prstGeom prst="rect">
+            <a:avLst/>
+          </a:prstGeom>
+        </p:spPr>
+      </p:pic>
+    </p:spTree>
+  </p:cSld>
+  <p:clrMapOvr>
+    <a:masterClrMapping/>
+  </p:clrMapOvr>
+  <mc:AlternateContent xmlns:mc="http://schemas.openxmlformats.org/markup-compatibility/2006">
+    <mc:Choice xmlns:p14="http://schemas.microsoft.com/office/powerpoint/2010/main" Requires="p14">
+      <p:transition xmlns:mc="http://schemas.openxmlformats.org/markup-compatibility/2006" xmlns:p14="http://schemas.microsoft.com/office/powerpoint/2010/main" mc:Ignorable="p14" p14:dur="500"/>
+    </mc:Choice>
+    <mc:Fallback>
+      <p:transition/>
+    </mc:Fallback>
+  </mc:AlternateContent>
+  <p:timing>
+    <p:tnLst>
+      <p:par>
+        <p:cTn id="1" dur="indefinite" restart="never" nodeType="tmRoot">
+          <p:childTnLst>
+            <p:seq concurrent="1" nextAc="seek">
+              <p:cTn id="2" dur="indefinite" nodeType="mainSeq">
+                <p:childTnLst>
+                  <p:par>
+                    <p:cTn id="3" fill="hold">
+                      <p:stCondLst>
+                        <p:cond delay="indefinite"/>
+                      </p:stCondLst>
+                      <p:childTnLst>
+                        <p:par>
+                          <p:cTn id="4" fill="hold">
+                            <p:stCondLst>
+                              <p:cond delay="0"/>
+                            </p:stCondLst>
+                            <p:childTnLst>
+                              <p:par>
+                                <p:cTn id="5" presetID="23" presetClass="entr" presetSubtype="16" fill="hold" nodeType="clickEffect">
+                                  <p:stCondLst>
+                                    <p:cond delay="0"/>
+                                  </p:stCondLst>
+                                  <p:childTnLst>
+                                    <p:set>
+                                      <p:cBhvr>
+                                        <p:cTn id="6" dur="1" fill="hold">
+                                          <p:stCondLst>
+                                            <p:cond delay="0"/>
+                                          </p:stCondLst>
+                                        </p:cTn>
+                                        <p:tgtEl>
+                                          <p:spTgt spid="25"/>
+                                        </p:tgtEl>
+                                        <p:attrNameLst>
+                                          <p:attrName>style.visibility</p:attrName>
+                                        </p:attrNameLst>
+                                      </p:cBhvr>
+                                      <p:to>
+                                        <p:strVal val="visible"/>
+                                      </p:to>
+                                    </p:set>
+                                    <p:anim calcmode="lin" valueType="num">
+                                      <p:cBhvr>
+                                        <p:cTn id="7" dur="500" fill="hold"/>
+                                        <p:tgtEl>
+                                          <p:spTgt spid="25"/>
+                                        </p:tgtEl>
+                                        <p:attrNameLst>
+                                          <p:attrName>ppt_w</p:attrName>
+                                        </p:attrNameLst>
+                                      </p:cBhvr>
+                                      <p:tavLst>
+                                        <p:tav tm="0">
+                                          <p:val>
+                                            <p:fltVal val="0"/>
+                                          </p:val>
+                                        </p:tav>
+                                        <p:tav tm="100000">
+                                          <p:val>
+                                            <p:strVal val="#ppt_w"/>
+                                          </p:val>
+                                        </p:tav>
+                                      </p:tavLst>
+                                    </p:anim>
+                                    <p:anim calcmode="lin" valueType="num">
+                                      <p:cBhvr>
+                                        <p:cTn id="8" dur="500" fill="hold"/>
+                                        <p:tgtEl>
+                                          <p:spTgt spid="25"/>
+                                        </p:tgtEl>
+                                        <p:attrNameLst>
+                                          <p:attrName>ppt_h</p:attrName>
+                                        </p:attrNameLst>
+                                      </p:cBhvr>
+                                      <p:tavLst>
+                                        <p:tav tm="0">
+                                          <p:val>
+                                            <p:fltVal val="0"/>
+                                          </p:val>
+                                        </p:tav>
+                                        <p:tav tm="100000">
+                                          <p:val>
+                                            <p:strVal val="#ppt_h"/>
+                                          </p:val>
+                                        </p:tav>
+                                      </p:tavLst>
+                                    </p:anim>
+                                  </p:childTnLst>
+                                </p:cTn>
+                              </p:par>
+                            </p:childTnLst>
+                          </p:cTn>
+                        </p:par>
+                      </p:childTnLst>
+                    </p:cTn>
+                  </p:par>
+                  <p:par>
+                    <p:cTn id="9" fill="hold">
+                      <p:stCondLst>
+                        <p:cond delay="indefinite"/>
+                      </p:stCondLst>
+                      <p:childTnLst>
+                        <p:par>
+                          <p:cTn id="10" fill="hold">
+                            <p:stCondLst>
+                              <p:cond delay="0"/>
+                            </p:stCondLst>
+                            <p:childTnLst>
+                              <p:par>
+                                <p:cTn id="11" presetID="23" presetClass="entr" presetSubtype="16" fill="hold" nodeType="clickEffect">
+                                  <p:stCondLst>
+                                    <p:cond delay="0"/>
+                                  </p:stCondLst>
+                                  <p:childTnLst>
+                                    <p:set>
+                                      <p:cBhvr>
+                                        <p:cTn id="12" dur="1" fill="hold">
+                                          <p:stCondLst>
+                                            <p:cond delay="0"/>
+                                          </p:stCondLst>
+                                        </p:cTn>
+                                        <p:tgtEl>
+                                          <p:spTgt spid="26"/>
+                                        </p:tgtEl>
+                                        <p:attrNameLst>
+                                          <p:attrName>style.visibility</p:attrName>
+                                        </p:attrNameLst>
+                                      </p:cBhvr>
+                                      <p:to>
+                                        <p:strVal val="visible"/>
+                                      </p:to>
+                                    </p:set>
+                                    <p:anim calcmode="lin" valueType="num">
+                                      <p:cBhvr>
+                                        <p:cTn id="13" dur="500" fill="hold"/>
+                                        <p:tgtEl>
+                                          <p:spTgt spid="26"/>
+                                        </p:tgtEl>
+                                        <p:attrNameLst>
+                                          <p:attrName>ppt_w</p:attrName>
+                                        </p:attrNameLst>
+                                      </p:cBhvr>
+                                      <p:tavLst>
+                                        <p:tav tm="0">
+                                          <p:val>
+                                            <p:fltVal val="0"/>
+                                          </p:val>
+                                        </p:tav>
+                                        <p:tav tm="100000">
+                                          <p:val>
+                                            <p:strVal val="#ppt_w"/>
+                                          </p:val>
+                                        </p:tav>
+                                      </p:tavLst>
+                                    </p:anim>
+                                    <p:anim calcmode="lin" valueType="num">
+                                      <p:cBhvr>
+                                        <p:cTn id="14" dur="500" fill="hold"/>
+                                        <p:tgtEl>
+                                          <p:spTgt spid="26"/>
+                                        </p:tgtEl>
+                                        <p:attrNameLst>
+                                          <p:attrName>ppt_h</p:attrName>
+                                        </p:attrNameLst>
+                                      </p:cBhvr>
+                                      <p:tavLst>
+                                        <p:tav tm="0">
+                                          <p:val>
+                                            <p:fltVal val="0"/>
+                                          </p:val>
+                                        </p:tav>
+                                        <p:tav tm="100000">
+                                          <p:val>
+                                            <p:strVal val="#ppt_h"/>
+                                          </p:val>
+                                        </p:tav>
+                                      </p:tavLst>
+                                    </p:anim>
+                                  </p:childTnLst>
+                                </p:cTn>
+                              </p:par>
+                            </p:childTnLst>
+                          </p:cTn>
+                        </p:par>
+                      </p:childTnLst>
+                    </p:cTn>
+                  </p:par>
+                </p:childTnLst>
+              </p:cTn>
+              <p:prevCondLst>
+                <p:cond evt="onPrev" delay="0">
+                  <p:tgtEl>
+                    <p:sldTgt/>
+                  </p:tgtEl>
+                </p:cond>
+              </p:prevCondLst>
+              <p:nextCondLst>
+                <p:cond evt="onNext" delay="0">
+                  <p:tgtEl>
+                    <p:sldTgt/>
+                  </p:tgtEl>
+                </p:cond>
+              </p:nextCondLst>
+            </p:seq>
+          </p:childTnLst>
+        </p:cTn>
+      </p:par>
+    </p:tnLst>
+  </p:timing>
+</p:sld>
+</file>
+
+<file path=ppt/slides/slide14.xml><?xml version="1.0" encoding="utf-8"?>
+<p:sld xmlns:r="http://schemas.openxmlformats.org/officeDocument/2006/relationships" xmlns:c="http://schemas.openxmlformats.org/drawingml/2006/chart" xmlns:a="http://schemas.openxmlformats.org/drawingml/2006/main" xmlns:dgm="http://schemas.openxmlformats.org/drawingml/2006/diagram" xmlns:dsp="http://schemas.microsoft.com/office/drawing/2008/diagram" xmlns:p="http://schemas.openxmlformats.org/presentationml/2006/main">
+  <p:cSld>
+    <p:spTree>
+      <p:nvGrpSpPr>
+        <p:cNvPr id="1" name=""/>
+        <p:cNvGrpSpPr/>
+        <p:nvPr/>
+      </p:nvGrpSpPr>
+      <p:grpSpPr>
+        <a:xfrm>
+          <a:off x="0" y="0"/>
+          <a:ext cx="0" cy="0"/>
+          <a:chOff x="0" y="0"/>
+          <a:chExt cx="0" cy="0"/>
+        </a:xfrm>
+      </p:grpSpPr>
+      <p:sp>
+        <p:nvSpPr>
+          <p:cNvPr id="2" name=""/>
+          <p:cNvSpPr txBox="1"/>
+          <p:nvPr/>
+        </p:nvSpPr>
+        <p:spPr>
+          <a:xfrm>
+            <a:off x="1068292" y="1260436"/>
+            <a:ext cx="3048000" cy="623609"/>
+          </a:xfrm>
+          <a:prstGeom prst="rect">
+            <a:avLst/>
+          </a:prstGeom>
+        </p:spPr>
+        <p:txBody>
+          <a:bodyPr wrap="square">
+            <a:spAutoFit/>
+          </a:bodyPr>
+          <a:p>
+            <a:pPr>
+              <a:defRPr/>
+            </a:pPr>
+            <a:r>
+              <a:rPr lang="en-US" altLang="ko-KR" sz="3500" b="1">
+                <a:latin typeface="나눔손글씨 붓"/>
+                <a:ea typeface="나눔손글씨 붓"/>
+              </a:rPr>
+              <a:t>0.</a:t>
+            </a:r>
+            <a:r>
+              <a:rPr lang="ko-KR" altLang="en-US" sz="3500" b="1">
+                <a:latin typeface="나눔손글씨 붓"/>
+                <a:ea typeface="나눔손글씨 붓"/>
+              </a:rPr>
+              <a:t> 종료</a:t>
+            </a:r>
+            <a:endParaRPr lang="ko-KR" altLang="en-US" sz="3500" b="1">
+              <a:latin typeface="나눔손글씨 붓"/>
+              <a:ea typeface="나눔손글씨 붓"/>
+            </a:endParaRPr>
+          </a:p>
+        </p:txBody>
+      </p:sp>
+      <p:sp>
+        <p:nvSpPr>
+          <p:cNvPr id="3" name=""/>
+          <p:cNvSpPr txBox="1"/>
+          <p:nvPr/>
+        </p:nvSpPr>
+        <p:spPr>
+          <a:xfrm>
+            <a:off x="339910" y="332701"/>
+            <a:ext cx="6096001" cy="927735"/>
+          </a:xfrm>
+          <a:prstGeom prst="rect">
+            <a:avLst/>
+          </a:prstGeom>
+        </p:spPr>
+        <p:txBody>
+          <a:bodyPr wrap="square">
+            <a:spAutoFit/>
+          </a:bodyPr>
+          <a:p>
+            <a:pPr lvl="0">
+              <a:defRPr/>
+            </a:pPr>
+            <a:r>
+              <a:rPr kumimoji="1" lang="en-US" altLang="ko-KR" sz="5500" b="1">
+                <a:latin typeface="나눔손글씨 붓"/>
+                <a:ea typeface="나눔손글씨 붓"/>
+                <a:cs typeface="Mangal"/>
+              </a:rPr>
+              <a:t>4. </a:t>
+            </a:r>
+            <a:r>
+              <a:rPr kumimoji="1" lang="ko-KR" altLang="en-US" sz="5500" b="1">
+                <a:latin typeface="나눔손글씨 붓"/>
+                <a:ea typeface="나눔손글씨 붓"/>
+                <a:cs typeface="Mangal"/>
+              </a:rPr>
+              <a:t>시연</a:t>
+            </a:r>
+            <a:endParaRPr kumimoji="1" lang="ko-KR" altLang="en-US" sz="5500" b="1">
+              <a:latin typeface="나눔손글씨 붓"/>
+              <a:ea typeface="나눔손글씨 붓"/>
+              <a:cs typeface="Mangal"/>
+            </a:endParaRPr>
+          </a:p>
+        </p:txBody>
+      </p:sp>
+      <p:pic>
+        <p:nvPicPr>
+          <p:cNvPr id="9" name=""/>
+          <p:cNvPicPr>
+            <a:picLocks noChangeAspect="1"/>
+          </p:cNvPicPr>
+          <p:nvPr/>
+        </p:nvPicPr>
+        <p:blipFill rotWithShape="1">
+          <a:blip r:embed="rId2"/>
+          <a:stretch>
+            <a:fillRect/>
+          </a:stretch>
+        </p:blipFill>
+        <p:spPr>
+          <a:xfrm>
+            <a:off x="3640043" y="2842535"/>
+            <a:ext cx="7089605" cy="2592203"/>
+          </a:xfrm>
+          <a:prstGeom prst="rect">
+            <a:avLst/>
+          </a:prstGeom>
+        </p:spPr>
+      </p:pic>
+      <p:pic>
+        <p:nvPicPr>
+          <p:cNvPr id="21" name=""/>
+          <p:cNvPicPr>
+            <a:picLocks noChangeAspect="1"/>
+          </p:cNvPicPr>
+          <p:nvPr/>
+        </p:nvPicPr>
+        <p:blipFill rotWithShape="1">
+          <a:blip r:embed="rId3"/>
+          <a:stretch>
+            <a:fillRect/>
+          </a:stretch>
+        </p:blipFill>
+        <p:spPr>
+          <a:xfrm>
+            <a:off x="3649568" y="3162615"/>
+            <a:ext cx="6927819" cy="2203815"/>
+          </a:xfrm>
+          <a:prstGeom prst="rect">
+            <a:avLst/>
+          </a:prstGeom>
+        </p:spPr>
+      </p:pic>
+    </p:spTree>
+  </p:cSld>
+  <p:clrMapOvr>
+    <a:masterClrMapping/>
+  </p:clrMapOvr>
+  <mc:AlternateContent xmlns:mc="http://schemas.openxmlformats.org/markup-compatibility/2006">
+    <mc:Choice xmlns:p14="http://schemas.microsoft.com/office/powerpoint/2010/main" Requires="p14">
+      <p:transition xmlns:mc="http://schemas.openxmlformats.org/markup-compatibility/2006" xmlns:p14="http://schemas.microsoft.com/office/powerpoint/2010/main" mc:Ignorable="p14" p14:dur="500"/>
+    </mc:Choice>
+    <mc:Fallback>
+      <p:transition/>
+    </mc:Fallback>
+  </mc:AlternateContent>
+  <p:timing>
+    <p:tnLst>
+      <p:par>
+        <p:cTn id="1" dur="indefinite" restart="never" nodeType="tmRoot"/>
+      </p:par>
+    </p:tnLst>
+  </p:timing>
+</p:sld>
+</file>
+
+<file path=ppt/slides/slide15.xml><?xml version="1.0" encoding="utf-8"?>
+<p:sld xmlns:r="http://schemas.openxmlformats.org/officeDocument/2006/relationships" xmlns:c="http://schemas.openxmlformats.org/drawingml/2006/chart" xmlns:a="http://schemas.openxmlformats.org/drawingml/2006/main" xmlns:dgm="http://schemas.openxmlformats.org/drawingml/2006/diagram" xmlns:dsp="http://schemas.microsoft.com/office/drawing/2008/diagram" xmlns:p="http://schemas.openxmlformats.org/presentationml/2006/main">
+  <p:cSld>
+    <p:spTree>
+      <p:nvGrpSpPr>
+        <p:cNvPr id="1" name=""/>
+        <p:cNvGrpSpPr/>
+        <p:nvPr/>
+      </p:nvGrpSpPr>
+      <p:grpSpPr>
+        <a:xfrm>
+          <a:off x="0" y="0"/>
+          <a:ext cx="0" cy="0"/>
+          <a:chOff x="0" y="0"/>
+          <a:chExt cx="0" cy="0"/>
+        </a:xfrm>
+      </p:grpSpPr>
+      <p:sp>
+        <p:nvSpPr>
+          <p:cNvPr id="2" name="TextBox 1"/>
+          <p:cNvSpPr txBox="1"/>
+          <p:nvPr/>
+        </p:nvSpPr>
+        <p:spPr>
+          <a:xfrm>
+            <a:off x="4274548" y="3094732"/>
+            <a:ext cx="3513092" cy="668536"/>
+          </a:xfrm>
+          <a:prstGeom prst="rect">
+            <a:avLst/>
+          </a:prstGeom>
+          <a:noFill/>
+        </p:spPr>
+        <p:txBody>
+          <a:bodyPr wrap="none">
+            <a:spAutoFit/>
+          </a:bodyPr>
+          <a:lstStyle/>
+          <a:p>
+            <a:pPr lvl="0">
+              <a:defRPr/>
+            </a:pPr>
+            <a:r>
+              <a:rPr kumimoji="1" lang="en-US" altLang="ko-KR" sz="3800">
+                <a:solidFill>
+                  <a:schemeClr val="bg1"/>
+                </a:solidFill>
+                <a:latin typeface="나눔손글씨 붓"/>
+                <a:ea typeface="나눔손글씨 붓"/>
+              </a:rPr>
+              <a:t>THANK YOU</a:t>
+            </a:r>
+            <a:r>
+              <a:rPr kumimoji="1" lang="en-US" altLang="ko-KR" sz="3800">
+                <a:solidFill>
+                  <a:schemeClr val="bg1"/>
+                </a:solidFill>
+                <a:latin typeface="Bell MT"/>
+              </a:rPr>
+              <a:t> </a:t>
+            </a:r>
+            <a:r>
+              <a:rPr kumimoji="1" lang="en-US" altLang="ko-KR" sz="3800">
+                <a:solidFill>
+                  <a:schemeClr val="bg1"/>
+                </a:solidFill>
+                <a:latin typeface="나눔손글씨 붓"/>
+                <a:ea typeface="나눔손글씨 붓"/>
+                <a:sym typeface="Wingdings"/>
+              </a:rPr>
+              <a:t></a:t>
+            </a:r>
+            <a:endParaRPr kumimoji="1" lang="ko-KR" altLang="en-US" sz="3800">
+              <a:solidFill>
+                <a:schemeClr val="bg1"/>
+              </a:solidFill>
+              <a:latin typeface="나눔손글씨 붓"/>
+              <a:ea typeface="나눔손글씨 붓"/>
+            </a:endParaRPr>
+          </a:p>
+        </p:txBody>
+      </p:sp>
+    </p:spTree>
+  </p:cSld>
+  <p:clrMapOvr>
+    <a:masterClrMapping/>
+  </p:clrMapOvr>
+  <mc:AlternateContent xmlns:mc="http://schemas.openxmlformats.org/markup-compatibility/2006">
+    <mc:Choice xmlns:p14="http://schemas.microsoft.com/office/powerpoint/2010/main" Requires="p14">
+      <p:transition xmlns:mc="http://schemas.openxmlformats.org/markup-compatibility/2006" xmlns:p14="http://schemas.microsoft.com/office/powerpoint/2010/main" mc:Ignorable="p14" p14:dur="500"/>
+    </mc:Choice>
+    <mc:Fallback>
+      <p:transition/>
+    </mc:Fallback>
+  </mc:AlternateContent>
+</p:sld>
+</file>
+
+<file path=ppt/slides/slide2.xml><?xml version="1.0" encoding="utf-8"?>
+<p:sld xmlns:r="http://schemas.openxmlformats.org/officeDocument/2006/relationships" xmlns:c="http://schemas.openxmlformats.org/drawingml/2006/chart" xmlns:a="http://schemas.openxmlformats.org/drawingml/2006/main" xmlns:dgm="http://schemas.openxmlformats.org/drawingml/2006/diagram" xmlns:dsp="http://schemas.microsoft.com/office/drawing/2008/diagram" xmlns:p="http://schemas.openxmlformats.org/presentationml/2006/main">
+  <p:cSld>
+    <p:spTree>
+      <p:nvGrpSpPr>
+        <p:cNvPr id="1" name=""/>
+        <p:cNvGrpSpPr/>
+        <p:nvPr/>
+      </p:nvGrpSpPr>
+      <p:grpSpPr>
+        <a:xfrm>
+          <a:off x="0" y="0"/>
+          <a:ext cx="0" cy="0"/>
+          <a:chOff x="0" y="0"/>
+          <a:chExt cx="0" cy="0"/>
+        </a:xfrm>
+      </p:grpSpPr>
+      <p:pic>
+        <p:nvPicPr>
+          <p:cNvPr id="10" name=""/>
+          <p:cNvPicPr>
+            <a:picLocks noChangeAspect="1"/>
+          </p:cNvPicPr>
+          <p:nvPr/>
+        </p:nvPicPr>
+        <p:blipFill rotWithShape="1">
+          <a:blip r:embed="rId2"/>
+          <a:stretch>
+            <a:fillRect/>
+          </a:stretch>
+        </p:blipFill>
+        <p:spPr>
+          <a:xfrm>
+            <a:off x="0" y="-102720"/>
+            <a:ext cx="5005440" cy="7072778"/>
+          </a:xfrm>
+          <a:prstGeom prst="rect">
+            <a:avLst/>
+          </a:prstGeom>
+        </p:spPr>
+      </p:pic>
+      <p:sp>
+        <p:nvSpPr>
+          <p:cNvPr id="11" name="TextBox 3"/>
+          <p:cNvSpPr txBox="1"/>
+          <p:nvPr/>
+        </p:nvSpPr>
+        <p:spPr>
+          <a:xfrm>
+            <a:off x="5714943" y="2624136"/>
+            <a:ext cx="5489978" cy="3136584"/>
+          </a:xfrm>
+          <a:prstGeom prst="rect">
+            <a:avLst/>
+          </a:prstGeom>
+          <a:noFill/>
+        </p:spPr>
+        <p:txBody>
+          <a:bodyPr wrap="square">
+            <a:spAutoFit/>
+          </a:bodyPr>
+          <a:lstStyle/>
+          <a:p>
+            <a:pPr lvl="0">
+              <a:defRPr/>
+            </a:pPr>
+            <a:r>
+              <a:rPr kumimoji="1" lang="ko-KR" altLang="en-US" sz="2500" b="1">
+                <a:latin typeface="나눔손글씨 붓"/>
+                <a:ea typeface="나눔손글씨 붓"/>
+                <a:cs typeface="Mangal"/>
+              </a:rPr>
+              <a:t> </a:t>
+            </a:r>
+            <a:r>
+              <a:rPr kumimoji="1" lang="en-US" altLang="ko-KR" sz="2500" b="1">
+                <a:latin typeface="나눔손글씨 붓"/>
+                <a:ea typeface="나눔손글씨 붓"/>
+                <a:cs typeface="Mangal"/>
+              </a:rPr>
+              <a:t>1. </a:t>
+            </a:r>
+            <a:r>
+              <a:rPr kumimoji="1" lang="ko-KR" altLang="en-US" sz="2500" b="1">
+                <a:latin typeface="나눔손글씨 붓"/>
+                <a:ea typeface="나눔손글씨 붓"/>
+                <a:cs typeface="Mangal"/>
+              </a:rPr>
+              <a:t>팀소개</a:t>
+            </a:r>
+            <a:endParaRPr kumimoji="1" lang="ko-KR" altLang="en-US" sz="2500" b="1">
+              <a:latin typeface="나눔손글씨 붓"/>
+              <a:ea typeface="나눔손글씨 붓"/>
+              <a:cs typeface="Mangal"/>
+            </a:endParaRPr>
+          </a:p>
+          <a:p>
+            <a:pPr lvl="0">
+              <a:defRPr/>
+            </a:pPr>
+            <a:endParaRPr kumimoji="1" lang="ko-KR" altLang="en-US" sz="2500" b="1">
+              <a:latin typeface="나눔손글씨 붓"/>
+              <a:ea typeface="나눔손글씨 붓"/>
+              <a:cs typeface="Mangal"/>
+            </a:endParaRPr>
+          </a:p>
+          <a:p>
+            <a:pPr lvl="0">
+              <a:defRPr/>
+            </a:pPr>
+            <a:r>
+              <a:rPr kumimoji="1" lang="ko-KR" altLang="en-US" sz="2500" b="1">
+                <a:latin typeface="나눔손글씨 붓"/>
+                <a:ea typeface="나눔손글씨 붓"/>
+                <a:cs typeface="Mangal"/>
+              </a:rPr>
+              <a:t> </a:t>
+            </a:r>
+            <a:r>
+              <a:rPr kumimoji="1" lang="en-US" altLang="ko-KR" sz="2500" b="1">
+                <a:latin typeface="나눔손글씨 붓"/>
+                <a:ea typeface="나눔손글씨 붓"/>
+                <a:cs typeface="Mangal"/>
+              </a:rPr>
+              <a:t>2.</a:t>
+            </a:r>
+            <a:r>
+              <a:rPr kumimoji="1" lang="ko-KR" altLang="en-US" sz="2500" b="1">
+                <a:latin typeface="나눔손글씨 붓"/>
+                <a:ea typeface="나눔손글씨 붓"/>
+                <a:cs typeface="Mangal"/>
+              </a:rPr>
+              <a:t> 개념적 설계 및 논리적 설계</a:t>
+            </a:r>
+            <a:endParaRPr kumimoji="1" lang="ko-KR" altLang="en-US" sz="2500" b="1">
+              <a:latin typeface="나눔손글씨 붓"/>
+              <a:ea typeface="나눔손글씨 붓"/>
+              <a:cs typeface="Mangal"/>
+            </a:endParaRPr>
+          </a:p>
+          <a:p>
+            <a:pPr lvl="0">
+              <a:defRPr/>
+            </a:pPr>
+            <a:endParaRPr kumimoji="1" lang="ko-KR" altLang="en-US" sz="2500" b="1">
+              <a:latin typeface="나눔손글씨 붓"/>
+              <a:ea typeface="나눔손글씨 붓"/>
+              <a:cs typeface="Mangal"/>
+            </a:endParaRPr>
+          </a:p>
+          <a:p>
+            <a:pPr lvl="0">
+              <a:defRPr/>
+            </a:pPr>
+            <a:r>
+              <a:rPr kumimoji="1" lang="ko-KR" altLang="en-US" sz="2500" b="1">
+                <a:latin typeface="나눔손글씨 붓"/>
+                <a:ea typeface="나눔손글씨 붓"/>
+                <a:cs typeface="Mangal"/>
+              </a:rPr>
+              <a:t> </a:t>
+            </a:r>
+            <a:r>
+              <a:rPr kumimoji="1" lang="en-US" altLang="ko-KR" sz="2500" b="1">
+                <a:latin typeface="나눔손글씨 붓"/>
+                <a:ea typeface="나눔손글씨 붓"/>
+                <a:cs typeface="Mangal"/>
+              </a:rPr>
+              <a:t>3.</a:t>
+            </a:r>
+            <a:r>
+              <a:rPr kumimoji="1" lang="ko-KR" altLang="en-US" sz="2500" b="1">
+                <a:latin typeface="나눔손글씨 붓"/>
+                <a:ea typeface="나눔손글씨 붓"/>
+                <a:cs typeface="Mangal"/>
+              </a:rPr>
+              <a:t> 주요 기능 소개</a:t>
+            </a:r>
+            <a:endParaRPr kumimoji="1" lang="ko-KR" altLang="en-US" sz="2500" b="1">
+              <a:latin typeface="나눔손글씨 붓"/>
+              <a:ea typeface="나눔손글씨 붓"/>
+              <a:cs typeface="Mangal"/>
+            </a:endParaRPr>
+          </a:p>
+          <a:p>
+            <a:pPr lvl="0">
+              <a:defRPr/>
+            </a:pPr>
+            <a:endParaRPr kumimoji="1" lang="ko-KR" altLang="en-US" sz="2500" b="1">
+              <a:latin typeface="나눔손글씨 붓"/>
+              <a:ea typeface="나눔손글씨 붓"/>
+              <a:cs typeface="Mangal"/>
+            </a:endParaRPr>
+          </a:p>
+          <a:p>
+            <a:pPr lvl="0">
+              <a:defRPr/>
+            </a:pPr>
+            <a:r>
+              <a:rPr kumimoji="1" lang="ko-KR" altLang="en-US" sz="2500" b="1">
+                <a:latin typeface="나눔손글씨 붓"/>
+                <a:ea typeface="나눔손글씨 붓"/>
+                <a:cs typeface="Mangal"/>
+              </a:rPr>
+              <a:t> </a:t>
+            </a:r>
+            <a:r>
+              <a:rPr kumimoji="1" lang="en-US" altLang="ko-KR" sz="2500" b="1">
+                <a:latin typeface="나눔손글씨 붓"/>
+                <a:ea typeface="나눔손글씨 붓"/>
+                <a:cs typeface="Mangal"/>
+              </a:rPr>
+              <a:t>4.</a:t>
+            </a:r>
+            <a:r>
+              <a:rPr kumimoji="1" lang="ko-KR" altLang="en-US" sz="2500" b="1">
+                <a:latin typeface="나눔손글씨 붓"/>
+                <a:ea typeface="나눔손글씨 붓"/>
+                <a:cs typeface="Mangal"/>
+              </a:rPr>
+              <a:t> 시연 </a:t>
+            </a:r>
+            <a:endParaRPr kumimoji="1" lang="ko-KR" altLang="en-US" sz="2500" b="1">
+              <a:latin typeface="나눔손글씨 붓"/>
+              <a:ea typeface="나눔손글씨 붓"/>
+              <a:cs typeface="Mangal"/>
+            </a:endParaRPr>
+          </a:p>
+          <a:p>
+            <a:pPr lvl="0">
+              <a:defRPr/>
+            </a:pPr>
+            <a:endParaRPr kumimoji="1" lang="ko-KR" altLang="en-US" sz="2500" b="1">
+              <a:latin typeface="나눔손글씨 붓"/>
+              <a:ea typeface="나눔손글씨 붓"/>
+              <a:cs typeface="Mangal"/>
+            </a:endParaRPr>
+          </a:p>
+        </p:txBody>
+      </p:sp>
+      <p:sp>
+        <p:nvSpPr>
+          <p:cNvPr id="12" name="TextBox 4"/>
+          <p:cNvSpPr txBox="1"/>
+          <p:nvPr/>
+        </p:nvSpPr>
+        <p:spPr>
+          <a:xfrm>
+            <a:off x="5714943" y="1138515"/>
+            <a:ext cx="1786947" cy="929102"/>
+          </a:xfrm>
+          <a:prstGeom prst="rect">
+            <a:avLst/>
+          </a:prstGeom>
+          <a:noFill/>
+        </p:spPr>
+        <p:txBody>
+          <a:bodyPr wrap="none">
+            <a:spAutoFit/>
+          </a:bodyPr>
+          <a:lstStyle/>
+          <a:p>
+            <a:pPr lvl="0">
+              <a:defRPr/>
+            </a:pPr>
+            <a:r>
+              <a:rPr kumimoji="1" lang="en-US" altLang="ko-KR" sz="5500" b="1">
+                <a:latin typeface="Segoe Print"/>
+                <a:ea typeface="나눔손글씨 붓"/>
+                <a:cs typeface="Mangal"/>
+              </a:rPr>
+              <a:t>LIST</a:t>
+            </a:r>
+            <a:endParaRPr kumimoji="1" lang="en-US" altLang="ko-KR" sz="5500" b="1">
+              <a:latin typeface="Segoe Print"/>
+              <a:ea typeface="나눔손글씨 붓"/>
+              <a:cs typeface="Mangal"/>
+            </a:endParaRPr>
+          </a:p>
+        </p:txBody>
+      </p:sp>
+    </p:spTree>
+  </p:cSld>
+  <p:clrMapOvr>
+    <a:masterClrMapping/>
+  </p:clrMapOvr>
+  <mc:AlternateContent xmlns:mc="http://schemas.openxmlformats.org/markup-compatibility/2006">
+    <mc:Choice xmlns:p14="http://schemas.microsoft.com/office/powerpoint/2010/main" Requires="p14">
+      <p:transition xmlns:mc="http://schemas.openxmlformats.org/markup-compatibility/2006" xmlns:p14="http://schemas.microsoft.com/office/powerpoint/2010/main" mc:Ignorable="p14" p14:dur="500"/>
+    </mc:Choice>
+    <mc:Fallback>
+      <p:transition/>
+    </mc:Fallback>
+  </mc:AlternateContent>
+</p:sld>
+</file>
+
+<file path=ppt/slides/slide3.xml><?xml version="1.0" encoding="utf-8"?>
+<p:sld xmlns:r="http://schemas.openxmlformats.org/officeDocument/2006/relationships" xmlns:c="http://schemas.openxmlformats.org/drawingml/2006/chart" xmlns:a="http://schemas.openxmlformats.org/drawingml/2006/main" xmlns:dgm="http://schemas.openxmlformats.org/drawingml/2006/diagram" xmlns:dsp="http://schemas.microsoft.com/office/drawing/2008/diagram" xmlns:p="http://schemas.openxmlformats.org/presentationml/2006/main">
+  <p:cSld>
+    <p:spTree>
+      <p:nvGrpSpPr>
+        <p:cNvPr id="1" name=""/>
+        <p:cNvGrpSpPr/>
+        <p:nvPr/>
+      </p:nvGrpSpPr>
+      <p:grpSpPr>
+        <a:xfrm>
+          <a:off x="0" y="0"/>
+          <a:ext cx="0" cy="0"/>
+          <a:chOff x="0" y="0"/>
+          <a:chExt cx="0" cy="0"/>
+        </a:xfrm>
+      </p:grpSpPr>
+      <p:sp>
+        <p:nvSpPr>
+          <p:cNvPr id="6" name="TextBox 4"/>
+          <p:cNvSpPr txBox="1"/>
+          <p:nvPr/>
+        </p:nvSpPr>
+        <p:spPr>
+          <a:xfrm>
+            <a:off x="346307" y="844104"/>
+            <a:ext cx="3517033" cy="929102"/>
+          </a:xfrm>
+          <a:prstGeom prst="rect">
+            <a:avLst/>
+          </a:prstGeom>
+          <a:noFill/>
+        </p:spPr>
+        <p:txBody>
+          <a:bodyPr wrap="none">
+            <a:spAutoFit/>
+          </a:bodyPr>
+          <a:lstStyle/>
+          <a:p>
+            <a:pPr lvl="0">
+              <a:defRPr/>
+            </a:pPr>
+            <a:r>
+              <a:rPr kumimoji="1" lang="en-US" altLang="ko-KR" sz="5500" b="1">
+                <a:latin typeface="Segoe Print"/>
+                <a:ea typeface="나눔손글씨 붓"/>
+                <a:cs typeface="Mangal"/>
+              </a:rPr>
+              <a:t>1.</a:t>
+            </a:r>
+            <a:r>
+              <a:rPr kumimoji="1" lang="ko-KR" altLang="en-US" sz="5500" b="1">
+                <a:latin typeface="Segoe Print"/>
+                <a:ea typeface="나눔손글씨 붓"/>
+                <a:cs typeface="Mangal"/>
+              </a:rPr>
+              <a:t> 팀 소개</a:t>
+            </a:r>
+            <a:endParaRPr kumimoji="1" lang="ko-KR" altLang="en-US" sz="5500" b="1">
+              <a:latin typeface="Segoe Print"/>
+              <a:ea typeface="나눔손글씨 붓"/>
+              <a:cs typeface="Mangal"/>
+            </a:endParaRPr>
+          </a:p>
+        </p:txBody>
+      </p:sp>
+      <p:sp>
+        <p:nvSpPr>
+          <p:cNvPr id="7" name="TextBox 4"/>
+          <p:cNvSpPr txBox="1"/>
+          <p:nvPr/>
+        </p:nvSpPr>
+        <p:spPr>
+          <a:xfrm>
+            <a:off x="5385788" y="1390080"/>
+            <a:ext cx="1420777" cy="929102"/>
+          </a:xfrm>
+          <a:prstGeom prst="rect">
+            <a:avLst/>
+          </a:prstGeom>
+          <a:noFill/>
+        </p:spPr>
+        <p:txBody>
+          <a:bodyPr wrap="none">
+            <a:spAutoFit/>
+          </a:bodyPr>
+          <a:lstStyle/>
+          <a:p>
+            <a:pPr lvl="0">
+              <a:defRPr/>
+            </a:pPr>
+            <a:r>
+              <a:rPr kumimoji="1" lang="en-US" altLang="ko-KR" sz="5500" b="1">
+                <a:latin typeface="Segoe Print"/>
+                <a:ea typeface="나눔손글씨 붓"/>
+                <a:cs typeface="Mangal"/>
+              </a:rPr>
+              <a:t>1</a:t>
+            </a:r>
+            <a:r>
+              <a:rPr kumimoji="1" lang="ko-KR" altLang="en-US" sz="5500" b="1">
+                <a:latin typeface="Segoe Print"/>
+                <a:ea typeface="나눔손글씨 붓"/>
+                <a:cs typeface="Mangal"/>
+              </a:rPr>
+              <a:t>조</a:t>
+            </a:r>
+            <a:endParaRPr kumimoji="1" lang="ko-KR" altLang="en-US" sz="5500" b="1">
+              <a:latin typeface="Segoe Print"/>
+              <a:ea typeface="나눔손글씨 붓"/>
+              <a:cs typeface="Mangal"/>
+            </a:endParaRPr>
+          </a:p>
+        </p:txBody>
+      </p:sp>
+      <p:sp>
+        <p:nvSpPr>
+          <p:cNvPr id="8" name="TextBox 4"/>
+          <p:cNvSpPr txBox="1"/>
+          <p:nvPr/>
+        </p:nvSpPr>
+        <p:spPr>
+          <a:xfrm>
+            <a:off x="1078186" y="4406666"/>
+            <a:ext cx="3447930" cy="1992229"/>
+          </a:xfrm>
+          <a:prstGeom prst="rect">
+            <a:avLst/>
+          </a:prstGeom>
+          <a:noFill/>
+        </p:spPr>
+        <p:txBody>
+          <a:bodyPr wrap="square">
+            <a:spAutoFit/>
+          </a:bodyPr>
+          <a:lstStyle/>
+          <a:p>
+            <a:pPr lvl="0">
+              <a:defRPr/>
+            </a:pPr>
+            <a:r>
+              <a:rPr kumimoji="1" lang="ko-KR" altLang="en-US" sz="4500" b="1">
+                <a:latin typeface="Segoe Print"/>
+                <a:ea typeface="나눔손글씨 붓"/>
+                <a:cs typeface="Mangal"/>
+              </a:rPr>
+              <a:t>정범진</a:t>
+            </a:r>
+            <a:endParaRPr kumimoji="1" lang="ko-KR" altLang="en-US" sz="2500" b="1">
+              <a:latin typeface="Segoe Print"/>
+              <a:ea typeface="나눔손글씨 붓"/>
+              <a:cs typeface="Mangal"/>
+            </a:endParaRPr>
+          </a:p>
+          <a:p>
+            <a:pPr lvl="0">
+              <a:defRPr/>
+            </a:pPr>
+            <a:r>
+              <a:rPr kumimoji="1" lang="en-US" altLang="ko-KR" sz="2000" b="1">
+                <a:latin typeface="Segoe Print"/>
+                <a:ea typeface="나눔손글씨 붓"/>
+                <a:cs typeface="Mangal"/>
+              </a:rPr>
+              <a:t>-DB</a:t>
+            </a:r>
+            <a:r>
+              <a:rPr kumimoji="1" lang="ko-KR" altLang="en-US" sz="2000" b="1">
+                <a:latin typeface="Segoe Print"/>
+                <a:ea typeface="나눔손글씨 붓"/>
+                <a:cs typeface="Mangal"/>
+              </a:rPr>
+              <a:t> 설계</a:t>
+            </a:r>
+            <a:endParaRPr kumimoji="1" lang="en-US" altLang="ko-KR" sz="2000" b="1">
+              <a:latin typeface="Segoe Print"/>
+              <a:ea typeface="나눔손글씨 붓"/>
+              <a:cs typeface="Mangal"/>
+            </a:endParaRPr>
+          </a:p>
+          <a:p>
+            <a:pPr lvl="0">
+              <a:defRPr/>
+            </a:pPr>
+            <a:r>
+              <a:rPr kumimoji="1" lang="en-US" altLang="ko-KR" sz="2000" b="1">
+                <a:latin typeface="Segoe Print"/>
+                <a:ea typeface="나눔손글씨 붓"/>
+                <a:cs typeface="Mangal"/>
+              </a:rPr>
+              <a:t>-</a:t>
+            </a:r>
+            <a:r>
+              <a:rPr kumimoji="1" lang="ko-KR" altLang="en-US" sz="2000" b="1">
+                <a:latin typeface="Segoe Print"/>
+                <a:ea typeface="나눔손글씨 붓"/>
+                <a:cs typeface="Mangal"/>
+              </a:rPr>
+              <a:t>책 관리자 모드 기능 구현</a:t>
+            </a:r>
+            <a:endParaRPr kumimoji="1" lang="ko-KR" altLang="en-US" sz="2000" b="1">
+              <a:latin typeface="Segoe Print"/>
+              <a:ea typeface="나눔손글씨 붓"/>
+              <a:cs typeface="Mangal"/>
+            </a:endParaRPr>
+          </a:p>
+          <a:p>
+            <a:pPr lvl="0">
+              <a:defRPr/>
+            </a:pPr>
+            <a:endParaRPr kumimoji="1" lang="ko-KR" altLang="en-US" sz="2000" b="1">
+              <a:latin typeface="Segoe Print"/>
+              <a:ea typeface="나눔손글씨 붓"/>
+              <a:cs typeface="Mangal"/>
+            </a:endParaRPr>
+          </a:p>
+          <a:p>
+            <a:pPr lvl="0">
+              <a:defRPr/>
+            </a:pPr>
+            <a:endParaRPr kumimoji="1" lang="ko-KR" altLang="en-US" sz="2000" b="1">
+              <a:latin typeface="Segoe Print"/>
+              <a:ea typeface="나눔손글씨 붓"/>
+              <a:cs typeface="Mangal"/>
+            </a:endParaRPr>
+          </a:p>
+        </p:txBody>
+      </p:sp>
+      <p:sp>
+        <p:nvSpPr>
+          <p:cNvPr id="11" name="TextBox 4"/>
+          <p:cNvSpPr txBox="1"/>
+          <p:nvPr/>
+        </p:nvSpPr>
+        <p:spPr>
+          <a:xfrm>
+            <a:off x="4526116" y="4404761"/>
+            <a:ext cx="3625354" cy="1994134"/>
+          </a:xfrm>
+          <a:prstGeom prst="rect">
+            <a:avLst/>
+          </a:prstGeom>
+          <a:noFill/>
+        </p:spPr>
+        <p:txBody>
+          <a:bodyPr wrap="square">
+            <a:spAutoFit/>
+          </a:bodyPr>
+          <a:lstStyle/>
+          <a:p>
+            <a:pPr lvl="0">
+              <a:defRPr/>
+            </a:pPr>
+            <a:r>
+              <a:rPr kumimoji="1" lang="ko-KR" altLang="en-US" sz="4500" b="1">
+                <a:latin typeface="Segoe Print"/>
+                <a:ea typeface="나눔손글씨 붓"/>
+                <a:cs typeface="Mangal"/>
+              </a:rPr>
+              <a:t> 이경진</a:t>
+            </a:r>
+            <a:endParaRPr kumimoji="1" lang="ko-KR" altLang="en-US" sz="4500" b="1">
+              <a:latin typeface="Segoe Print"/>
+              <a:ea typeface="나눔손글씨 붓"/>
+              <a:cs typeface="Mangal"/>
+            </a:endParaRPr>
+          </a:p>
+          <a:p>
+            <a:pPr lvl="0">
+              <a:defRPr/>
+            </a:pPr>
+            <a:r>
+              <a:rPr kumimoji="1" lang="ko-KR" altLang="en-US" sz="2000" b="1">
+                <a:latin typeface="Segoe Print"/>
+                <a:ea typeface="나눔손글씨 붓"/>
+                <a:cs typeface="Mangal"/>
+              </a:rPr>
+              <a:t> </a:t>
+            </a:r>
+            <a:r>
+              <a:rPr kumimoji="1" lang="en-US" altLang="ko-KR" sz="2000" b="1">
+                <a:latin typeface="Segoe Print"/>
+                <a:ea typeface="나눔손글씨 붓"/>
+                <a:cs typeface="Mangal"/>
+              </a:rPr>
+              <a:t>-DB </a:t>
+            </a:r>
+            <a:r>
+              <a:rPr kumimoji="1" lang="ko-KR" altLang="en-US" sz="2000" b="1">
+                <a:latin typeface="Segoe Print"/>
+                <a:ea typeface="나눔손글씨 붓"/>
+                <a:cs typeface="Mangal"/>
+              </a:rPr>
+              <a:t>설계</a:t>
+            </a:r>
+            <a:endParaRPr kumimoji="1" lang="ko-KR" altLang="en-US" sz="2000" b="1">
+              <a:latin typeface="Segoe Print"/>
+              <a:ea typeface="나눔손글씨 붓"/>
+              <a:cs typeface="Mangal"/>
+            </a:endParaRPr>
+          </a:p>
+          <a:p>
+            <a:pPr lvl="0">
+              <a:defRPr/>
+            </a:pPr>
+            <a:r>
+              <a:rPr kumimoji="1" lang="ko-KR" altLang="en-US" sz="2000" b="1">
+                <a:latin typeface="Segoe Print"/>
+                <a:ea typeface="나눔손글씨 붓"/>
+                <a:cs typeface="Mangal"/>
+              </a:rPr>
+              <a:t> </a:t>
+            </a:r>
+            <a:r>
+              <a:rPr kumimoji="1" lang="en-US" altLang="ko-KR" sz="2000" b="1">
+                <a:latin typeface="Segoe Print"/>
+                <a:ea typeface="나눔손글씨 붓"/>
+                <a:cs typeface="Mangal"/>
+              </a:rPr>
+              <a:t>-</a:t>
+            </a:r>
+            <a:r>
+              <a:rPr kumimoji="1" lang="ko-KR" altLang="en-US" sz="2000" b="1">
+                <a:latin typeface="Segoe Print"/>
+                <a:ea typeface="나눔손글씨 붓"/>
+                <a:cs typeface="Mangal"/>
+              </a:rPr>
+              <a:t>회원가입 기능 구현</a:t>
+            </a:r>
+            <a:r>
+              <a:rPr kumimoji="1" lang="ko-KR" altLang="en-US" sz="2500" b="1">
+                <a:latin typeface="Segoe Print"/>
+                <a:ea typeface="나눔손글씨 붓"/>
+                <a:cs typeface="Mangal"/>
+              </a:rPr>
+              <a:t>   </a:t>
+            </a:r>
+            <a:endParaRPr kumimoji="1" lang="ko-KR" altLang="en-US" sz="2500" b="1">
+              <a:latin typeface="Segoe Print"/>
+              <a:ea typeface="나눔손글씨 붓"/>
+              <a:cs typeface="Mangal"/>
+            </a:endParaRPr>
+          </a:p>
+          <a:p>
+            <a:pPr lvl="0">
+              <a:defRPr/>
+            </a:pPr>
+            <a:endParaRPr kumimoji="1" lang="ko-KR" altLang="en-US" sz="3500" b="1">
+              <a:latin typeface="Segoe Print"/>
+              <a:ea typeface="나눔손글씨 붓"/>
+              <a:cs typeface="Mangal"/>
+            </a:endParaRPr>
+          </a:p>
+        </p:txBody>
+      </p:sp>
+      <p:sp>
+        <p:nvSpPr>
+          <p:cNvPr id="12" name="TextBox 4"/>
+          <p:cNvSpPr txBox="1"/>
+          <p:nvPr/>
+        </p:nvSpPr>
+        <p:spPr>
+          <a:xfrm>
+            <a:off x="8048749" y="4406666"/>
+            <a:ext cx="3877488" cy="2297029"/>
+          </a:xfrm>
+          <a:prstGeom prst="rect">
+            <a:avLst/>
+          </a:prstGeom>
+          <a:noFill/>
+        </p:spPr>
+        <p:txBody>
+          <a:bodyPr wrap="square">
+            <a:spAutoFit/>
+          </a:bodyPr>
+          <a:lstStyle/>
+          <a:p>
+            <a:pPr lvl="0">
+              <a:defRPr/>
+            </a:pPr>
+            <a:r>
+              <a:rPr kumimoji="1" lang="ko-KR" altLang="en-US" sz="4500" b="1">
+                <a:latin typeface="Segoe Print"/>
+                <a:ea typeface="나눔손글씨 붓"/>
+                <a:cs typeface="Mangal"/>
+              </a:rPr>
+              <a:t>김채현</a:t>
+            </a:r>
+            <a:endParaRPr kumimoji="1" lang="ko-KR" altLang="en-US" sz="4500" b="1">
+              <a:latin typeface="Segoe Print"/>
+              <a:ea typeface="나눔손글씨 붓"/>
+              <a:cs typeface="Mangal"/>
+            </a:endParaRPr>
+          </a:p>
+          <a:p>
+            <a:pPr lvl="0">
+              <a:defRPr/>
+            </a:pPr>
+            <a:r>
+              <a:rPr kumimoji="1" lang="en-US" altLang="ko-KR" sz="2000" b="1">
+                <a:latin typeface="Segoe Print"/>
+                <a:ea typeface="나눔손글씨 붓"/>
+                <a:cs typeface="Mangal"/>
+              </a:rPr>
+              <a:t>-DB </a:t>
+            </a:r>
+            <a:r>
+              <a:rPr kumimoji="1" lang="ko-KR" altLang="en-US" sz="2000" b="1">
+                <a:latin typeface="Segoe Print"/>
+                <a:ea typeface="나눔손글씨 붓"/>
+                <a:cs typeface="Mangal"/>
+              </a:rPr>
+              <a:t>설계</a:t>
+            </a:r>
+            <a:endParaRPr kumimoji="1" lang="en-US" altLang="ko-KR" sz="2000" b="1">
+              <a:latin typeface="Segoe Print"/>
+              <a:ea typeface="나눔손글씨 붓"/>
+              <a:cs typeface="Mangal"/>
+            </a:endParaRPr>
+          </a:p>
+          <a:p>
+            <a:pPr lvl="0">
+              <a:defRPr/>
+            </a:pPr>
+            <a:r>
+              <a:rPr kumimoji="1" lang="en-US" altLang="ko-KR" sz="2000" b="1">
+                <a:latin typeface="Segoe Print"/>
+                <a:ea typeface="나눔손글씨 붓"/>
+                <a:cs typeface="Mangal"/>
+              </a:rPr>
+              <a:t>-</a:t>
+            </a:r>
+            <a:r>
+              <a:rPr kumimoji="1" lang="ko-KR" altLang="en-US" sz="2000" b="1">
+                <a:latin typeface="Segoe Print"/>
+                <a:ea typeface="나눔손글씨 붓"/>
+                <a:cs typeface="Mangal"/>
+              </a:rPr>
+              <a:t>로그인 및 회원가입기능 구현</a:t>
+            </a:r>
+            <a:endParaRPr kumimoji="1" lang="ko-KR" altLang="en-US" sz="2500" b="1">
+              <a:latin typeface="Segoe Print"/>
+              <a:ea typeface="나눔손글씨 붓"/>
+              <a:cs typeface="Mangal"/>
+            </a:endParaRPr>
+          </a:p>
+          <a:p>
+            <a:pPr lvl="0">
+              <a:defRPr/>
+            </a:pPr>
+            <a:endParaRPr kumimoji="1" lang="ko-KR" altLang="en-US" sz="2500" b="1">
+              <a:latin typeface="Segoe Print"/>
+              <a:ea typeface="나눔손글씨 붓"/>
+              <a:cs typeface="Mangal"/>
+            </a:endParaRPr>
+          </a:p>
+          <a:p>
+            <a:pPr lvl="0">
+              <a:defRPr/>
+            </a:pPr>
+            <a:endParaRPr kumimoji="1" lang="en-US" altLang="ko-KR" sz="3500" b="1">
+              <a:latin typeface="Segoe Print"/>
+              <a:ea typeface="나눔손글씨 붓"/>
+              <a:cs typeface="Mangal"/>
+            </a:endParaRPr>
+          </a:p>
+        </p:txBody>
+      </p:sp>
+      <p:pic>
+        <p:nvPicPr>
+          <p:cNvPr id="13" name=""/>
+          <p:cNvPicPr>
+            <a:picLocks noChangeAspect="1"/>
+          </p:cNvPicPr>
+          <p:nvPr/>
+        </p:nvPicPr>
+        <p:blipFill rotWithShape="1">
+          <a:blip r:embed="rId2"/>
+          <a:stretch>
+            <a:fillRect/>
+          </a:stretch>
+        </p:blipFill>
+        <p:spPr>
+          <a:xfrm>
+            <a:off x="1078186" y="2319182"/>
+            <a:ext cx="2905530" cy="2219634"/>
+          </a:xfrm>
+          <a:prstGeom prst="rect">
+            <a:avLst/>
+          </a:prstGeom>
+        </p:spPr>
+      </p:pic>
+      <p:pic>
+        <p:nvPicPr>
+          <p:cNvPr id="14" name=""/>
+          <p:cNvPicPr>
+            <a:picLocks noChangeAspect="1"/>
+          </p:cNvPicPr>
+          <p:nvPr/>
+        </p:nvPicPr>
+        <p:blipFill rotWithShape="1">
+          <a:blip r:embed="rId3"/>
+          <a:stretch>
+            <a:fillRect/>
+          </a:stretch>
+        </p:blipFill>
+        <p:spPr>
+          <a:xfrm>
+            <a:off x="4526116" y="2319182"/>
+            <a:ext cx="2905530" cy="2219634"/>
+          </a:xfrm>
+          <a:prstGeom prst="rect">
+            <a:avLst/>
+          </a:prstGeom>
+        </p:spPr>
+      </p:pic>
+      <p:pic>
+        <p:nvPicPr>
+          <p:cNvPr id="15" name=""/>
+          <p:cNvPicPr>
+            <a:picLocks noChangeAspect="1"/>
+          </p:cNvPicPr>
+          <p:nvPr/>
+        </p:nvPicPr>
+        <p:blipFill rotWithShape="1">
+          <a:blip r:embed="rId4"/>
+          <a:stretch>
+            <a:fillRect/>
+          </a:stretch>
+        </p:blipFill>
+        <p:spPr>
+          <a:xfrm>
+            <a:off x="7824634" y="2319182"/>
+            <a:ext cx="2905530" cy="2219634"/>
+          </a:xfrm>
+          <a:prstGeom prst="rect">
+            <a:avLst/>
+          </a:prstGeom>
+        </p:spPr>
+      </p:pic>
+      <p:sp>
+        <p:nvSpPr>
+          <p:cNvPr id="16" name="TextBox 4"/>
+          <p:cNvSpPr txBox="1"/>
+          <p:nvPr/>
+        </p:nvSpPr>
+        <p:spPr>
+          <a:xfrm>
+            <a:off x="1620780" y="3699242"/>
+            <a:ext cx="814548" cy="470803"/>
+          </a:xfrm>
+          <a:prstGeom prst="rect">
+            <a:avLst/>
+          </a:prstGeom>
+          <a:noFill/>
+        </p:spPr>
+        <p:txBody>
+          <a:bodyPr wrap="square">
+            <a:spAutoFit/>
+          </a:bodyPr>
+          <a:lstStyle/>
+          <a:p>
+            <a:pPr lvl="0">
+              <a:defRPr/>
+            </a:pPr>
+            <a:r>
+              <a:rPr kumimoji="1" lang="ko-KR" altLang="en-US" sz="2500" b="1">
+                <a:latin typeface="Segoe Print"/>
+                <a:ea typeface="나눔손글씨 붓"/>
+                <a:cs typeface="Mangal"/>
+              </a:rPr>
+              <a:t>조장</a:t>
+            </a:r>
+            <a:endParaRPr kumimoji="1" lang="ko-KR" altLang="en-US" sz="2500" b="1">
+              <a:latin typeface="Segoe Print"/>
+              <a:ea typeface="나눔손글씨 붓"/>
+              <a:cs typeface="Mangal"/>
+            </a:endParaRPr>
+          </a:p>
+        </p:txBody>
+      </p:sp>
+    </p:spTree>
+  </p:cSld>
+  <p:clrMapOvr>
+    <a:masterClrMapping/>
+  </p:clrMapOvr>
+  <mc:AlternateContent xmlns:mc="http://schemas.openxmlformats.org/markup-compatibility/2006">
+    <mc:Choice xmlns:p14="http://schemas.microsoft.com/office/powerpoint/2010/main" Requires="p14">
+      <p:transition xmlns:mc="http://schemas.openxmlformats.org/markup-compatibility/2006" xmlns:p14="http://schemas.microsoft.com/office/powerpoint/2010/main" mc:Ignorable="p14" p14:dur="500"/>
+    </mc:Choice>
+    <mc:Fallback>
+      <p:transition/>
+    </mc:Fallback>
+  </mc:AlternateContent>
+</p:sld>
+</file>
+
+<file path=ppt/slides/slide4.xml><?xml version="1.0" encoding="utf-8"?>
+<p:sld xmlns:r="http://schemas.openxmlformats.org/officeDocument/2006/relationships" xmlns:c="http://schemas.openxmlformats.org/drawingml/2006/chart" xmlns:a="http://schemas.openxmlformats.org/drawingml/2006/main" xmlns:dgm="http://schemas.openxmlformats.org/drawingml/2006/diagram" xmlns:dsp="http://schemas.microsoft.com/office/drawing/2008/diagram" xmlns:p="http://schemas.openxmlformats.org/presentationml/2006/main">
+  <p:cSld>
+    <p:spTree>
+      <p:nvGrpSpPr>
+        <p:cNvPr id="1" name=""/>
+        <p:cNvGrpSpPr/>
+        <p:nvPr/>
+      </p:nvGrpSpPr>
+      <p:grpSpPr>
+        <a:xfrm>
+          <a:off x="0" y="0"/>
+          <a:ext cx="0" cy="0"/>
+          <a:chOff x="0" y="0"/>
+          <a:chExt cx="0" cy="0"/>
+        </a:xfrm>
+      </p:grpSpPr>
+      <p:sp>
+        <p:nvSpPr>
+          <p:cNvPr id="4" name=""/>
+          <p:cNvSpPr txBox="1"/>
+          <p:nvPr/>
+        </p:nvSpPr>
+        <p:spPr>
+          <a:xfrm>
+            <a:off x="390337" y="360648"/>
+            <a:ext cx="10113820" cy="926870"/>
+          </a:xfrm>
+          <a:prstGeom prst="rect">
+            <a:avLst/>
+          </a:prstGeom>
+        </p:spPr>
+        <p:txBody>
+          <a:bodyPr wrap="square">
+            <a:spAutoFit/>
+          </a:bodyPr>
+          <a:p>
+            <a:pPr lvl="0">
+              <a:defRPr/>
+            </a:pPr>
+            <a:r>
+              <a:rPr kumimoji="1" lang="en-US" altLang="ko-KR" sz="5500" b="1">
+                <a:latin typeface="나눔손글씨 붓"/>
+                <a:ea typeface="나눔손글씨 붓"/>
+                <a:cs typeface="Mangal"/>
+              </a:rPr>
+              <a:t>2.</a:t>
+            </a:r>
+            <a:r>
+              <a:rPr kumimoji="1" lang="ko-KR" altLang="en-US" sz="5500" b="1">
+                <a:latin typeface="나눔손글씨 붓"/>
+                <a:ea typeface="나눔손글씨 붓"/>
+                <a:cs typeface="Mangal"/>
+              </a:rPr>
+              <a:t> 개념적 설계 및 논리적 설계</a:t>
+            </a:r>
+            <a:endParaRPr kumimoji="1" lang="ko-KR" altLang="en-US" sz="5500" b="1">
+              <a:latin typeface="나눔손글씨 붓"/>
+              <a:ea typeface="나눔손글씨 붓"/>
+              <a:cs typeface="Mangal"/>
+            </a:endParaRPr>
+          </a:p>
+        </p:txBody>
+      </p:sp>
+      <p:sp>
+        <p:nvSpPr>
+          <p:cNvPr id="6" name=""/>
+          <p:cNvSpPr txBox="1"/>
+          <p:nvPr/>
+        </p:nvSpPr>
+        <p:spPr>
+          <a:xfrm>
+            <a:off x="1998373" y="1464945"/>
+            <a:ext cx="3550231" cy="776203"/>
+          </a:xfrm>
+          <a:prstGeom prst="rect">
+            <a:avLst/>
+          </a:prstGeom>
+        </p:spPr>
+        <p:txBody>
+          <a:bodyPr wrap="square">
+            <a:spAutoFit/>
+          </a:bodyPr>
+          <a:lstStyle/>
+          <a:p>
+            <a:pPr lvl="0">
+              <a:defRPr/>
+            </a:pPr>
+            <a:r>
+              <a:rPr kumimoji="1" lang="ko-KR" altLang="en-US" sz="4500" b="1">
+                <a:latin typeface="나눔손글씨 붓"/>
+                <a:ea typeface="나눔손글씨 붓"/>
+                <a:cs typeface="Mangal"/>
+              </a:rPr>
+              <a:t>메뉴 구성도</a:t>
+            </a:r>
+            <a:endParaRPr kumimoji="1" lang="ko-KR" altLang="en-US" sz="4500" b="1">
+              <a:latin typeface="나눔손글씨 붓"/>
+              <a:ea typeface="나눔손글씨 붓"/>
+              <a:cs typeface="Mangal"/>
+            </a:endParaRPr>
+          </a:p>
+        </p:txBody>
+      </p:sp>
+      <p:pic>
+        <p:nvPicPr>
+          <p:cNvPr id="8" name=""/>
+          <p:cNvPicPr>
+            <a:picLocks noChangeAspect="1"/>
+          </p:cNvPicPr>
+          <p:nvPr/>
+        </p:nvPicPr>
+        <p:blipFill rotWithShape="1">
+          <a:blip r:embed="rId2"/>
+          <a:stretch>
+            <a:fillRect/>
+          </a:stretch>
+        </p:blipFill>
+        <p:spPr>
+          <a:xfrm>
+            <a:off x="2403667" y="2241148"/>
+            <a:ext cx="7944958" cy="4264852"/>
+          </a:xfrm>
+          <a:prstGeom prst="rect">
+            <a:avLst/>
+          </a:prstGeom>
+        </p:spPr>
+      </p:pic>
+    </p:spTree>
+  </p:cSld>
+  <p:clrMapOvr>
+    <a:masterClrMapping/>
+  </p:clrMapOvr>
+  <mc:AlternateContent xmlns:mc="http://schemas.openxmlformats.org/markup-compatibility/2006">
+    <mc:Choice xmlns:p14="http://schemas.microsoft.com/office/powerpoint/2010/main" Requires="p14">
+      <p:transition xmlns:mc="http://schemas.openxmlformats.org/markup-compatibility/2006" xmlns:p14="http://schemas.microsoft.com/office/powerpoint/2010/main" mc:Ignorable="p14" p14:dur="500"/>
+    </mc:Choice>
+    <mc:Fallback>
+      <p:transition/>
+    </mc:Fallback>
+  </mc:AlternateContent>
+</p:sld>
+</file>
+
+<file path=ppt/slides/slide5.xml><?xml version="1.0" encoding="utf-8"?>
+<p:sld xmlns:r="http://schemas.openxmlformats.org/officeDocument/2006/relationships" xmlns:c="http://schemas.openxmlformats.org/drawingml/2006/chart" xmlns:a="http://schemas.openxmlformats.org/drawingml/2006/main" xmlns:dgm="http://schemas.openxmlformats.org/drawingml/2006/diagram" xmlns:dsp="http://schemas.microsoft.com/office/drawing/2008/diagram" xmlns:p="http://schemas.openxmlformats.org/presentationml/2006/main">
+  <p:cSld>
+    <p:spTree>
+      <p:nvGrpSpPr>
+        <p:cNvPr id="1" name=""/>
+        <p:cNvGrpSpPr/>
+        <p:nvPr/>
+      </p:nvGrpSpPr>
+      <p:grpSpPr>
+        <a:xfrm>
+          <a:off x="0" y="0"/>
+          <a:ext cx="0" cy="0"/>
+          <a:chOff x="0" y="0"/>
+          <a:chExt cx="0" cy="0"/>
+        </a:xfrm>
+      </p:grpSpPr>
+      <p:sp>
+        <p:nvSpPr>
+          <p:cNvPr id="6" name=""/>
+          <p:cNvSpPr txBox="1"/>
+          <p:nvPr/>
+        </p:nvSpPr>
+        <p:spPr>
+          <a:xfrm>
+            <a:off x="716827" y="806854"/>
+            <a:ext cx="3550231" cy="776203"/>
+          </a:xfrm>
+          <a:prstGeom prst="rect">
+            <a:avLst/>
+          </a:prstGeom>
+        </p:spPr>
+        <p:txBody>
+          <a:bodyPr wrap="square">
+            <a:spAutoFit/>
+          </a:bodyPr>
+          <a:lstStyle/>
+          <a:p>
+            <a:pPr lvl="0">
+              <a:defRPr/>
+            </a:pPr>
+            <a:r>
+              <a:rPr kumimoji="1" lang="ko-KR" altLang="en-US" sz="4500" b="1">
+                <a:latin typeface="나눔손글씨 붓"/>
+                <a:ea typeface="나눔손글씨 붓"/>
+                <a:cs typeface="Mangal"/>
+              </a:rPr>
+              <a:t>개념 </a:t>
+            </a:r>
+            <a:r>
+              <a:rPr kumimoji="1" lang="en-US" altLang="ko-KR" sz="4500" b="1">
+                <a:latin typeface="나눔손글씨 붓"/>
+                <a:ea typeface="나눔손글씨 붓"/>
+                <a:cs typeface="Mangal"/>
+              </a:rPr>
+              <a:t>ERD</a:t>
+            </a:r>
+            <a:endParaRPr kumimoji="1" lang="en-US" altLang="ko-KR" sz="4500" b="1">
+              <a:latin typeface="나눔손글씨 붓"/>
+              <a:ea typeface="나눔손글씨 붓"/>
+              <a:cs typeface="Mangal"/>
+            </a:endParaRPr>
+          </a:p>
+        </p:txBody>
+      </p:sp>
+      <p:pic>
+        <p:nvPicPr>
+          <p:cNvPr id="7" name=""/>
+          <p:cNvPicPr>
+            <a:picLocks noChangeAspect="1"/>
+          </p:cNvPicPr>
+          <p:nvPr/>
+        </p:nvPicPr>
+        <p:blipFill rotWithShape="1">
+          <a:blip r:embed="rId2"/>
+          <a:stretch>
+            <a:fillRect/>
+          </a:stretch>
+        </p:blipFill>
+        <p:spPr>
+          <a:xfrm>
+            <a:off x="4267059" y="0"/>
+            <a:ext cx="6040634" cy="6858000"/>
+          </a:xfrm>
+          <a:prstGeom prst="rect">
+            <a:avLst/>
+          </a:prstGeom>
+        </p:spPr>
+      </p:pic>
+      <p:pic>
+        <p:nvPicPr>
+          <p:cNvPr id="9" name=""/>
+          <p:cNvPicPr>
+            <a:picLocks noChangeAspect="1"/>
+          </p:cNvPicPr>
+          <p:nvPr/>
+        </p:nvPicPr>
+        <p:blipFill rotWithShape="1">
+          <a:blip r:embed="rId3"/>
+          <a:stretch>
+            <a:fillRect/>
+          </a:stretch>
+        </p:blipFill>
+        <p:spPr>
+          <a:xfrm>
+            <a:off x="4267059" y="0"/>
+            <a:ext cx="6040635" cy="6858000"/>
+          </a:xfrm>
+          <a:prstGeom prst="rect">
+            <a:avLst/>
+          </a:prstGeom>
+        </p:spPr>
+      </p:pic>
+    </p:spTree>
+  </p:cSld>
+  <p:clrMapOvr>
+    <a:masterClrMapping/>
+  </p:clrMapOvr>
+  <mc:AlternateContent xmlns:mc="http://schemas.openxmlformats.org/markup-compatibility/2006">
+    <mc:Choice xmlns:p14="http://schemas.microsoft.com/office/powerpoint/2010/main" Requires="p14">
+      <p:transition xmlns:mc="http://schemas.openxmlformats.org/markup-compatibility/2006" xmlns:p14="http://schemas.microsoft.com/office/powerpoint/2010/main" mc:Ignorable="p14" p14:dur="500"/>
+    </mc:Choice>
+    <mc:Fallback>
+      <p:transition/>
+    </mc:Fallback>
+  </mc:AlternateContent>
+</p:sld>
+</file>
+
+<file path=ppt/slides/slide6.xml><?xml version="1.0" encoding="utf-8"?>
+<p:sld xmlns:r="http://schemas.openxmlformats.org/officeDocument/2006/relationships" xmlns:c="http://schemas.openxmlformats.org/drawingml/2006/chart" xmlns:a="http://schemas.openxmlformats.org/drawingml/2006/main" xmlns:dgm="http://schemas.openxmlformats.org/drawingml/2006/diagram" xmlns:dsp="http://schemas.microsoft.com/office/drawing/2008/diagram" xmlns:p="http://schemas.openxmlformats.org/presentationml/2006/main">
+  <p:cSld>
+    <p:spTree>
+      <p:nvGrpSpPr>
+        <p:cNvPr id="1" name=""/>
+        <p:cNvGrpSpPr/>
+        <p:nvPr/>
+      </p:nvGrpSpPr>
+      <p:grpSpPr>
+        <a:xfrm>
+          <a:off x="0" y="0"/>
+          <a:ext cx="0" cy="0"/>
+          <a:chOff x="0" y="0"/>
+          <a:chExt cx="0" cy="0"/>
+        </a:xfrm>
+      </p:grpSpPr>
+      <p:sp>
+        <p:nvSpPr>
+          <p:cNvPr id="6" name=""/>
+          <p:cNvSpPr txBox="1"/>
+          <p:nvPr/>
+        </p:nvSpPr>
+        <p:spPr>
+          <a:xfrm>
+            <a:off x="716827" y="806854"/>
+            <a:ext cx="3550231" cy="776203"/>
+          </a:xfrm>
+          <a:prstGeom prst="rect">
+            <a:avLst/>
+          </a:prstGeom>
+        </p:spPr>
+        <p:txBody>
+          <a:bodyPr wrap="square">
+            <a:spAutoFit/>
+          </a:bodyPr>
+          <a:lstStyle/>
+          <a:p>
+            <a:pPr lvl="0">
+              <a:defRPr/>
+            </a:pPr>
+            <a:r>
+              <a:rPr kumimoji="1" lang="ko-KR" altLang="en-US" sz="4500" b="1">
+                <a:latin typeface="나눔손글씨 붓"/>
+                <a:ea typeface="나눔손글씨 붓"/>
+                <a:cs typeface="Mangal"/>
+              </a:rPr>
+              <a:t>논리 </a:t>
+            </a:r>
+            <a:r>
+              <a:rPr kumimoji="1" lang="en-US" altLang="ko-KR" sz="4500" b="1">
+                <a:latin typeface="나눔손글씨 붓"/>
+                <a:ea typeface="나눔손글씨 붓"/>
+                <a:cs typeface="Mangal"/>
+              </a:rPr>
+              <a:t>ERD</a:t>
+            </a:r>
+            <a:endParaRPr kumimoji="1" lang="en-US" altLang="ko-KR" sz="4500" b="1">
+              <a:latin typeface="나눔손글씨 붓"/>
+              <a:ea typeface="나눔손글씨 붓"/>
+              <a:cs typeface="Mangal"/>
+            </a:endParaRPr>
+          </a:p>
+        </p:txBody>
+      </p:sp>
+      <p:pic>
+        <p:nvPicPr>
+          <p:cNvPr id="7" name=""/>
+          <p:cNvPicPr>
+            <a:picLocks noChangeAspect="1"/>
+          </p:cNvPicPr>
+          <p:nvPr/>
+        </p:nvPicPr>
+        <p:blipFill rotWithShape="1">
+          <a:blip r:embed="rId2"/>
+          <a:stretch>
+            <a:fillRect/>
+          </a:stretch>
+        </p:blipFill>
+        <p:spPr>
+          <a:xfrm>
+            <a:off x="4267059" y="0"/>
+            <a:ext cx="6040634" cy="6858000"/>
+          </a:xfrm>
+          <a:prstGeom prst="rect">
+            <a:avLst/>
+          </a:prstGeom>
+        </p:spPr>
+      </p:pic>
+    </p:spTree>
+  </p:cSld>
+  <p:clrMapOvr>
+    <a:masterClrMapping/>
+  </p:clrMapOvr>
+  <mc:AlternateContent xmlns:mc="http://schemas.openxmlformats.org/markup-compatibility/2006">
+    <mc:Choice xmlns:p14="http://schemas.microsoft.com/office/powerpoint/2010/main" Requires="p14">
+      <p:transition xmlns:mc="http://schemas.openxmlformats.org/markup-compatibility/2006" xmlns:p14="http://schemas.microsoft.com/office/powerpoint/2010/main" mc:Ignorable="p14" p14:dur="500"/>
+    </mc:Choice>
+    <mc:Fallback>
+      <p:transition/>
+    </mc:Fallback>
+  </mc:AlternateContent>
+</p:sld>
+</file>
+
+<file path=ppt/slides/slide7.xml><?xml version="1.0" encoding="utf-8"?>
+<p:sld xmlns:r="http://schemas.openxmlformats.org/officeDocument/2006/relationships" xmlns:c="http://schemas.openxmlformats.org/drawingml/2006/chart" xmlns:a="http://schemas.openxmlformats.org/drawingml/2006/main" xmlns:dgm="http://schemas.openxmlformats.org/drawingml/2006/diagram" xmlns:dsp="http://schemas.microsoft.com/office/drawing/2008/diagram" xmlns:p="http://schemas.openxmlformats.org/presentationml/2006/main">
+  <p:cSld>
+    <p:spTree>
+      <p:nvGrpSpPr>
+        <p:cNvPr id="1" name=""/>
+        <p:cNvGrpSpPr/>
+        <p:nvPr/>
+      </p:nvGrpSpPr>
+      <p:grpSpPr>
+        <a:xfrm>
+          <a:off x="0" y="0"/>
+          <a:ext cx="0" cy="0"/>
+          <a:chOff x="0" y="0"/>
+          <a:chExt cx="0" cy="0"/>
+        </a:xfrm>
+      </p:grpSpPr>
+      <p:sp>
+        <p:nvSpPr>
+          <p:cNvPr id="4" name=""/>
+          <p:cNvSpPr txBox="1"/>
+          <p:nvPr/>
+        </p:nvSpPr>
+        <p:spPr>
+          <a:xfrm>
+            <a:off x="390337" y="360648"/>
+            <a:ext cx="10113820" cy="926870"/>
+          </a:xfrm>
+          <a:prstGeom prst="rect">
+            <a:avLst/>
+          </a:prstGeom>
+        </p:spPr>
+        <p:txBody>
+          <a:bodyPr wrap="square">
+            <a:spAutoFit/>
+          </a:bodyPr>
+          <a:p>
+            <a:pPr lvl="0">
+              <a:defRPr/>
+            </a:pPr>
+            <a:r>
+              <a:rPr kumimoji="1" lang="en-US" altLang="ko-KR" sz="5500" b="1">
+                <a:latin typeface="나눔손글씨 붓"/>
+                <a:ea typeface="나눔손글씨 붓"/>
+                <a:cs typeface="Mangal"/>
+              </a:rPr>
+              <a:t>3.</a:t>
+            </a:r>
+            <a:r>
+              <a:rPr kumimoji="1" lang="ko-KR" altLang="en-US" sz="5500" b="1">
+                <a:latin typeface="나눔손글씨 붓"/>
+                <a:ea typeface="나눔손글씨 붓"/>
+                <a:cs typeface="Mangal"/>
+              </a:rPr>
+              <a:t> 주요 기능 소개</a:t>
+            </a:r>
+            <a:endParaRPr kumimoji="1" lang="ko-KR" altLang="en-US" sz="5500" b="1">
+              <a:latin typeface="나눔손글씨 붓"/>
+              <a:ea typeface="나눔손글씨 붓"/>
+              <a:cs typeface="Mangal"/>
+            </a:endParaRPr>
+          </a:p>
+        </p:txBody>
+      </p:sp>
+      <p:sp>
+        <p:nvSpPr>
+          <p:cNvPr id="6" name=""/>
+          <p:cNvSpPr txBox="1"/>
+          <p:nvPr/>
+        </p:nvSpPr>
+        <p:spPr>
+          <a:xfrm>
+            <a:off x="3524247" y="1547290"/>
+            <a:ext cx="5143505" cy="729011"/>
+          </a:xfrm>
+          <a:prstGeom prst="rect">
+            <a:avLst/>
+          </a:prstGeom>
+        </p:spPr>
+        <p:txBody>
+          <a:bodyPr wrap="square">
+            <a:spAutoFit/>
+          </a:bodyPr>
+          <a:lstStyle/>
+          <a:p>
+            <a:pPr lvl="0" algn="ctr">
+              <a:defRPr/>
+            </a:pPr>
+            <a:r>
+              <a:rPr kumimoji="1" lang="en-US" altLang="ko-KR" sz="4200" b="1">
+                <a:latin typeface="나눔손글씨 붓"/>
+                <a:ea typeface="나눔손글씨 붓"/>
+                <a:cs typeface="Mangal"/>
+              </a:rPr>
+              <a:t>-</a:t>
+            </a:r>
+            <a:r>
+              <a:rPr kumimoji="1" lang="ko-KR" altLang="en-US" sz="4200" b="1">
+                <a:latin typeface="나눔손글씨 붓"/>
+                <a:ea typeface="나눔손글씨 붓"/>
+                <a:cs typeface="Mangal"/>
+              </a:rPr>
+              <a:t>프로그램 흐름</a:t>
+            </a:r>
+            <a:r>
+              <a:rPr kumimoji="1" lang="en-US" altLang="ko-KR" sz="4200" b="1">
+                <a:latin typeface="나눔손글씨 붓"/>
+                <a:ea typeface="나눔손글씨 붓"/>
+                <a:cs typeface="Mangal"/>
+              </a:rPr>
+              <a:t>-</a:t>
+            </a:r>
+            <a:endParaRPr kumimoji="1" lang="en-US" altLang="ko-KR" sz="4200" b="1">
+              <a:latin typeface="나눔손글씨 붓"/>
+              <a:ea typeface="나눔손글씨 붓"/>
+              <a:cs typeface="Mangal"/>
+            </a:endParaRPr>
+          </a:p>
+        </p:txBody>
+      </p:sp>
+      <p:pic>
+        <p:nvPicPr>
+          <p:cNvPr id="7" name=""/>
+          <p:cNvPicPr>
+            <a:picLocks noChangeAspect="1"/>
+          </p:cNvPicPr>
+          <p:nvPr/>
+        </p:nvPicPr>
+        <p:blipFill rotWithShape="1">
+          <a:blip r:embed="rId3"/>
+          <a:srcRect l="18370" t="17780" r="16330" b="15940"/>
+          <a:stretch>
+            <a:fillRect/>
+          </a:stretch>
+        </p:blipFill>
+        <p:spPr>
+          <a:xfrm>
+            <a:off x="1048427" y="2952171"/>
+            <a:ext cx="2078903" cy="1403929"/>
+          </a:xfrm>
+          <a:prstGeom prst="rect">
+            <a:avLst/>
+          </a:prstGeom>
+        </p:spPr>
+      </p:pic>
+      <p:pic>
+        <p:nvPicPr>
+          <p:cNvPr id="8" name=""/>
+          <p:cNvPicPr>
+            <a:picLocks noChangeAspect="1"/>
+          </p:cNvPicPr>
+          <p:nvPr/>
+        </p:nvPicPr>
+        <p:blipFill rotWithShape="1">
+          <a:blip r:embed="rId4"/>
+          <a:srcRect l="18370" t="17780" r="16330" b="15940"/>
+          <a:stretch>
+            <a:fillRect/>
+          </a:stretch>
+        </p:blipFill>
+        <p:spPr>
+          <a:xfrm>
+            <a:off x="3774642" y="2952171"/>
+            <a:ext cx="2078903" cy="1403929"/>
+          </a:xfrm>
+          <a:prstGeom prst="rect">
+            <a:avLst/>
+          </a:prstGeom>
+        </p:spPr>
+      </p:pic>
+      <p:pic>
+        <p:nvPicPr>
+          <p:cNvPr id="9" name=""/>
+          <p:cNvPicPr>
+            <a:picLocks noChangeAspect="1"/>
+          </p:cNvPicPr>
+          <p:nvPr/>
+        </p:nvPicPr>
+        <p:blipFill rotWithShape="1">
+          <a:blip r:embed="rId5"/>
+          <a:srcRect l="18370" t="17780" r="16330" b="15940"/>
+          <a:stretch>
+            <a:fillRect/>
+          </a:stretch>
+        </p:blipFill>
+        <p:spPr>
+          <a:xfrm>
+            <a:off x="6390408" y="2952172"/>
+            <a:ext cx="2078903" cy="1403929"/>
+          </a:xfrm>
+          <a:prstGeom prst="rect">
+            <a:avLst/>
+          </a:prstGeom>
+        </p:spPr>
+      </p:pic>
+      <p:pic>
+        <p:nvPicPr>
+          <p:cNvPr id="10" name=""/>
+          <p:cNvPicPr>
+            <a:picLocks noChangeAspect="1"/>
+          </p:cNvPicPr>
+          <p:nvPr/>
+        </p:nvPicPr>
+        <p:blipFill rotWithShape="1">
+          <a:blip r:embed="rId6"/>
+          <a:srcRect l="18370" t="17780" r="16330" b="15940"/>
+          <a:stretch>
+            <a:fillRect/>
+          </a:stretch>
+        </p:blipFill>
+        <p:spPr>
+          <a:xfrm>
+            <a:off x="8967167" y="2952171"/>
+            <a:ext cx="2078903" cy="1403929"/>
+          </a:xfrm>
+          <a:prstGeom prst="rect">
+            <a:avLst/>
+          </a:prstGeom>
+        </p:spPr>
+      </p:pic>
+      <p:sp>
+        <p:nvSpPr>
+          <p:cNvPr id="11" name=""/>
+          <p:cNvSpPr txBox="1"/>
+          <p:nvPr/>
+        </p:nvSpPr>
+        <p:spPr>
+          <a:xfrm>
+            <a:off x="1188926" y="4356101"/>
+            <a:ext cx="1797906" cy="1309369"/>
+          </a:xfrm>
+          <a:prstGeom prst="rect">
+            <a:avLst/>
+          </a:prstGeom>
+        </p:spPr>
+        <p:txBody>
+          <a:bodyPr wrap="square">
+            <a:spAutoFit/>
+          </a:bodyPr>
+          <a:p>
+            <a:pPr algn="ctr">
+              <a:defRPr/>
+            </a:pPr>
+            <a:r>
+              <a:rPr lang="en-US" altLang="ko-KR" sz="3000" b="1">
+                <a:latin typeface="나눔손글씨 붓"/>
+                <a:ea typeface="나눔손글씨 붓"/>
+              </a:rPr>
+              <a:t>1.</a:t>
+            </a:r>
+            <a:r>
+              <a:rPr lang="ko-KR" altLang="en-US" sz="3000" b="1">
+                <a:latin typeface="나눔손글씨 붓"/>
+                <a:ea typeface="나눔손글씨 붓"/>
+              </a:rPr>
+              <a:t> 로그인</a:t>
+            </a:r>
+            <a:endParaRPr lang="ko-KR" altLang="en-US" sz="3000" b="1">
+              <a:latin typeface="나눔손글씨 붓"/>
+              <a:ea typeface="나눔손글씨 붓"/>
+            </a:endParaRPr>
+          </a:p>
+          <a:p>
+            <a:pPr algn="ctr">
+              <a:defRPr/>
+            </a:pPr>
+            <a:r>
+              <a:rPr lang="ko-KR" altLang="en-US" sz="2500" b="1">
+                <a:latin typeface="나눔손글씨 붓"/>
+                <a:ea typeface="나눔손글씨 붓"/>
+              </a:rPr>
+              <a:t>일반회원</a:t>
+            </a:r>
+            <a:r>
+              <a:rPr lang="en-US" altLang="ko-KR" sz="2500" b="1">
+                <a:latin typeface="나눔손글씨 붓"/>
+                <a:ea typeface="나눔손글씨 붓"/>
+              </a:rPr>
+              <a:t>/</a:t>
+            </a:r>
+            <a:r>
+              <a:rPr lang="ko-KR" altLang="en-US" sz="2500" b="1">
+                <a:latin typeface="나눔손글씨 붓"/>
+                <a:ea typeface="나눔손글씨 붓"/>
+              </a:rPr>
+              <a:t>관리자</a:t>
+            </a:r>
+            <a:endParaRPr lang="ko-KR" altLang="en-US" sz="2500" b="1">
+              <a:latin typeface="나눔손글씨 붓"/>
+              <a:ea typeface="나눔손글씨 붓"/>
+            </a:endParaRPr>
+          </a:p>
+        </p:txBody>
+      </p:sp>
+      <p:sp>
+        <p:nvSpPr>
+          <p:cNvPr id="12" name=""/>
+          <p:cNvSpPr txBox="1"/>
+          <p:nvPr/>
+        </p:nvSpPr>
+        <p:spPr>
+          <a:xfrm>
+            <a:off x="3723663" y="4356101"/>
+            <a:ext cx="2180860" cy="547369"/>
+          </a:xfrm>
+          <a:prstGeom prst="rect">
+            <a:avLst/>
+          </a:prstGeom>
+        </p:spPr>
+        <p:txBody>
+          <a:bodyPr wrap="square">
+            <a:spAutoFit/>
+          </a:bodyPr>
+          <a:lstStyle/>
+          <a:p>
+            <a:pPr algn="ctr">
+              <a:defRPr/>
+            </a:pPr>
+            <a:r>
+              <a:rPr lang="en-US" altLang="ko-KR" sz="3000" b="1">
+                <a:latin typeface="나눔손글씨 붓"/>
+                <a:ea typeface="나눔손글씨 붓"/>
+              </a:rPr>
+              <a:t>2.</a:t>
+            </a:r>
+            <a:r>
+              <a:rPr lang="ko-KR" altLang="en-US" sz="3000" b="1">
+                <a:latin typeface="나눔손글씨 붓"/>
+                <a:ea typeface="나눔손글씨 붓"/>
+              </a:rPr>
+              <a:t> 회원가입</a:t>
+            </a:r>
+            <a:endParaRPr lang="ko-KR" altLang="en-US" sz="3000" b="1">
+              <a:latin typeface="나눔손글씨 붓"/>
+              <a:ea typeface="나눔손글씨 붓"/>
+            </a:endParaRPr>
+          </a:p>
+        </p:txBody>
+      </p:sp>
+      <p:sp>
+        <p:nvSpPr>
+          <p:cNvPr id="13" name=""/>
+          <p:cNvSpPr txBox="1"/>
+          <p:nvPr/>
+        </p:nvSpPr>
+        <p:spPr>
+          <a:xfrm>
+            <a:off x="6530907" y="4356101"/>
+            <a:ext cx="1797906" cy="547369"/>
+          </a:xfrm>
+          <a:prstGeom prst="rect">
+            <a:avLst/>
+          </a:prstGeom>
+        </p:spPr>
+        <p:txBody>
+          <a:bodyPr wrap="square">
+            <a:spAutoFit/>
+          </a:bodyPr>
+          <a:lstStyle/>
+          <a:p>
+            <a:pPr algn="ctr">
+              <a:defRPr/>
+            </a:pPr>
+            <a:r>
+              <a:rPr lang="en-US" altLang="ko-KR" sz="3000" b="1">
+                <a:latin typeface="나눔손글씨 붓"/>
+                <a:ea typeface="나눔손글씨 붓"/>
+              </a:rPr>
+              <a:t>3.</a:t>
+            </a:r>
+            <a:r>
+              <a:rPr lang="ko-KR" altLang="en-US" sz="3000" b="1">
+                <a:latin typeface="나눔손글씨 붓"/>
+                <a:ea typeface="나눔손글씨 붓"/>
+              </a:rPr>
+              <a:t> 비회원</a:t>
+            </a:r>
+            <a:endParaRPr lang="ko-KR" altLang="en-US" sz="3000" b="1">
+              <a:latin typeface="나눔손글씨 붓"/>
+              <a:ea typeface="나눔손글씨 붓"/>
+            </a:endParaRPr>
+          </a:p>
+        </p:txBody>
+      </p:sp>
+      <p:sp>
+        <p:nvSpPr>
+          <p:cNvPr id="14" name=""/>
+          <p:cNvSpPr txBox="1"/>
+          <p:nvPr/>
+        </p:nvSpPr>
+        <p:spPr>
+          <a:xfrm>
+            <a:off x="9107665" y="4356101"/>
+            <a:ext cx="1797906" cy="547369"/>
+          </a:xfrm>
+          <a:prstGeom prst="rect">
+            <a:avLst/>
+          </a:prstGeom>
+        </p:spPr>
+        <p:txBody>
+          <a:bodyPr wrap="square">
+            <a:spAutoFit/>
+          </a:bodyPr>
+          <a:lstStyle/>
+          <a:p>
+            <a:pPr algn="ctr">
+              <a:defRPr/>
+            </a:pPr>
+            <a:r>
+              <a:rPr lang="en-US" altLang="ko-KR" sz="3000" b="1">
+                <a:latin typeface="나눔손글씨 붓"/>
+                <a:ea typeface="나눔손글씨 붓"/>
+              </a:rPr>
+              <a:t>0.</a:t>
+            </a:r>
+            <a:r>
+              <a:rPr lang="ko-KR" altLang="en-US" sz="3000" b="1">
+                <a:latin typeface="나눔손글씨 붓"/>
+                <a:ea typeface="나눔손글씨 붓"/>
+              </a:rPr>
+              <a:t> 종료</a:t>
+            </a:r>
+            <a:endParaRPr lang="ko-KR" altLang="en-US" sz="3000" b="1">
+              <a:latin typeface="나눔손글씨 붓"/>
+              <a:ea typeface="나눔손글씨 붓"/>
+            </a:endParaRPr>
+          </a:p>
+        </p:txBody>
+      </p:sp>
+    </p:spTree>
+  </p:cSld>
+  <p:clrMapOvr>
+    <a:masterClrMapping/>
+  </p:clrMapOvr>
+  <mc:AlternateContent xmlns:mc="http://schemas.openxmlformats.org/markup-compatibility/2006">
+    <mc:Choice xmlns:p14="http://schemas.microsoft.com/office/powerpoint/2010/main" Requires="p14">
+      <p:transition xmlns:mc="http://schemas.openxmlformats.org/markup-compatibility/2006" xmlns:p14="http://schemas.microsoft.com/office/powerpoint/2010/main" mc:Ignorable="p14" p14:dur="500"/>
+    </mc:Choice>
+    <mc:Fallback>
+      <p:transition/>
+    </mc:Fallback>
+  </mc:AlternateContent>
+</p:sld>
+</file>
+
+<file path=ppt/slides/slide8.xml><?xml version="1.0" encoding="utf-8"?>
+<p:sld xmlns:r="http://schemas.openxmlformats.org/officeDocument/2006/relationships" xmlns:c="http://schemas.openxmlformats.org/drawingml/2006/chart" xmlns:a="http://schemas.openxmlformats.org/drawingml/2006/main" xmlns:dgm="http://schemas.openxmlformats.org/drawingml/2006/diagram" xmlns:dsp="http://schemas.microsoft.com/office/drawing/2008/diagram" xmlns:p="http://schemas.openxmlformats.org/presentationml/2006/main">
+  <p:cSld>
+    <p:spTree>
+      <p:nvGrpSpPr>
+        <p:cNvPr id="1" name=""/>
+        <p:cNvGrpSpPr/>
+        <p:nvPr/>
+      </p:nvGrpSpPr>
+      <p:grpSpPr>
+        <a:xfrm>
+          <a:off x="0" y="0"/>
+          <a:ext cx="0" cy="0"/>
+          <a:chOff x="0" y="0"/>
+          <a:chExt cx="0" cy="0"/>
+        </a:xfrm>
+      </p:grpSpPr>
+      <p:sp>
+        <p:nvSpPr>
+          <p:cNvPr id="4" name=""/>
+          <p:cNvSpPr txBox="1"/>
+          <p:nvPr/>
+        </p:nvSpPr>
+        <p:spPr>
+          <a:xfrm>
+            <a:off x="390337" y="360648"/>
+            <a:ext cx="10113820" cy="926870"/>
+          </a:xfrm>
+          <a:prstGeom prst="rect">
+            <a:avLst/>
+          </a:prstGeom>
+        </p:spPr>
+        <p:txBody>
+          <a:bodyPr wrap="square">
+            <a:spAutoFit/>
+          </a:bodyPr>
+          <a:p>
+            <a:pPr lvl="0">
+              <a:defRPr/>
+            </a:pPr>
+            <a:r>
+              <a:rPr kumimoji="1" lang="en-US" altLang="ko-KR" sz="5500" b="1">
+                <a:latin typeface="나눔손글씨 붓"/>
+                <a:ea typeface="나눔손글씨 붓"/>
+                <a:cs typeface="Mangal"/>
+              </a:rPr>
+              <a:t>3.</a:t>
+            </a:r>
+            <a:r>
+              <a:rPr kumimoji="1" lang="ko-KR" altLang="en-US" sz="5500" b="1">
+                <a:latin typeface="나눔손글씨 붓"/>
+                <a:ea typeface="나눔손글씨 붓"/>
+                <a:cs typeface="Mangal"/>
+              </a:rPr>
+              <a:t> 주요 기능 소개</a:t>
+            </a:r>
+            <a:endParaRPr kumimoji="1" lang="ko-KR" altLang="en-US" sz="5500" b="1">
+              <a:latin typeface="나눔손글씨 붓"/>
+              <a:ea typeface="나눔손글씨 붓"/>
+              <a:cs typeface="Mangal"/>
+            </a:endParaRPr>
+          </a:p>
+        </p:txBody>
+      </p:sp>
+      <p:sp>
+        <p:nvSpPr>
+          <p:cNvPr id="6" name=""/>
+          <p:cNvSpPr txBox="1"/>
+          <p:nvPr/>
+        </p:nvSpPr>
+        <p:spPr>
+          <a:xfrm>
+            <a:off x="3524247" y="1547290"/>
+            <a:ext cx="5143505" cy="729011"/>
+          </a:xfrm>
+          <a:prstGeom prst="rect">
+            <a:avLst/>
+          </a:prstGeom>
+        </p:spPr>
+        <p:txBody>
+          <a:bodyPr wrap="square">
+            <a:spAutoFit/>
+          </a:bodyPr>
+          <a:lstStyle/>
+          <a:p>
+            <a:pPr lvl="0" algn="ctr">
+              <a:defRPr/>
+            </a:pPr>
+            <a:r>
+              <a:rPr kumimoji="1" lang="en-US" altLang="ko-KR" sz="4200" b="1">
+                <a:latin typeface="한컴 윤고딕 240"/>
+                <a:ea typeface="한컴 윤고딕 240"/>
+                <a:cs typeface="Mangal"/>
+              </a:rPr>
+              <a:t>-</a:t>
+            </a:r>
+            <a:r>
+              <a:rPr kumimoji="1" lang="ko-KR" altLang="en-US" sz="4200" b="1">
+                <a:latin typeface="한컴 윤고딕 240"/>
+                <a:ea typeface="한컴 윤고딕 240"/>
+                <a:cs typeface="Mangal"/>
+              </a:rPr>
+              <a:t> 핵심 기술 </a:t>
+            </a:r>
+            <a:r>
+              <a:rPr kumimoji="1" lang="en-US" altLang="ko-KR" sz="4200" b="1">
+                <a:latin typeface="한컴 윤고딕 240"/>
+                <a:ea typeface="한컴 윤고딕 240"/>
+                <a:cs typeface="Mangal"/>
+              </a:rPr>
+              <a:t>-</a:t>
+            </a:r>
+            <a:endParaRPr kumimoji="1" lang="en-US" altLang="ko-KR" sz="4200" b="1">
+              <a:latin typeface="한컴 윤고딕 240"/>
+              <a:ea typeface="한컴 윤고딕 240"/>
+              <a:cs typeface="Mangal"/>
+            </a:endParaRPr>
+          </a:p>
+        </p:txBody>
+      </p:sp>
+      <p:sp>
+        <p:nvSpPr>
+          <p:cNvPr id="11" name=""/>
+          <p:cNvSpPr txBox="1"/>
+          <p:nvPr/>
+        </p:nvSpPr>
+        <p:spPr>
+          <a:xfrm>
+            <a:off x="1292663" y="2276301"/>
+            <a:ext cx="2920159" cy="541194"/>
+          </a:xfrm>
+          <a:prstGeom prst="rect">
+            <a:avLst/>
+          </a:prstGeom>
+        </p:spPr>
+        <p:txBody>
+          <a:bodyPr wrap="square">
+            <a:spAutoFit/>
+          </a:bodyPr>
+          <a:p>
+            <a:pPr algn="ctr">
+              <a:defRPr/>
+            </a:pPr>
+            <a:r>
+              <a:rPr lang="en-US" altLang="ko-KR" sz="3000" b="1">
+                <a:latin typeface="한컴 윤고딕 240"/>
+                <a:ea typeface="한컴 윤고딕 240"/>
+              </a:rPr>
+              <a:t>SQL</a:t>
+            </a:r>
+            <a:r>
+              <a:rPr lang="ko-KR" altLang="en-US" sz="3000" b="1">
+                <a:latin typeface="한컴 윤고딕 240"/>
+                <a:ea typeface="한컴 윤고딕 240"/>
+              </a:rPr>
+              <a:t> </a:t>
+            </a:r>
+            <a:r>
+              <a:rPr lang="en-US" altLang="ko-KR" sz="3000" b="1">
+                <a:latin typeface="한컴 윤고딕 240"/>
+                <a:ea typeface="한컴 윤고딕 240"/>
+              </a:rPr>
+              <a:t>-</a:t>
+            </a:r>
+            <a:r>
+              <a:rPr lang="ko-KR" altLang="en-US" sz="3000" b="1">
+                <a:latin typeface="한컴 윤고딕 240"/>
+                <a:ea typeface="한컴 윤고딕 240"/>
+              </a:rPr>
+              <a:t> 트리거</a:t>
+            </a:r>
+            <a:endParaRPr lang="ko-KR" altLang="en-US" sz="3000" b="1">
+              <a:latin typeface="한컴 윤고딕 240"/>
+              <a:ea typeface="한컴 윤고딕 240"/>
+            </a:endParaRPr>
+          </a:p>
+        </p:txBody>
+      </p:sp>
+      <p:sp>
+        <p:nvSpPr>
+          <p:cNvPr id="15" name=""/>
+          <p:cNvSpPr txBox="1"/>
+          <p:nvPr/>
+        </p:nvSpPr>
+        <p:spPr>
+          <a:xfrm>
+            <a:off x="616672" y="3183890"/>
+            <a:ext cx="11575328" cy="2662555"/>
+          </a:xfrm>
+          <a:prstGeom prst="rect">
+            <a:avLst/>
+          </a:prstGeom>
+        </p:spPr>
+        <p:txBody>
+          <a:bodyPr wrap="square">
+            <a:spAutoFit/>
+          </a:bodyPr>
+          <a:lstStyle/>
+          <a:p>
+            <a:pPr>
+              <a:defRPr/>
+            </a:pPr>
+            <a:r>
+              <a:rPr lang="ko-KR" altLang="en-US" sz="2200" b="1">
+                <a:latin typeface="나눔손글씨 붓"/>
+                <a:ea typeface="나눔손글씨 붓"/>
+              </a:rPr>
+              <a:t> </a:t>
+            </a:r>
+            <a:r>
+              <a:rPr lang="ko-KR" altLang="en-US" sz="2100" b="1">
+                <a:latin typeface="나눔손글씨 붓"/>
+                <a:ea typeface="나눔손글씨 붓"/>
+              </a:rPr>
+              <a:t>  </a:t>
+            </a:r>
+            <a:r>
+              <a:rPr lang="ko-KR" altLang="en-US" sz="2100">
+                <a:latin typeface="한컴 윤고딕 240"/>
+                <a:ea typeface="한컴 윤고딕 240"/>
+              </a:rPr>
+              <a:t>1. 대출 테이블에 회원 ID와 책 ID를 INSERT 하면 대출번호를 날짜+순번 시퀸스로 키값으로 </a:t>
+            </a:r>
+            <a:endParaRPr lang="ko-KR" altLang="en-US" sz="2100">
+              <a:latin typeface="한컴 윤고딕 240"/>
+              <a:ea typeface="한컴 윤고딕 240"/>
+            </a:endParaRPr>
+          </a:p>
+          <a:p>
+            <a:pPr marL="518688" indent="84875">
+              <a:defRPr/>
+            </a:pPr>
+            <a:r>
+              <a:rPr lang="ko-KR" altLang="en-US" sz="2100">
+                <a:latin typeface="한컴 윤고딕 240"/>
+                <a:ea typeface="한컴 윤고딕 240"/>
+              </a:rPr>
+              <a:t>하고 대출일과 예정 반납일도 자동으로 입력하는 트리거</a:t>
+            </a:r>
+            <a:r>
+              <a:rPr lang="en-US" altLang="ko-KR" sz="2100">
+                <a:latin typeface="한컴 윤고딕 240"/>
+                <a:ea typeface="한컴 윤고딕 240"/>
+              </a:rPr>
+              <a:t>.</a:t>
+            </a:r>
+            <a:endParaRPr lang="en-US" altLang="ko-KR" sz="2100">
+              <a:latin typeface="한컴 윤고딕 240"/>
+              <a:ea typeface="한컴 윤고딕 240"/>
+            </a:endParaRPr>
+          </a:p>
+          <a:p>
+            <a:pPr>
+              <a:defRPr/>
+            </a:pPr>
+            <a:endParaRPr lang="ko-KR" altLang="en-US" sz="2100">
+              <a:latin typeface="한컴 윤고딕 240"/>
+              <a:ea typeface="한컴 윤고딕 240"/>
+            </a:endParaRPr>
+          </a:p>
+          <a:p>
+            <a:pPr>
+              <a:defRPr/>
+            </a:pPr>
+            <a:r>
+              <a:rPr lang="ko-KR" altLang="en-US" sz="2100">
+                <a:latin typeface="한컴 윤고딕 240"/>
+                <a:ea typeface="한컴 윤고딕 240"/>
+              </a:rPr>
+              <a:t>  2. 책이 입력될 때 출판사 테이블에 입력 받은 출판사가 없다면 출판사 테이블에 출판사를 입력</a:t>
+            </a:r>
+            <a:r>
+              <a:rPr lang="en-US" altLang="ko-KR" sz="2100">
+                <a:latin typeface="한컴 윤고딕 240"/>
+                <a:ea typeface="한컴 윤고딕 240"/>
+              </a:rPr>
+              <a:t>.</a:t>
+            </a:r>
+            <a:endParaRPr lang="en-US" altLang="ko-KR" sz="2100">
+              <a:latin typeface="한컴 윤고딕 240"/>
+              <a:ea typeface="한컴 윤고딕 240"/>
+            </a:endParaRPr>
+          </a:p>
+          <a:p>
+            <a:pPr>
+              <a:defRPr/>
+            </a:pPr>
+            <a:endParaRPr lang="ko-KR" altLang="en-US" sz="2100">
+              <a:latin typeface="한컴 윤고딕 240"/>
+              <a:ea typeface="한컴 윤고딕 240"/>
+            </a:endParaRPr>
+          </a:p>
+          <a:p>
+            <a:pPr>
+              <a:defRPr/>
+            </a:pPr>
+            <a:r>
+              <a:rPr lang="ko-KR" altLang="en-US" sz="2100">
+                <a:latin typeface="한컴 윤고딕 240"/>
+                <a:ea typeface="한컴 윤고딕 240"/>
+              </a:rPr>
+              <a:t>  3. 책을 대출하면 책 테이블에 책 대출 여부를 N으로 하고 회원의 대출 책 수를 +1 처리</a:t>
+            </a:r>
+            <a:r>
+              <a:rPr lang="en-US" altLang="ko-KR" sz="2100">
+                <a:latin typeface="한컴 윤고딕 240"/>
+                <a:ea typeface="한컴 윤고딕 240"/>
+              </a:rPr>
+              <a:t>.</a:t>
+            </a:r>
+            <a:endParaRPr lang="en-US" altLang="ko-KR" sz="2100">
+              <a:latin typeface="한컴 윤고딕 240"/>
+              <a:ea typeface="한컴 윤고딕 240"/>
+            </a:endParaRPr>
+          </a:p>
+          <a:p>
+            <a:pPr>
+              <a:defRPr/>
+            </a:pPr>
+            <a:endParaRPr lang="ko-KR" altLang="en-US" sz="2100">
+              <a:latin typeface="한컴 윤고딕 240"/>
+              <a:ea typeface="한컴 윤고딕 240"/>
+            </a:endParaRPr>
+          </a:p>
+          <a:p>
+            <a:pPr>
+              <a:defRPr/>
+            </a:pPr>
+            <a:r>
+              <a:rPr lang="ko-KR" altLang="en-US" sz="2100">
+                <a:latin typeface="한컴 윤고딕 240"/>
+                <a:ea typeface="한컴 윤고딕 240"/>
+              </a:rPr>
+              <a:t>  4. 책을 반납하면 책 테이블에 책 대출 여부를 Y으로 하고 회원의 대출 책 수를 -1 처리</a:t>
+            </a:r>
+            <a:r>
+              <a:rPr lang="en-US" altLang="ko-KR" sz="2100">
+                <a:latin typeface="한컴 윤고딕 240"/>
+                <a:ea typeface="한컴 윤고딕 240"/>
+              </a:rPr>
+              <a:t>.</a:t>
+            </a:r>
+            <a:endParaRPr lang="en-US" altLang="ko-KR" sz="2100">
+              <a:latin typeface="한컴 윤고딕 240"/>
+              <a:ea typeface="한컴 윤고딕 240"/>
+            </a:endParaRPr>
+          </a:p>
+        </p:txBody>
+      </p:sp>
+    </p:spTree>
+  </p:cSld>
+  <p:clrMapOvr>
+    <a:masterClrMapping/>
+  </p:clrMapOvr>
+  <mc:AlternateContent xmlns:mc="http://schemas.openxmlformats.org/markup-compatibility/2006">
+    <mc:Choice xmlns:p14="http://schemas.microsoft.com/office/powerpoint/2010/main" Requires="p14">
+      <p:transition xmlns:mc="http://schemas.openxmlformats.org/markup-compatibility/2006" xmlns:p14="http://schemas.microsoft.com/office/powerpoint/2010/main" mc:Ignorable="p14" p14:dur="500"/>
+    </mc:Choice>
+    <mc:Fallback>
+      <p:transition/>
+    </mc:Fallback>
+  </mc:AlternateContent>
+</p:sld>
+</file>
+
+<file path=ppt/slides/slide9.xml><?xml version="1.0" encoding="utf-8"?>
+<p:sld xmlns:r="http://schemas.openxmlformats.org/officeDocument/2006/relationships" xmlns:c="http://schemas.openxmlformats.org/drawingml/2006/chart" xmlns:a="http://schemas.openxmlformats.org/drawingml/2006/main" xmlns:dgm="http://schemas.openxmlformats.org/drawingml/2006/diagram" xmlns:dsp="http://schemas.microsoft.com/office/drawing/2008/diagram" xmlns:p="http://schemas.openxmlformats.org/presentationml/2006/main">
+  <p:cSld>
+    <p:spTree>
+      <p:nvGrpSpPr>
+        <p:cNvPr id="1" name=""/>
+        <p:cNvGrpSpPr/>
+        <p:nvPr/>
+      </p:nvGrpSpPr>
+      <p:grpSpPr>
+        <a:xfrm>
+          <a:off x="0" y="0"/>
+          <a:ext cx="0" cy="0"/>
+          <a:chOff x="0" y="0"/>
+          <a:chExt cx="0" cy="0"/>
+        </a:xfrm>
+      </p:grpSpPr>
+      <p:sp>
+        <p:nvSpPr>
+          <p:cNvPr id="4" name=""/>
+          <p:cNvSpPr txBox="1"/>
+          <p:nvPr/>
+        </p:nvSpPr>
+        <p:spPr>
+          <a:xfrm>
+            <a:off x="390337" y="360648"/>
+            <a:ext cx="10113820" cy="926870"/>
+          </a:xfrm>
+          <a:prstGeom prst="rect">
+            <a:avLst/>
+          </a:prstGeom>
+        </p:spPr>
+        <p:txBody>
+          <a:bodyPr wrap="square">
+            <a:spAutoFit/>
+          </a:bodyPr>
+          <a:p>
+            <a:pPr lvl="0">
+              <a:defRPr/>
+            </a:pPr>
+            <a:r>
+              <a:rPr kumimoji="1" lang="en-US" altLang="ko-KR" sz="5500" b="1">
+                <a:latin typeface="나눔손글씨 붓"/>
+                <a:ea typeface="나눔손글씨 붓"/>
+                <a:cs typeface="Mangal"/>
+              </a:rPr>
+              <a:t>3.</a:t>
+            </a:r>
+            <a:r>
+              <a:rPr kumimoji="1" lang="ko-KR" altLang="en-US" sz="5500" b="1">
+                <a:latin typeface="나눔손글씨 붓"/>
+                <a:ea typeface="나눔손글씨 붓"/>
+                <a:cs typeface="Mangal"/>
+              </a:rPr>
+              <a:t> 주요 기능 소개</a:t>
+            </a:r>
+            <a:endParaRPr kumimoji="1" lang="ko-KR" altLang="en-US" sz="5500" b="1">
+              <a:latin typeface="나눔손글씨 붓"/>
+              <a:ea typeface="나눔손글씨 붓"/>
+              <a:cs typeface="Mangal"/>
+            </a:endParaRPr>
+          </a:p>
+        </p:txBody>
+      </p:sp>
+      <p:sp>
+        <p:nvSpPr>
+          <p:cNvPr id="6" name=""/>
+          <p:cNvSpPr txBox="1"/>
+          <p:nvPr/>
+        </p:nvSpPr>
+        <p:spPr>
+          <a:xfrm>
+            <a:off x="3524247" y="1547290"/>
+            <a:ext cx="5143505" cy="729011"/>
+          </a:xfrm>
+          <a:prstGeom prst="rect">
+            <a:avLst/>
+          </a:prstGeom>
+        </p:spPr>
+        <p:txBody>
+          <a:bodyPr wrap="square">
+            <a:spAutoFit/>
+          </a:bodyPr>
+          <a:lstStyle/>
+          <a:p>
+            <a:pPr lvl="0" algn="ctr">
+              <a:defRPr/>
+            </a:pPr>
+            <a:r>
+              <a:rPr kumimoji="1" lang="en-US" altLang="ko-KR" sz="4200" b="1">
+                <a:latin typeface="한컴 윤고딕 240"/>
+                <a:ea typeface="한컴 윤고딕 240"/>
+                <a:cs typeface="Mangal"/>
+              </a:rPr>
+              <a:t>-</a:t>
+            </a:r>
+            <a:r>
+              <a:rPr kumimoji="1" lang="ko-KR" altLang="en-US" sz="4200" b="1">
+                <a:latin typeface="한컴 윤고딕 240"/>
+                <a:ea typeface="한컴 윤고딕 240"/>
+                <a:cs typeface="Mangal"/>
+              </a:rPr>
+              <a:t> 핵심 기술 </a:t>
+            </a:r>
+            <a:r>
+              <a:rPr kumimoji="1" lang="en-US" altLang="ko-KR" sz="4200" b="1">
+                <a:latin typeface="한컴 윤고딕 240"/>
+                <a:ea typeface="한컴 윤고딕 240"/>
+                <a:cs typeface="Mangal"/>
+              </a:rPr>
+              <a:t>-</a:t>
+            </a:r>
+            <a:endParaRPr kumimoji="1" lang="en-US" altLang="ko-KR" sz="4200" b="1">
+              <a:latin typeface="한컴 윤고딕 240"/>
+              <a:ea typeface="한컴 윤고딕 240"/>
+              <a:cs typeface="Mangal"/>
+            </a:endParaRPr>
+          </a:p>
+        </p:txBody>
+      </p:sp>
+      <p:sp>
+        <p:nvSpPr>
+          <p:cNvPr id="11" name=""/>
+          <p:cNvSpPr txBox="1"/>
+          <p:nvPr/>
+        </p:nvSpPr>
+        <p:spPr>
+          <a:xfrm>
+            <a:off x="1292663" y="2276301"/>
+            <a:ext cx="2920159" cy="541194"/>
+          </a:xfrm>
+          <a:prstGeom prst="rect">
+            <a:avLst/>
+          </a:prstGeom>
+        </p:spPr>
+        <p:txBody>
+          <a:bodyPr wrap="square">
+            <a:spAutoFit/>
+          </a:bodyPr>
+          <a:p>
+            <a:pPr algn="ctr">
+              <a:defRPr/>
+            </a:pPr>
+            <a:r>
+              <a:rPr lang="en-US" altLang="ko-KR" sz="3000" b="1">
+                <a:latin typeface="한컴 윤고딕 240"/>
+                <a:ea typeface="한컴 윤고딕 240"/>
+              </a:rPr>
+              <a:t>Java</a:t>
+            </a:r>
+            <a:endParaRPr lang="en-US" altLang="ko-KR" sz="3000" b="1">
+              <a:latin typeface="한컴 윤고딕 240"/>
+              <a:ea typeface="한컴 윤고딕 240"/>
+            </a:endParaRPr>
+          </a:p>
+        </p:txBody>
+      </p:sp>
+      <p:sp>
+        <p:nvSpPr>
+          <p:cNvPr id="15" name=""/>
+          <p:cNvSpPr txBox="1"/>
+          <p:nvPr/>
+        </p:nvSpPr>
+        <p:spPr>
+          <a:xfrm>
+            <a:off x="831739" y="3429000"/>
+            <a:ext cx="10528521" cy="2024286"/>
+          </a:xfrm>
+          <a:prstGeom prst="rect">
+            <a:avLst/>
+          </a:prstGeom>
+        </p:spPr>
+        <p:txBody>
+          <a:bodyPr wrap="square">
+            <a:spAutoFit/>
+          </a:bodyPr>
+          <a:lstStyle/>
+          <a:p>
+            <a:pPr>
+              <a:defRPr/>
+            </a:pPr>
+            <a:r>
+              <a:rPr lang="ko-KR" altLang="en-US" sz="2200" b="1">
+                <a:latin typeface="나눔손글씨 붓"/>
+                <a:ea typeface="나눔손글씨 붓"/>
+              </a:rPr>
+              <a:t> </a:t>
+            </a:r>
+            <a:r>
+              <a:rPr lang="ko-KR" altLang="en-US" sz="2100" b="1">
+                <a:latin typeface="나눔손글씨 붓"/>
+                <a:ea typeface="나눔손글씨 붓"/>
+              </a:rPr>
+              <a:t>  </a:t>
+            </a:r>
+            <a:r>
+              <a:rPr lang="en-US" altLang="ko-KR" sz="2100" b="1">
+                <a:latin typeface="나눔손글씨 붓"/>
+                <a:ea typeface="나눔손글씨 붓"/>
+              </a:rPr>
+              <a:t> </a:t>
+            </a:r>
+            <a:r>
+              <a:rPr lang="ko-KR" altLang="en-US" sz="2100">
+                <a:latin typeface="한컴 윤고딕 240"/>
+                <a:ea typeface="한컴 윤고딕 240"/>
+              </a:rPr>
+              <a:t>1. 선택하는 번호의 제약은 정규식으로 특정범위의 숫자만 가능하게 제한</a:t>
+            </a:r>
+            <a:r>
+              <a:rPr lang="en-US" altLang="ko-KR" sz="2100">
+                <a:latin typeface="한컴 윤고딕 240"/>
+                <a:ea typeface="한컴 윤고딕 240"/>
+              </a:rPr>
+              <a:t>.</a:t>
+            </a:r>
+            <a:endParaRPr lang="en-US" altLang="ko-KR" sz="2100">
+              <a:latin typeface="한컴 윤고딕 240"/>
+              <a:ea typeface="한컴 윤고딕 240"/>
+            </a:endParaRPr>
+          </a:p>
+          <a:p>
+            <a:pPr>
+              <a:defRPr/>
+            </a:pPr>
+            <a:endParaRPr lang="ko-KR" altLang="en-US" sz="2100">
+              <a:latin typeface="한컴 윤고딕 240"/>
+              <a:ea typeface="한컴 윤고딕 240"/>
+            </a:endParaRPr>
+          </a:p>
+          <a:p>
+            <a:pPr>
+              <a:defRPr/>
+            </a:pPr>
+            <a:r>
+              <a:rPr lang="ko-KR" altLang="en-US" sz="2100">
+                <a:latin typeface="한컴 윤고딕 240"/>
+                <a:ea typeface="한컴 윤고딕 240"/>
+              </a:rPr>
+              <a:t>   2. 책 검색 리스트를 보여줄 때 페이지 처럼 보이게 설정하여 한 화면에 보이게 설정</a:t>
+            </a:r>
+            <a:r>
+              <a:rPr lang="en-US" altLang="ko-KR" sz="2100">
+                <a:latin typeface="한컴 윤고딕 240"/>
+                <a:ea typeface="한컴 윤고딕 240"/>
+              </a:rPr>
+              <a:t>.</a:t>
+            </a:r>
+            <a:endParaRPr lang="en-US" altLang="ko-KR" sz="2100">
+              <a:latin typeface="한컴 윤고딕 240"/>
+              <a:ea typeface="한컴 윤고딕 240"/>
+            </a:endParaRPr>
+          </a:p>
+          <a:p>
+            <a:pPr>
+              <a:defRPr/>
+            </a:pPr>
+            <a:endParaRPr lang="ko-KR" altLang="en-US" sz="2100">
+              <a:latin typeface="한컴 윤고딕 240"/>
+              <a:ea typeface="한컴 윤고딕 240"/>
+            </a:endParaRPr>
+          </a:p>
+          <a:p>
+            <a:pPr marL="0" indent="-18861">
+              <a:defRPr/>
+            </a:pPr>
+            <a:r>
+              <a:rPr lang="ko-KR" altLang="en-US" sz="2100">
+                <a:latin typeface="한컴 윤고딕 240"/>
+                <a:ea typeface="한컴 윤고딕 240"/>
+              </a:rPr>
+              <a:t>   3. 사용자에 따라서 보이는 목록을 제한하였습니다. 회원은 대출, 반납이 가능하게 관리자는 </a:t>
+            </a:r>
+            <a:endParaRPr lang="ko-KR" altLang="en-US" sz="2100">
+              <a:latin typeface="한컴 윤고딕 240"/>
+              <a:ea typeface="한컴 윤고딕 240"/>
+            </a:endParaRPr>
+          </a:p>
+          <a:p>
+            <a:pPr marL="584703" indent="84875">
+              <a:defRPr/>
+            </a:pPr>
+            <a:r>
+              <a:rPr lang="ko-KR" altLang="en-US" sz="2100">
+                <a:latin typeface="한컴 윤고딕 240"/>
+                <a:ea typeface="한컴 윤고딕 240"/>
+              </a:rPr>
+              <a:t>책 입고/수정/삭제를 관리하고 비회원은 책 리스트와 검색만 가능하게 설정</a:t>
+            </a:r>
+            <a:r>
+              <a:rPr lang="en-US" altLang="ko-KR" sz="2100">
+                <a:latin typeface="한컴 윤고딕 240"/>
+                <a:ea typeface="한컴 윤고딕 240"/>
+              </a:rPr>
+              <a:t>.</a:t>
+            </a:r>
+            <a:endParaRPr lang="en-US" altLang="ko-KR" sz="2100">
+              <a:latin typeface="한컴 윤고딕 240"/>
+              <a:ea typeface="한컴 윤고딕 240"/>
+            </a:endParaRPr>
+          </a:p>
+        </p:txBody>
+      </p:sp>
+    </p:spTree>
+  </p:cSld>
+  <p:clrMapOvr>
+    <a:masterClrMapping/>
+  </p:clrMapOvr>
+  <mc:AlternateContent xmlns:mc="http://schemas.openxmlformats.org/markup-compatibility/2006">
+    <mc:Choice xmlns:p14="http://schemas.microsoft.com/office/powerpoint/2010/main" Requires="p14">
+      <p:transition xmlns:mc="http://schemas.openxmlformats.org/markup-compatibility/2006" xmlns:p14="http://schemas.microsoft.com/office/powerpoint/2010/main" mc:Ignorable="p14" p14:dur="500"/>
+    </mc:Choice>
+    <mc:Fallback>
+      <p:transition/>
+    </mc:Fallback>
+  </mc:AlternateContent>
 </p:sld>
 </file>
 

--- a/JdbcBookLibrary/ppt/도서관리프로그램.pptx
+++ b/JdbcBookLibrary/ppt/도서관리프로그램.pptx
@@ -2,7 +2,7 @@
 <file path=ppt/presentation.xml><?xml version="1.0" encoding="utf-8"?>
 <p:presentation xmlns:r="http://schemas.openxmlformats.org/officeDocument/2006/relationships" xmlns:c="http://schemas.openxmlformats.org/drawingml/2006/chart" xmlns:a="http://schemas.openxmlformats.org/drawingml/2006/main" xmlns:dgm="http://schemas.openxmlformats.org/drawingml/2006/diagram" xmlns:dsp="http://schemas.microsoft.com/office/drawing/2008/diagram" xmlns:p="http://schemas.openxmlformats.org/presentationml/2006/main" autoCompressPictures="0">
   <p:sldMasterIdLst>
-    <p:sldMasterId id="2147483662" r:id="rId1"/>
+    <p:sldMasterId id="2147483661" r:id="rId1"/>
   </p:sldMasterIdLst>
   <p:notesMasterIdLst>
     <p:notesMasterId r:id="rId2"/>
@@ -573,10 +573,10 @@
               <a:defRPr/>
             </a:pPr>
             <a:r>
-              <a:rPr lang="en-US" altLang="ko-KR"/>
+              <a:rPr lang="ko-KR" altLang="en-US"/>
               <a:t/>
             </a:r>
-            <a:endParaRPr lang="en-US" altLang="ko-KR"/>
+            <a:endParaRPr lang="ko-KR" altLang="en-US"/>
           </a:p>
         </p:txBody>
       </p:sp>
@@ -675,10 +675,10 @@
               <a:defRPr/>
             </a:pPr>
             <a:r>
-              <a:rPr lang="en-US" altLang="ko-KR"/>
+              <a:rPr lang="ko-KR" altLang="en-US"/>
               <a:t/>
             </a:r>
-            <a:endParaRPr lang="en-US" altLang="ko-KR"/>
+            <a:endParaRPr lang="ko-KR" altLang="en-US"/>
           </a:p>
         </p:txBody>
       </p:sp>
@@ -777,10 +777,10 @@
               <a:defRPr/>
             </a:pPr>
             <a:r>
-              <a:rPr lang="en-US" altLang="ko-KR"/>
+              <a:rPr lang="ko-KR" altLang="en-US"/>
               <a:t/>
             </a:r>
-            <a:endParaRPr lang="en-US" altLang="ko-KR"/>
+            <a:endParaRPr lang="ko-KR" altLang="en-US"/>
           </a:p>
         </p:txBody>
       </p:sp>
@@ -9023,7 +9023,7 @@
                 <a:latin typeface="한컴 윤고딕 240"/>
                 <a:ea typeface="한컴 윤고딕 240"/>
               </a:rPr>
-              <a:t>   3. 사용자에 따라서 보이는 목록을 제한하였습니다. 회원은 대출, 반납이 가능하게 관리자는 </a:t>
+              <a:t>   3. 사용자에 따라서 보이는 목록을 제한하여 회원은 대출, 반납이 가능하게 관리자는 </a:t>
             </a:r>
             <a:endParaRPr lang="ko-KR" altLang="en-US" sz="2100">
               <a:latin typeface="한컴 윤고딕 240"/>
